--- a/Hotel_Recommendation.pptx
+++ b/Hotel_Recommendation.pptx
@@ -1,68 +1,65 @@
 
 <file path=ppt/presentation.xml><?xml version="1.0" encoding="utf-8"?>
-<p:presentation xmlns:a="http://schemas.openxmlformats.org/drawingml/2006/main" xmlns:r="http://schemas.openxmlformats.org/officeDocument/2006/relationships" xmlns:mc="http://schemas.openxmlformats.org/markup-compatibility/2006" xmlns:mv="urn:schemas-microsoft-com:mac:vml" xmlns:p="http://schemas.openxmlformats.org/presentationml/2006/main" xmlns:c="http://schemas.openxmlformats.org/drawingml/2006/chart" xmlns:dgm="http://schemas.openxmlformats.org/drawingml/2006/diagram" xmlns:o="urn:schemas-microsoft-com:office:office" xmlns:v="urn:schemas-microsoft-com:vml" xmlns:pvml="urn:schemas-microsoft-com:office:powerpoint" xmlns:com="http://schemas.openxmlformats.org/drawingml/2006/compatibility" xmlns:p14="http://schemas.microsoft.com/office/powerpoint/2010/main" xmlns:p15="http://schemas.microsoft.com/office/powerpoint/2012/main" xmlns:ahyp="http://schemas.microsoft.com/office/drawing/2018/hyperlinkcolor" autoCompressPictures="0" embedTrueTypeFonts="1" strictFirstAndLastChars="0" saveSubsetFonts="1">
+<p:presentation xmlns:a="http://schemas.openxmlformats.org/drawingml/2006/main" xmlns:r="http://schemas.openxmlformats.org/officeDocument/2006/relationships" xmlns:p="http://schemas.openxmlformats.org/presentationml/2006/main" strictFirstAndLastChars="0" embedTrueTypeFonts="1" saveSubsetFonts="1" autoCompressPictures="0">
   <p:sldMasterIdLst>
-    <p:sldMasterId id="2147483659" r:id="rId4"/>
+    <p:sldMasterId id="2147483659" r:id="rId1"/>
   </p:sldMasterIdLst>
   <p:notesMasterIdLst>
-    <p:notesMasterId r:id="rId5"/>
+    <p:notesMasterId r:id="rId12"/>
   </p:notesMasterIdLst>
   <p:sldIdLst>
-    <p:sldId id="256" r:id="rId6"/>
-    <p:sldId id="257" r:id="rId7"/>
-    <p:sldId id="258" r:id="rId8"/>
-    <p:sldId id="259" r:id="rId9"/>
-    <p:sldId id="260" r:id="rId10"/>
-    <p:sldId id="261" r:id="rId11"/>
-    <p:sldId id="262" r:id="rId12"/>
-    <p:sldId id="263" r:id="rId13"/>
-    <p:sldId id="264" r:id="rId14"/>
-    <p:sldId id="265" r:id="rId15"/>
-    <p:sldId id="266" r:id="rId16"/>
-    <p:sldId id="267" r:id="rId17"/>
-    <p:sldId id="268" r:id="rId18"/>
+    <p:sldId id="256" r:id="rId2"/>
+    <p:sldId id="257" r:id="rId3"/>
+    <p:sldId id="258" r:id="rId4"/>
+    <p:sldId id="259" r:id="rId5"/>
+    <p:sldId id="260" r:id="rId6"/>
+    <p:sldId id="261" r:id="rId7"/>
+    <p:sldId id="262" r:id="rId8"/>
+    <p:sldId id="263" r:id="rId9"/>
+    <p:sldId id="264" r:id="rId10"/>
+    <p:sldId id="265" r:id="rId11"/>
   </p:sldIdLst>
-  <p:sldSz cy="5143500" cx="9144000"/>
+  <p:sldSz cx="9144000" cy="5143500" type="screen16x9"/>
   <p:notesSz cx="6858000" cy="9144000"/>
   <p:embeddedFontLst>
     <p:embeddedFont>
-      <p:font typeface="Roboto Thin"/>
-      <p:regular r:id="rId19"/>
-      <p:bold r:id="rId20"/>
-      <p:italic r:id="rId21"/>
-      <p:boldItalic r:id="rId22"/>
+      <p:font typeface="Economica" panose="02000506040000020004" pitchFamily="2" charset="77"/>
+      <p:regular r:id="rId13"/>
+      <p:bold r:id="rId14"/>
+      <p:italic r:id="rId15"/>
+      <p:boldItalic r:id="rId16"/>
     </p:embeddedFont>
     <p:embeddedFont>
-      <p:font typeface="Economica"/>
-      <p:regular r:id="rId23"/>
-      <p:bold r:id="rId24"/>
-      <p:italic r:id="rId25"/>
-      <p:boldItalic r:id="rId26"/>
+      <p:font typeface="Open Sans" panose="020B0606030504020204" pitchFamily="34" charset="0"/>
+      <p:regular r:id="rId17"/>
+      <p:bold r:id="rId18"/>
+      <p:italic r:id="rId19"/>
+      <p:boldItalic r:id="rId20"/>
     </p:embeddedFont>
     <p:embeddedFont>
-      <p:font typeface="Roboto Medium"/>
-      <p:regular r:id="rId27"/>
-      <p:bold r:id="rId28"/>
-      <p:italic r:id="rId29"/>
-      <p:boldItalic r:id="rId30"/>
+      <p:font typeface="Roboto" panose="02000000000000000000" pitchFamily="2" charset="0"/>
+      <p:regular r:id="rId21"/>
+      <p:bold r:id="rId22"/>
+      <p:italic r:id="rId23"/>
+      <p:boldItalic r:id="rId24"/>
     </p:embeddedFont>
     <p:embeddedFont>
-      <p:font typeface="Roboto"/>
-      <p:regular r:id="rId31"/>
-      <p:bold r:id="rId32"/>
-      <p:italic r:id="rId33"/>
-      <p:boldItalic r:id="rId34"/>
+      <p:font typeface="Roboto Medium" panose="020F0502020204030204" pitchFamily="34" charset="0"/>
+      <p:regular r:id="rId25"/>
+      <p:bold r:id="rId26"/>
+      <p:italic r:id="rId27"/>
+      <p:boldItalic r:id="rId28"/>
     </p:embeddedFont>
     <p:embeddedFont>
-      <p:font typeface="Open Sans"/>
-      <p:regular r:id="rId35"/>
-      <p:bold r:id="rId36"/>
-      <p:italic r:id="rId37"/>
-      <p:boldItalic r:id="rId38"/>
+      <p:font typeface="Roboto Thin" panose="020F0302020204030204" pitchFamily="34" charset="0"/>
+      <p:regular r:id="rId29"/>
+      <p:bold r:id="rId30"/>
+      <p:italic r:id="rId31"/>
+      <p:boldItalic r:id="rId32"/>
     </p:embeddedFont>
   </p:embeddedFontLst>
   <p:defaultTextStyle>
-    <a:defPPr lvl="0" marR="0" rtl="0" algn="l">
+    <a:defPPr marR="0" lvl="0" algn="l" rtl="0">
       <a:lnSpc>
         <a:spcPct val="100000"/>
       </a:lnSpc>
@@ -73,7 +70,7 @@
         <a:spcPts val="0"/>
       </a:spcAft>
     </a:defPPr>
-    <a:lvl1pPr lvl="0" marR="0" rtl="0" algn="l">
+    <a:lvl1pPr marR="0" lvl="0" algn="l" rtl="0">
       <a:lnSpc>
         <a:spcPct val="100000"/>
       </a:lnSpc>
@@ -87,7 +84,7 @@
         <a:srgbClr val="000000"/>
       </a:buClr>
       <a:buFont typeface="Arial"/>
-      <a:defRPr b="0" i="0" sz="1400" u="none" cap="none" strike="noStrike">
+      <a:defRPr sz="1400" b="0" i="0" u="none" strike="noStrike" cap="none">
         <a:solidFill>
           <a:srgbClr val="000000"/>
         </a:solidFill>
@@ -97,7 +94,7 @@
         <a:sym typeface="Arial"/>
       </a:defRPr>
     </a:lvl1pPr>
-    <a:lvl2pPr lvl="1" marR="0" rtl="0" algn="l">
+    <a:lvl2pPr marR="0" lvl="1" algn="l" rtl="0">
       <a:lnSpc>
         <a:spcPct val="100000"/>
       </a:lnSpc>
@@ -111,7 +108,7 @@
         <a:srgbClr val="000000"/>
       </a:buClr>
       <a:buFont typeface="Arial"/>
-      <a:defRPr b="0" i="0" sz="1400" u="none" cap="none" strike="noStrike">
+      <a:defRPr sz="1400" b="0" i="0" u="none" strike="noStrike" cap="none">
         <a:solidFill>
           <a:srgbClr val="000000"/>
         </a:solidFill>
@@ -121,7 +118,7 @@
         <a:sym typeface="Arial"/>
       </a:defRPr>
     </a:lvl2pPr>
-    <a:lvl3pPr lvl="2" marR="0" rtl="0" algn="l">
+    <a:lvl3pPr marR="0" lvl="2" algn="l" rtl="0">
       <a:lnSpc>
         <a:spcPct val="100000"/>
       </a:lnSpc>
@@ -135,7 +132,7 @@
         <a:srgbClr val="000000"/>
       </a:buClr>
       <a:buFont typeface="Arial"/>
-      <a:defRPr b="0" i="0" sz="1400" u="none" cap="none" strike="noStrike">
+      <a:defRPr sz="1400" b="0" i="0" u="none" strike="noStrike" cap="none">
         <a:solidFill>
           <a:srgbClr val="000000"/>
         </a:solidFill>
@@ -145,7 +142,7 @@
         <a:sym typeface="Arial"/>
       </a:defRPr>
     </a:lvl3pPr>
-    <a:lvl4pPr lvl="3" marR="0" rtl="0" algn="l">
+    <a:lvl4pPr marR="0" lvl="3" algn="l" rtl="0">
       <a:lnSpc>
         <a:spcPct val="100000"/>
       </a:lnSpc>
@@ -159,7 +156,7 @@
         <a:srgbClr val="000000"/>
       </a:buClr>
       <a:buFont typeface="Arial"/>
-      <a:defRPr b="0" i="0" sz="1400" u="none" cap="none" strike="noStrike">
+      <a:defRPr sz="1400" b="0" i="0" u="none" strike="noStrike" cap="none">
         <a:solidFill>
           <a:srgbClr val="000000"/>
         </a:solidFill>
@@ -169,7 +166,7 @@
         <a:sym typeface="Arial"/>
       </a:defRPr>
     </a:lvl4pPr>
-    <a:lvl5pPr lvl="4" marR="0" rtl="0" algn="l">
+    <a:lvl5pPr marR="0" lvl="4" algn="l" rtl="0">
       <a:lnSpc>
         <a:spcPct val="100000"/>
       </a:lnSpc>
@@ -183,7 +180,7 @@
         <a:srgbClr val="000000"/>
       </a:buClr>
       <a:buFont typeface="Arial"/>
-      <a:defRPr b="0" i="0" sz="1400" u="none" cap="none" strike="noStrike">
+      <a:defRPr sz="1400" b="0" i="0" u="none" strike="noStrike" cap="none">
         <a:solidFill>
           <a:srgbClr val="000000"/>
         </a:solidFill>
@@ -193,7 +190,7 @@
         <a:sym typeface="Arial"/>
       </a:defRPr>
     </a:lvl5pPr>
-    <a:lvl6pPr lvl="5" marR="0" rtl="0" algn="l">
+    <a:lvl6pPr marR="0" lvl="5" algn="l" rtl="0">
       <a:lnSpc>
         <a:spcPct val="100000"/>
       </a:lnSpc>
@@ -207,7 +204,7 @@
         <a:srgbClr val="000000"/>
       </a:buClr>
       <a:buFont typeface="Arial"/>
-      <a:defRPr b="0" i="0" sz="1400" u="none" cap="none" strike="noStrike">
+      <a:defRPr sz="1400" b="0" i="0" u="none" strike="noStrike" cap="none">
         <a:solidFill>
           <a:srgbClr val="000000"/>
         </a:solidFill>
@@ -217,7 +214,7 @@
         <a:sym typeface="Arial"/>
       </a:defRPr>
     </a:lvl6pPr>
-    <a:lvl7pPr lvl="6" marR="0" rtl="0" algn="l">
+    <a:lvl7pPr marR="0" lvl="6" algn="l" rtl="0">
       <a:lnSpc>
         <a:spcPct val="100000"/>
       </a:lnSpc>
@@ -231,7 +228,7 @@
         <a:srgbClr val="000000"/>
       </a:buClr>
       <a:buFont typeface="Arial"/>
-      <a:defRPr b="0" i="0" sz="1400" u="none" cap="none" strike="noStrike">
+      <a:defRPr sz="1400" b="0" i="0" u="none" strike="noStrike" cap="none">
         <a:solidFill>
           <a:srgbClr val="000000"/>
         </a:solidFill>
@@ -241,7 +238,7 @@
         <a:sym typeface="Arial"/>
       </a:defRPr>
     </a:lvl7pPr>
-    <a:lvl8pPr lvl="7" marR="0" rtl="0" algn="l">
+    <a:lvl8pPr marR="0" lvl="7" algn="l" rtl="0">
       <a:lnSpc>
         <a:spcPct val="100000"/>
       </a:lnSpc>
@@ -255,7 +252,7 @@
         <a:srgbClr val="000000"/>
       </a:buClr>
       <a:buFont typeface="Arial"/>
-      <a:defRPr b="0" i="0" sz="1400" u="none" cap="none" strike="noStrike">
+      <a:defRPr sz="1400" b="0" i="0" u="none" strike="noStrike" cap="none">
         <a:solidFill>
           <a:srgbClr val="000000"/>
         </a:solidFill>
@@ -265,7 +262,7 @@
         <a:sym typeface="Arial"/>
       </a:defRPr>
     </a:lvl8pPr>
-    <a:lvl9pPr lvl="8" marR="0" rtl="0" algn="l">
+    <a:lvl9pPr marR="0" lvl="8" algn="l" rtl="0">
       <a:lnSpc>
         <a:spcPct val="100000"/>
       </a:lnSpc>
@@ -279,7 +276,7 @@
         <a:srgbClr val="000000"/>
       </a:buClr>
       <a:buFont typeface="Arial"/>
-      <a:defRPr b="0" i="0" sz="1400" u="none" cap="none" strike="noStrike">
+      <a:defRPr sz="1400" b="0" i="0" u="none" strike="noStrike" cap="none">
         <a:solidFill>
           <a:srgbClr val="000000"/>
         </a:solidFill>
@@ -292,7 +289,7 @@
   </p:defaultTextStyle>
   <p:extLst>
     <p:ext uri="{EFAFB233-063F-42B5-8137-9DF3F51BA10A}">
-      <p15:sldGuideLst>
+      <p15:sldGuideLst xmlns:p15="http://schemas.microsoft.com/office/powerpoint/2012/main">
         <p15:guide id="1" orient="horz" pos="1620">
           <p15:clr>
             <a:srgbClr val="A4A3A4"/>
@@ -310,11 +307,16 @@
 </file>
 
 <file path=ppt/notesMasters/notesMaster1.xml><?xml version="1.0" encoding="utf-8"?>
-<p:notesMaster xmlns:a="http://schemas.openxmlformats.org/drawingml/2006/main" xmlns:r="http://schemas.openxmlformats.org/officeDocument/2006/relationships" xmlns:mc="http://schemas.openxmlformats.org/markup-compatibility/2006" xmlns:mv="urn:schemas-microsoft-com:mac:vml" xmlns:p="http://schemas.openxmlformats.org/presentationml/2006/main" xmlns:c="http://schemas.openxmlformats.org/drawingml/2006/chart" xmlns:dgm="http://schemas.openxmlformats.org/drawingml/2006/diagram" xmlns:o="urn:schemas-microsoft-com:office:office" xmlns:v="urn:schemas-microsoft-com:vml" xmlns:pvml="urn:schemas-microsoft-com:office:powerpoint" xmlns:com="http://schemas.openxmlformats.org/drawingml/2006/compatibility" xmlns:p14="http://schemas.microsoft.com/office/powerpoint/2010/main" xmlns:p15="http://schemas.microsoft.com/office/powerpoint/2012/main" xmlns:ahyp="http://schemas.microsoft.com/office/drawing/2018/hyperlinkcolor">
+<p:notesMaster xmlns:a="http://schemas.openxmlformats.org/drawingml/2006/main" xmlns:r="http://schemas.openxmlformats.org/officeDocument/2006/relationships" xmlns:p="http://schemas.openxmlformats.org/presentationml/2006/main">
   <p:cSld>
+    <p:bg>
+      <p:bgRef idx="1001">
+        <a:schemeClr val="bg1"/>
+      </p:bgRef>
+    </p:bg>
     <p:spTree>
       <p:nvGrpSpPr>
-        <p:cNvPr id="2" name="Shape 2"/>
+        <p:cNvPr id="1" name="Shape 2"/>
         <p:cNvGrpSpPr/>
         <p:nvPr/>
       </p:nvGrpSpPr>
@@ -329,9 +331,11 @@
       <p:sp>
         <p:nvSpPr>
           <p:cNvPr id="3" name="Google Shape;3;n"/>
-          <p:cNvSpPr/>
+          <p:cNvSpPr>
+            <a:spLocks noGrp="1" noRot="1" noChangeAspect="1"/>
+          </p:cNvSpPr>
           <p:nvPr>
-            <p:ph idx="2" type="sldImg"/>
+            <p:ph type="sldImg" idx="2"/>
           </p:nvPr>
         </p:nvSpPr>
         <p:spPr>
@@ -340,9 +344,13 @@
             <a:ext cx="6096075" cy="3429000"/>
           </a:xfrm>
           <a:custGeom>
-            <a:rect b="b" l="l" r="r" t="t"/>
+            <a:avLst/>
+            <a:gdLst/>
+            <a:ahLst/>
+            <a:cxnLst/>
+            <a:rect l="l" t="t" r="r" b="b"/>
             <a:pathLst>
-              <a:path extrusionOk="0" h="120000" w="120000">
+              <a:path w="120000" h="120000" extrusionOk="0">
                 <a:moveTo>
                   <a:pt x="0" y="0"/>
                 </a:moveTo>
@@ -360,23 +368,25 @@
             </a:pathLst>
           </a:custGeom>
           <a:noFill/>
-          <a:ln cap="flat" cmpd="sng" w="9525">
+          <a:ln w="9525" cap="flat" cmpd="sng">
             <a:solidFill>
               <a:srgbClr val="000000"/>
             </a:solidFill>
             <a:prstDash val="solid"/>
             <a:round/>
-            <a:headEnd len="sm" w="sm" type="none"/>
-            <a:tailEnd len="sm" w="sm" type="none"/>
+            <a:headEnd type="none" w="sm" len="sm"/>
+            <a:tailEnd type="none" w="sm" len="sm"/>
           </a:ln>
         </p:spPr>
       </p:sp>
       <p:sp>
         <p:nvSpPr>
           <p:cNvPr id="4" name="Google Shape;4;n"/>
-          <p:cNvSpPr txBox="1"/>
+          <p:cNvSpPr txBox="1">
+            <a:spLocks noGrp="1"/>
+          </p:cNvSpPr>
           <p:nvPr>
-            <p:ph idx="1" type="body"/>
+            <p:ph type="body" idx="1"/>
           </p:nvPr>
         </p:nvSpPr>
         <p:spPr>
@@ -393,11 +403,11 @@
           </a:ln>
         </p:spPr>
         <p:txBody>
-          <a:bodyPr anchorCtr="0" anchor="t" bIns="91425" lIns="91425" spcFirstLastPara="1" rIns="91425" wrap="square" tIns="91425">
+          <a:bodyPr spcFirstLastPara="1" wrap="square" lIns="91425" tIns="91425" rIns="91425" bIns="91425" anchor="t" anchorCtr="0">
             <a:noAutofit/>
           </a:bodyPr>
           <a:lstStyle>
-            <a:lvl1pPr indent="-298450" lvl="0" marL="457200">
+            <a:lvl1pPr marL="457200" lvl="0" indent="-298450">
               <a:spcBef>
                 <a:spcPts val="0"/>
               </a:spcBef>
@@ -408,7 +418,7 @@
               <a:buChar char="●"/>
               <a:defRPr sz="1100"/>
             </a:lvl1pPr>
-            <a:lvl2pPr indent="-298450" lvl="1" marL="914400">
+            <a:lvl2pPr marL="914400" lvl="1" indent="-298450">
               <a:spcBef>
                 <a:spcPts val="0"/>
               </a:spcBef>
@@ -419,7 +429,7 @@
               <a:buChar char="○"/>
               <a:defRPr sz="1100"/>
             </a:lvl2pPr>
-            <a:lvl3pPr indent="-298450" lvl="2" marL="1371600">
+            <a:lvl3pPr marL="1371600" lvl="2" indent="-298450">
               <a:spcBef>
                 <a:spcPts val="0"/>
               </a:spcBef>
@@ -430,7 +440,7 @@
               <a:buChar char="■"/>
               <a:defRPr sz="1100"/>
             </a:lvl3pPr>
-            <a:lvl4pPr indent="-298450" lvl="3" marL="1828800">
+            <a:lvl4pPr marL="1828800" lvl="3" indent="-298450">
               <a:spcBef>
                 <a:spcPts val="0"/>
               </a:spcBef>
@@ -441,7 +451,7 @@
               <a:buChar char="●"/>
               <a:defRPr sz="1100"/>
             </a:lvl4pPr>
-            <a:lvl5pPr indent="-298450" lvl="4" marL="2286000">
+            <a:lvl5pPr marL="2286000" lvl="4" indent="-298450">
               <a:spcBef>
                 <a:spcPts val="0"/>
               </a:spcBef>
@@ -452,7 +462,7 @@
               <a:buChar char="○"/>
               <a:defRPr sz="1100"/>
             </a:lvl5pPr>
-            <a:lvl6pPr indent="-298450" lvl="5" marL="2743200">
+            <a:lvl6pPr marL="2743200" lvl="5" indent="-298450">
               <a:spcBef>
                 <a:spcPts val="0"/>
               </a:spcBef>
@@ -463,7 +473,7 @@
               <a:buChar char="■"/>
               <a:defRPr sz="1100"/>
             </a:lvl6pPr>
-            <a:lvl7pPr indent="-298450" lvl="6" marL="3200400">
+            <a:lvl7pPr marL="3200400" lvl="6" indent="-298450">
               <a:spcBef>
                 <a:spcPts val="0"/>
               </a:spcBef>
@@ -474,7 +484,7 @@
               <a:buChar char="●"/>
               <a:defRPr sz="1100"/>
             </a:lvl7pPr>
-            <a:lvl8pPr indent="-298450" lvl="7" marL="3657600">
+            <a:lvl8pPr marL="3657600" lvl="7" indent="-298450">
               <a:spcBef>
                 <a:spcPts val="0"/>
               </a:spcBef>
@@ -485,7 +495,7 @@
               <a:buChar char="○"/>
               <a:defRPr sz="1100"/>
             </a:lvl8pPr>
-            <a:lvl9pPr indent="-298450" lvl="8" marL="4114800">
+            <a:lvl9pPr marL="4114800" lvl="8" indent="-298450">
               <a:spcBef>
                 <a:spcPts val="0"/>
               </a:spcBef>
@@ -497,14 +507,16 @@
               <a:defRPr sz="1100"/>
             </a:lvl9pPr>
           </a:lstStyle>
-          <a:p/>
+          <a:p>
+            <a:endParaRPr/>
+          </a:p>
         </p:txBody>
       </p:sp>
     </p:spTree>
   </p:cSld>
-  <p:clrMap accent1="accent1" accent2="accent2" accent3="accent3" accent4="accent4" accent5="accent5" accent6="accent6" bg1="lt1" bg2="dk2" tx1="dk1" tx2="lt2" folHlink="folHlink" hlink="hlink"/>
+  <p:clrMap bg1="lt1" tx1="dk1" bg2="dk2" tx2="lt2" accent1="accent1" accent2="accent2" accent3="accent3" accent4="accent4" accent5="accent5" accent6="accent6" hlink="hlink" folHlink="folHlink"/>
   <p:notesStyle>
-    <a:defPPr lvl="0" marR="0" rtl="0" algn="l">
+    <a:defPPr marR="0" lvl="0" algn="l" rtl="0">
       <a:lnSpc>
         <a:spcPct val="100000"/>
       </a:lnSpc>
@@ -515,7 +527,7 @@
         <a:spcPts val="0"/>
       </a:spcAft>
     </a:defPPr>
-    <a:lvl1pPr lvl="0" marR="0" rtl="0" algn="l">
+    <a:lvl1pPr marR="0" lvl="0" algn="l" rtl="0">
       <a:lnSpc>
         <a:spcPct val="100000"/>
       </a:lnSpc>
@@ -529,7 +541,7 @@
         <a:srgbClr val="000000"/>
       </a:buClr>
       <a:buFont typeface="Arial"/>
-      <a:defRPr b="0" i="0" sz="1400" u="none" cap="none" strike="noStrike">
+      <a:defRPr sz="1400" b="0" i="0" u="none" strike="noStrike" cap="none">
         <a:solidFill>
           <a:srgbClr val="000000"/>
         </a:solidFill>
@@ -539,7 +551,7 @@
         <a:sym typeface="Arial"/>
       </a:defRPr>
     </a:lvl1pPr>
-    <a:lvl2pPr lvl="1" marR="0" rtl="0" algn="l">
+    <a:lvl2pPr marR="0" lvl="1" algn="l" rtl="0">
       <a:lnSpc>
         <a:spcPct val="100000"/>
       </a:lnSpc>
@@ -553,7 +565,7 @@
         <a:srgbClr val="000000"/>
       </a:buClr>
       <a:buFont typeface="Arial"/>
-      <a:defRPr b="0" i="0" sz="1400" u="none" cap="none" strike="noStrike">
+      <a:defRPr sz="1400" b="0" i="0" u="none" strike="noStrike" cap="none">
         <a:solidFill>
           <a:srgbClr val="000000"/>
         </a:solidFill>
@@ -563,7 +575,7 @@
         <a:sym typeface="Arial"/>
       </a:defRPr>
     </a:lvl2pPr>
-    <a:lvl3pPr lvl="2" marR="0" rtl="0" algn="l">
+    <a:lvl3pPr marR="0" lvl="2" algn="l" rtl="0">
       <a:lnSpc>
         <a:spcPct val="100000"/>
       </a:lnSpc>
@@ -577,7 +589,7 @@
         <a:srgbClr val="000000"/>
       </a:buClr>
       <a:buFont typeface="Arial"/>
-      <a:defRPr b="0" i="0" sz="1400" u="none" cap="none" strike="noStrike">
+      <a:defRPr sz="1400" b="0" i="0" u="none" strike="noStrike" cap="none">
         <a:solidFill>
           <a:srgbClr val="000000"/>
         </a:solidFill>
@@ -587,7 +599,7 @@
         <a:sym typeface="Arial"/>
       </a:defRPr>
     </a:lvl3pPr>
-    <a:lvl4pPr lvl="3" marR="0" rtl="0" algn="l">
+    <a:lvl4pPr marR="0" lvl="3" algn="l" rtl="0">
       <a:lnSpc>
         <a:spcPct val="100000"/>
       </a:lnSpc>
@@ -601,7 +613,7 @@
         <a:srgbClr val="000000"/>
       </a:buClr>
       <a:buFont typeface="Arial"/>
-      <a:defRPr b="0" i="0" sz="1400" u="none" cap="none" strike="noStrike">
+      <a:defRPr sz="1400" b="0" i="0" u="none" strike="noStrike" cap="none">
         <a:solidFill>
           <a:srgbClr val="000000"/>
         </a:solidFill>
@@ -611,7 +623,7 @@
         <a:sym typeface="Arial"/>
       </a:defRPr>
     </a:lvl4pPr>
-    <a:lvl5pPr lvl="4" marR="0" rtl="0" algn="l">
+    <a:lvl5pPr marR="0" lvl="4" algn="l" rtl="0">
       <a:lnSpc>
         <a:spcPct val="100000"/>
       </a:lnSpc>
@@ -625,7 +637,7 @@
         <a:srgbClr val="000000"/>
       </a:buClr>
       <a:buFont typeface="Arial"/>
-      <a:defRPr b="0" i="0" sz="1400" u="none" cap="none" strike="noStrike">
+      <a:defRPr sz="1400" b="0" i="0" u="none" strike="noStrike" cap="none">
         <a:solidFill>
           <a:srgbClr val="000000"/>
         </a:solidFill>
@@ -635,7 +647,7 @@
         <a:sym typeface="Arial"/>
       </a:defRPr>
     </a:lvl5pPr>
-    <a:lvl6pPr lvl="5" marR="0" rtl="0" algn="l">
+    <a:lvl6pPr marR="0" lvl="5" algn="l" rtl="0">
       <a:lnSpc>
         <a:spcPct val="100000"/>
       </a:lnSpc>
@@ -649,7 +661,7 @@
         <a:srgbClr val="000000"/>
       </a:buClr>
       <a:buFont typeface="Arial"/>
-      <a:defRPr b="0" i="0" sz="1400" u="none" cap="none" strike="noStrike">
+      <a:defRPr sz="1400" b="0" i="0" u="none" strike="noStrike" cap="none">
         <a:solidFill>
           <a:srgbClr val="000000"/>
         </a:solidFill>
@@ -659,7 +671,7 @@
         <a:sym typeface="Arial"/>
       </a:defRPr>
     </a:lvl6pPr>
-    <a:lvl7pPr lvl="6" marR="0" rtl="0" algn="l">
+    <a:lvl7pPr marR="0" lvl="6" algn="l" rtl="0">
       <a:lnSpc>
         <a:spcPct val="100000"/>
       </a:lnSpc>
@@ -673,7 +685,7 @@
         <a:srgbClr val="000000"/>
       </a:buClr>
       <a:buFont typeface="Arial"/>
-      <a:defRPr b="0" i="0" sz="1400" u="none" cap="none" strike="noStrike">
+      <a:defRPr sz="1400" b="0" i="0" u="none" strike="noStrike" cap="none">
         <a:solidFill>
           <a:srgbClr val="000000"/>
         </a:solidFill>
@@ -683,7 +695,7 @@
         <a:sym typeface="Arial"/>
       </a:defRPr>
     </a:lvl7pPr>
-    <a:lvl8pPr lvl="7" marR="0" rtl="0" algn="l">
+    <a:lvl8pPr marR="0" lvl="7" algn="l" rtl="0">
       <a:lnSpc>
         <a:spcPct val="100000"/>
       </a:lnSpc>
@@ -697,7 +709,7 @@
         <a:srgbClr val="000000"/>
       </a:buClr>
       <a:buFont typeface="Arial"/>
-      <a:defRPr b="0" i="0" sz="1400" u="none" cap="none" strike="noStrike">
+      <a:defRPr sz="1400" b="0" i="0" u="none" strike="noStrike" cap="none">
         <a:solidFill>
           <a:srgbClr val="000000"/>
         </a:solidFill>
@@ -707,7 +719,7 @@
         <a:sym typeface="Arial"/>
       </a:defRPr>
     </a:lvl8pPr>
-    <a:lvl9pPr lvl="8" marR="0" rtl="0" algn="l">
+    <a:lvl9pPr marR="0" lvl="8" algn="l" rtl="0">
       <a:lnSpc>
         <a:spcPct val="100000"/>
       </a:lnSpc>
@@ -721,7 +733,7 @@
         <a:srgbClr val="000000"/>
       </a:buClr>
       <a:buFont typeface="Arial"/>
-      <a:defRPr b="0" i="0" sz="1400" u="none" cap="none" strike="noStrike">
+      <a:defRPr sz="1400" b="0" i="0" u="none" strike="noStrike" cap="none">
         <a:solidFill>
           <a:srgbClr val="000000"/>
         </a:solidFill>
@@ -736,11 +748,11 @@
 </file>
 
 <file path=ppt/notesSlides/notesSlide1.xml><?xml version="1.0" encoding="utf-8"?>
-<p:notes xmlns:a="http://schemas.openxmlformats.org/drawingml/2006/main" xmlns:r="http://schemas.openxmlformats.org/officeDocument/2006/relationships" xmlns:mc="http://schemas.openxmlformats.org/markup-compatibility/2006" xmlns:mv="urn:schemas-microsoft-com:mac:vml" xmlns:p="http://schemas.openxmlformats.org/presentationml/2006/main" xmlns:c="http://schemas.openxmlformats.org/drawingml/2006/chart" xmlns:dgm="http://schemas.openxmlformats.org/drawingml/2006/diagram" xmlns:o="urn:schemas-microsoft-com:office:office" xmlns:v="urn:schemas-microsoft-com:vml" xmlns:pvml="urn:schemas-microsoft-com:office:powerpoint" xmlns:com="http://schemas.openxmlformats.org/drawingml/2006/compatibility" xmlns:p14="http://schemas.microsoft.com/office/powerpoint/2010/main" xmlns:p15="http://schemas.microsoft.com/office/powerpoint/2012/main" xmlns:ahyp="http://schemas.microsoft.com/office/drawing/2018/hyperlinkcolor" showMasterPhAnim="0" showMasterSp="0">
+<p:notes xmlns:a="http://schemas.openxmlformats.org/drawingml/2006/main" xmlns:r="http://schemas.openxmlformats.org/officeDocument/2006/relationships" xmlns:p="http://schemas.openxmlformats.org/presentationml/2006/main" showMasterSp="0" showMasterPhAnim="0">
   <p:cSld>
     <p:spTree>
       <p:nvGrpSpPr>
-        <p:cNvPr id="58" name="Shape 58"/>
+        <p:cNvPr id="1" name="Shape 58"/>
         <p:cNvGrpSpPr/>
         <p:nvPr/>
       </p:nvGrpSpPr>
@@ -755,20 +767,26 @@
       <p:sp>
         <p:nvSpPr>
           <p:cNvPr id="59" name="Google Shape;59;p:notes"/>
-          <p:cNvSpPr/>
+          <p:cNvSpPr>
+            <a:spLocks noGrp="1" noRot="1" noChangeAspect="1"/>
+          </p:cNvSpPr>
           <p:nvPr>
-            <p:ph idx="2" type="sldImg"/>
+            <p:ph type="sldImg" idx="2"/>
           </p:nvPr>
         </p:nvSpPr>
         <p:spPr>
           <a:xfrm>
-            <a:off x="381300" y="685800"/>
-            <a:ext cx="6096075" cy="3429000"/>
+            <a:off x="381000" y="685800"/>
+            <a:ext cx="6096000" cy="3429000"/>
           </a:xfrm>
           <a:custGeom>
-            <a:rect b="b" l="l" r="r" t="t"/>
+            <a:avLst/>
+            <a:gdLst/>
+            <a:ahLst/>
+            <a:cxnLst/>
+            <a:rect l="l" t="t" r="r" b="b"/>
             <a:pathLst>
-              <a:path extrusionOk="0" h="120000" w="120000">
+              <a:path w="120000" h="120000" extrusionOk="0">
                 <a:moveTo>
                   <a:pt x="0" y="0"/>
                 </a:moveTo>
@@ -790,9 +808,11 @@
       <p:sp>
         <p:nvSpPr>
           <p:cNvPr id="60" name="Google Shape;60;p:notes"/>
-          <p:cNvSpPr txBox="1"/>
+          <p:cNvSpPr txBox="1">
+            <a:spLocks noGrp="1"/>
+          </p:cNvSpPr>
           <p:nvPr>
-            <p:ph idx="1" type="body"/>
+            <p:ph type="body" idx="1"/>
           </p:nvPr>
         </p:nvSpPr>
         <p:spPr>
@@ -805,12 +825,12 @@
           </a:prstGeom>
         </p:spPr>
         <p:txBody>
-          <a:bodyPr anchorCtr="0" anchor="t" bIns="91425" lIns="91425" spcFirstLastPara="1" rIns="91425" wrap="square" tIns="91425">
+          <a:bodyPr spcFirstLastPara="1" wrap="square" lIns="91425" tIns="91425" rIns="91425" bIns="91425" anchor="t" anchorCtr="0">
             <a:noAutofit/>
           </a:bodyPr>
           <a:lstStyle/>
           <a:p>
-            <a:pPr indent="0" lvl="0" marL="0" rtl="0" algn="l">
+            <a:pPr marL="0" lvl="0" indent="0" algn="l" rtl="0">
               <a:spcBef>
                 <a:spcPts val="0"/>
               </a:spcBef>
@@ -819,9 +839,6 @@
               </a:spcAft>
               <a:buNone/>
             </a:pPr>
-            <a:r>
-              <a:t/>
-            </a:r>
             <a:endParaRPr/>
           </a:p>
         </p:txBody>
@@ -835,11 +852,11 @@
 </file>
 
 <file path=ppt/notesSlides/notesSlide10.xml><?xml version="1.0" encoding="utf-8"?>
-<p:notes xmlns:a="http://schemas.openxmlformats.org/drawingml/2006/main" xmlns:r="http://schemas.openxmlformats.org/officeDocument/2006/relationships" xmlns:mc="http://schemas.openxmlformats.org/markup-compatibility/2006" xmlns:mv="urn:schemas-microsoft-com:mac:vml" xmlns:p="http://schemas.openxmlformats.org/presentationml/2006/main" xmlns:c="http://schemas.openxmlformats.org/drawingml/2006/chart" xmlns:dgm="http://schemas.openxmlformats.org/drawingml/2006/diagram" xmlns:o="urn:schemas-microsoft-com:office:office" xmlns:v="urn:schemas-microsoft-com:vml" xmlns:pvml="urn:schemas-microsoft-com:office:powerpoint" xmlns:com="http://schemas.openxmlformats.org/drawingml/2006/compatibility" xmlns:p14="http://schemas.microsoft.com/office/powerpoint/2010/main" xmlns:p15="http://schemas.microsoft.com/office/powerpoint/2012/main" xmlns:ahyp="http://schemas.microsoft.com/office/drawing/2018/hyperlinkcolor" showMasterPhAnim="0" showMasterSp="0">
+<p:notes xmlns:a="http://schemas.openxmlformats.org/drawingml/2006/main" xmlns:r="http://schemas.openxmlformats.org/officeDocument/2006/relationships" xmlns:p="http://schemas.openxmlformats.org/presentationml/2006/main" showMasterSp="0" showMasterPhAnim="0">
   <p:cSld>
     <p:spTree>
       <p:nvGrpSpPr>
-        <p:cNvPr id="149" name="Shape 149"/>
+        <p:cNvPr id="1" name="Shape 149"/>
         <p:cNvGrpSpPr/>
         <p:nvPr/>
       </p:nvGrpSpPr>
@@ -854,9 +871,11 @@
       <p:sp>
         <p:nvSpPr>
           <p:cNvPr id="150" name="Google Shape;150;g11854b86e06_0_0:notes"/>
-          <p:cNvSpPr/>
+          <p:cNvSpPr>
+            <a:spLocks noGrp="1" noRot="1" noChangeAspect="1"/>
+          </p:cNvSpPr>
           <p:nvPr>
-            <p:ph idx="2" type="sldImg"/>
+            <p:ph type="sldImg" idx="2"/>
           </p:nvPr>
         </p:nvSpPr>
         <p:spPr>
@@ -865,9 +884,13 @@
             <a:ext cx="6096000" cy="3429000"/>
           </a:xfrm>
           <a:custGeom>
-            <a:rect b="b" l="l" r="r" t="t"/>
+            <a:avLst/>
+            <a:gdLst/>
+            <a:ahLst/>
+            <a:cxnLst/>
+            <a:rect l="l" t="t" r="r" b="b"/>
             <a:pathLst>
-              <a:path extrusionOk="0" h="120000" w="120000">
+              <a:path w="120000" h="120000" extrusionOk="0">
                 <a:moveTo>
                   <a:pt x="0" y="0"/>
                 </a:moveTo>
@@ -889,9 +912,11 @@
       <p:sp>
         <p:nvSpPr>
           <p:cNvPr id="151" name="Google Shape;151;g11854b86e06_0_0:notes"/>
-          <p:cNvSpPr txBox="1"/>
+          <p:cNvSpPr txBox="1">
+            <a:spLocks noGrp="1"/>
+          </p:cNvSpPr>
           <p:nvPr>
-            <p:ph idx="1" type="body"/>
+            <p:ph type="body" idx="1"/>
           </p:nvPr>
         </p:nvSpPr>
         <p:spPr>
@@ -904,12 +929,12 @@
           </a:prstGeom>
         </p:spPr>
         <p:txBody>
-          <a:bodyPr anchorCtr="0" anchor="t" bIns="91425" lIns="91425" spcFirstLastPara="1" rIns="91425" wrap="square" tIns="91425">
+          <a:bodyPr spcFirstLastPara="1" wrap="square" lIns="91425" tIns="91425" rIns="91425" bIns="91425" anchor="t" anchorCtr="0">
             <a:noAutofit/>
           </a:bodyPr>
           <a:lstStyle/>
           <a:p>
-            <a:pPr indent="0" lvl="0" marL="0" rtl="0" algn="l">
+            <a:pPr marL="0" lvl="0" indent="0" algn="l" rtl="0">
               <a:spcBef>
                 <a:spcPts val="0"/>
               </a:spcBef>
@@ -918,306 +943,6 @@
               </a:spcAft>
               <a:buNone/>
             </a:pPr>
-            <a:r>
-              <a:t/>
-            </a:r>
-            <a:endParaRPr/>
-          </a:p>
-        </p:txBody>
-      </p:sp>
-    </p:spTree>
-  </p:cSld>
-  <p:clrMapOvr>
-    <a:masterClrMapping/>
-  </p:clrMapOvr>
-</p:notes>
-</file>
-
-<file path=ppt/notesSlides/notesSlide11.xml><?xml version="1.0" encoding="utf-8"?>
-<p:notes xmlns:a="http://schemas.openxmlformats.org/drawingml/2006/main" xmlns:r="http://schemas.openxmlformats.org/officeDocument/2006/relationships" xmlns:mc="http://schemas.openxmlformats.org/markup-compatibility/2006" xmlns:mv="urn:schemas-microsoft-com:mac:vml" xmlns:p="http://schemas.openxmlformats.org/presentationml/2006/main" xmlns:c="http://schemas.openxmlformats.org/drawingml/2006/chart" xmlns:dgm="http://schemas.openxmlformats.org/drawingml/2006/diagram" xmlns:o="urn:schemas-microsoft-com:office:office" xmlns:v="urn:schemas-microsoft-com:vml" xmlns:pvml="urn:schemas-microsoft-com:office:powerpoint" xmlns:com="http://schemas.openxmlformats.org/drawingml/2006/compatibility" xmlns:p14="http://schemas.microsoft.com/office/powerpoint/2010/main" xmlns:p15="http://schemas.microsoft.com/office/powerpoint/2012/main" xmlns:ahyp="http://schemas.microsoft.com/office/drawing/2018/hyperlinkcolor" showMasterPhAnim="0" showMasterSp="0">
-  <p:cSld>
-    <p:spTree>
-      <p:nvGrpSpPr>
-        <p:cNvPr id="154" name="Shape 154"/>
-        <p:cNvGrpSpPr/>
-        <p:nvPr/>
-      </p:nvGrpSpPr>
-      <p:grpSpPr>
-        <a:xfrm>
-          <a:off x="0" y="0"/>
-          <a:ext cx="0" cy="0"/>
-          <a:chOff x="0" y="0"/>
-          <a:chExt cx="0" cy="0"/>
-        </a:xfrm>
-      </p:grpSpPr>
-      <p:sp>
-        <p:nvSpPr>
-          <p:cNvPr id="155" name="Google Shape;155;g118191f6de9_0_515:notes"/>
-          <p:cNvSpPr/>
-          <p:nvPr>
-            <p:ph idx="2" type="sldImg"/>
-          </p:nvPr>
-        </p:nvSpPr>
-        <p:spPr>
-          <a:xfrm>
-            <a:off x="381300" y="685800"/>
-            <a:ext cx="6096000" cy="3429000"/>
-          </a:xfrm>
-          <a:custGeom>
-            <a:rect b="b" l="l" r="r" t="t"/>
-            <a:pathLst>
-              <a:path extrusionOk="0" h="120000" w="120000">
-                <a:moveTo>
-                  <a:pt x="0" y="0"/>
-                </a:moveTo>
-                <a:lnTo>
-                  <a:pt x="120000" y="0"/>
-                </a:lnTo>
-                <a:lnTo>
-                  <a:pt x="120000" y="120000"/>
-                </a:lnTo>
-                <a:lnTo>
-                  <a:pt x="0" y="120000"/>
-                </a:lnTo>
-                <a:close/>
-              </a:path>
-            </a:pathLst>
-          </a:custGeom>
-        </p:spPr>
-      </p:sp>
-      <p:sp>
-        <p:nvSpPr>
-          <p:cNvPr id="156" name="Google Shape;156;g118191f6de9_0_515:notes"/>
-          <p:cNvSpPr txBox="1"/>
-          <p:nvPr>
-            <p:ph idx="1" type="body"/>
-          </p:nvPr>
-        </p:nvSpPr>
-        <p:spPr>
-          <a:xfrm>
-            <a:off x="685800" y="4343400"/>
-            <a:ext cx="5486400" cy="4114800"/>
-          </a:xfrm>
-          <a:prstGeom prst="rect">
-            <a:avLst/>
-          </a:prstGeom>
-        </p:spPr>
-        <p:txBody>
-          <a:bodyPr anchorCtr="0" anchor="t" bIns="91425" lIns="91425" spcFirstLastPara="1" rIns="91425" wrap="square" tIns="91425">
-            <a:noAutofit/>
-          </a:bodyPr>
-          <a:lstStyle/>
-          <a:p>
-            <a:pPr indent="0" lvl="0" marL="0" rtl="0" algn="l">
-              <a:spcBef>
-                <a:spcPts val="0"/>
-              </a:spcBef>
-              <a:spcAft>
-                <a:spcPts val="0"/>
-              </a:spcAft>
-              <a:buNone/>
-            </a:pPr>
-            <a:r>
-              <a:t/>
-            </a:r>
-            <a:endParaRPr/>
-          </a:p>
-        </p:txBody>
-      </p:sp>
-    </p:spTree>
-  </p:cSld>
-  <p:clrMapOvr>
-    <a:masterClrMapping/>
-  </p:clrMapOvr>
-</p:notes>
-</file>
-
-<file path=ppt/notesSlides/notesSlide12.xml><?xml version="1.0" encoding="utf-8"?>
-<p:notes xmlns:a="http://schemas.openxmlformats.org/drawingml/2006/main" xmlns:r="http://schemas.openxmlformats.org/officeDocument/2006/relationships" xmlns:mc="http://schemas.openxmlformats.org/markup-compatibility/2006" xmlns:mv="urn:schemas-microsoft-com:mac:vml" xmlns:p="http://schemas.openxmlformats.org/presentationml/2006/main" xmlns:c="http://schemas.openxmlformats.org/drawingml/2006/chart" xmlns:dgm="http://schemas.openxmlformats.org/drawingml/2006/diagram" xmlns:o="urn:schemas-microsoft-com:office:office" xmlns:v="urn:schemas-microsoft-com:vml" xmlns:pvml="urn:schemas-microsoft-com:office:powerpoint" xmlns:com="http://schemas.openxmlformats.org/drawingml/2006/compatibility" xmlns:p14="http://schemas.microsoft.com/office/powerpoint/2010/main" xmlns:p15="http://schemas.microsoft.com/office/powerpoint/2012/main" xmlns:ahyp="http://schemas.microsoft.com/office/drawing/2018/hyperlinkcolor" showMasterPhAnim="0" showMasterSp="0">
-  <p:cSld>
-    <p:spTree>
-      <p:nvGrpSpPr>
-        <p:cNvPr id="160" name="Shape 160"/>
-        <p:cNvGrpSpPr/>
-        <p:nvPr/>
-      </p:nvGrpSpPr>
-      <p:grpSpPr>
-        <a:xfrm>
-          <a:off x="0" y="0"/>
-          <a:ext cx="0" cy="0"/>
-          <a:chOff x="0" y="0"/>
-          <a:chExt cx="0" cy="0"/>
-        </a:xfrm>
-      </p:grpSpPr>
-      <p:sp>
-        <p:nvSpPr>
-          <p:cNvPr id="161" name="Google Shape;161;g11854b86e06_0_5:notes"/>
-          <p:cNvSpPr/>
-          <p:nvPr>
-            <p:ph idx="2" type="sldImg"/>
-          </p:nvPr>
-        </p:nvSpPr>
-        <p:spPr>
-          <a:xfrm>
-            <a:off x="381300" y="685800"/>
-            <a:ext cx="6096000" cy="3429000"/>
-          </a:xfrm>
-          <a:custGeom>
-            <a:rect b="b" l="l" r="r" t="t"/>
-            <a:pathLst>
-              <a:path extrusionOk="0" h="120000" w="120000">
-                <a:moveTo>
-                  <a:pt x="0" y="0"/>
-                </a:moveTo>
-                <a:lnTo>
-                  <a:pt x="120000" y="0"/>
-                </a:lnTo>
-                <a:lnTo>
-                  <a:pt x="120000" y="120000"/>
-                </a:lnTo>
-                <a:lnTo>
-                  <a:pt x="0" y="120000"/>
-                </a:lnTo>
-                <a:close/>
-              </a:path>
-            </a:pathLst>
-          </a:custGeom>
-        </p:spPr>
-      </p:sp>
-      <p:sp>
-        <p:nvSpPr>
-          <p:cNvPr id="162" name="Google Shape;162;g11854b86e06_0_5:notes"/>
-          <p:cNvSpPr txBox="1"/>
-          <p:nvPr>
-            <p:ph idx="1" type="body"/>
-          </p:nvPr>
-        </p:nvSpPr>
-        <p:spPr>
-          <a:xfrm>
-            <a:off x="685800" y="4343400"/>
-            <a:ext cx="5486400" cy="4114800"/>
-          </a:xfrm>
-          <a:prstGeom prst="rect">
-            <a:avLst/>
-          </a:prstGeom>
-        </p:spPr>
-        <p:txBody>
-          <a:bodyPr anchorCtr="0" anchor="t" bIns="91425" lIns="91425" spcFirstLastPara="1" rIns="91425" wrap="square" tIns="91425">
-            <a:noAutofit/>
-          </a:bodyPr>
-          <a:lstStyle/>
-          <a:p>
-            <a:pPr indent="0" lvl="0" marL="0" rtl="0" algn="l">
-              <a:spcBef>
-                <a:spcPts val="0"/>
-              </a:spcBef>
-              <a:spcAft>
-                <a:spcPts val="0"/>
-              </a:spcAft>
-              <a:buNone/>
-            </a:pPr>
-            <a:r>
-              <a:t/>
-            </a:r>
-            <a:endParaRPr/>
-          </a:p>
-        </p:txBody>
-      </p:sp>
-    </p:spTree>
-  </p:cSld>
-  <p:clrMapOvr>
-    <a:masterClrMapping/>
-  </p:clrMapOvr>
-</p:notes>
-</file>
-
-<file path=ppt/notesSlides/notesSlide13.xml><?xml version="1.0" encoding="utf-8"?>
-<p:notes xmlns:a="http://schemas.openxmlformats.org/drawingml/2006/main" xmlns:r="http://schemas.openxmlformats.org/officeDocument/2006/relationships" xmlns:mc="http://schemas.openxmlformats.org/markup-compatibility/2006" xmlns:mv="urn:schemas-microsoft-com:mac:vml" xmlns:p="http://schemas.openxmlformats.org/presentationml/2006/main" xmlns:c="http://schemas.openxmlformats.org/drawingml/2006/chart" xmlns:dgm="http://schemas.openxmlformats.org/drawingml/2006/diagram" xmlns:o="urn:schemas-microsoft-com:office:office" xmlns:v="urn:schemas-microsoft-com:vml" xmlns:pvml="urn:schemas-microsoft-com:office:powerpoint" xmlns:com="http://schemas.openxmlformats.org/drawingml/2006/compatibility" xmlns:p14="http://schemas.microsoft.com/office/powerpoint/2010/main" xmlns:p15="http://schemas.microsoft.com/office/powerpoint/2012/main" xmlns:ahyp="http://schemas.microsoft.com/office/drawing/2018/hyperlinkcolor" showMasterPhAnim="0" showMasterSp="0">
-  <p:cSld>
-    <p:spTree>
-      <p:nvGrpSpPr>
-        <p:cNvPr id="166" name="Shape 166"/>
-        <p:cNvGrpSpPr/>
-        <p:nvPr/>
-      </p:nvGrpSpPr>
-      <p:grpSpPr>
-        <a:xfrm>
-          <a:off x="0" y="0"/>
-          <a:ext cx="0" cy="0"/>
-          <a:chOff x="0" y="0"/>
-          <a:chExt cx="0" cy="0"/>
-        </a:xfrm>
-      </p:grpSpPr>
-      <p:sp>
-        <p:nvSpPr>
-          <p:cNvPr id="167" name="Google Shape;167;g11854b86e06_0_10:notes"/>
-          <p:cNvSpPr/>
-          <p:nvPr>
-            <p:ph idx="2" type="sldImg"/>
-          </p:nvPr>
-        </p:nvSpPr>
-        <p:spPr>
-          <a:xfrm>
-            <a:off x="381300" y="685800"/>
-            <a:ext cx="6096000" cy="3429000"/>
-          </a:xfrm>
-          <a:custGeom>
-            <a:rect b="b" l="l" r="r" t="t"/>
-            <a:pathLst>
-              <a:path extrusionOk="0" h="120000" w="120000">
-                <a:moveTo>
-                  <a:pt x="0" y="0"/>
-                </a:moveTo>
-                <a:lnTo>
-                  <a:pt x="120000" y="0"/>
-                </a:lnTo>
-                <a:lnTo>
-                  <a:pt x="120000" y="120000"/>
-                </a:lnTo>
-                <a:lnTo>
-                  <a:pt x="0" y="120000"/>
-                </a:lnTo>
-                <a:close/>
-              </a:path>
-            </a:pathLst>
-          </a:custGeom>
-        </p:spPr>
-      </p:sp>
-      <p:sp>
-        <p:nvSpPr>
-          <p:cNvPr id="168" name="Google Shape;168;g11854b86e06_0_10:notes"/>
-          <p:cNvSpPr txBox="1"/>
-          <p:nvPr>
-            <p:ph idx="1" type="body"/>
-          </p:nvPr>
-        </p:nvSpPr>
-        <p:spPr>
-          <a:xfrm>
-            <a:off x="685800" y="4343400"/>
-            <a:ext cx="5486400" cy="4114800"/>
-          </a:xfrm>
-          <a:prstGeom prst="rect">
-            <a:avLst/>
-          </a:prstGeom>
-        </p:spPr>
-        <p:txBody>
-          <a:bodyPr anchorCtr="0" anchor="t" bIns="91425" lIns="91425" spcFirstLastPara="1" rIns="91425" wrap="square" tIns="91425">
-            <a:noAutofit/>
-          </a:bodyPr>
-          <a:lstStyle/>
-          <a:p>
-            <a:pPr indent="0" lvl="0" marL="0" rtl="0" algn="l">
-              <a:spcBef>
-                <a:spcPts val="0"/>
-              </a:spcBef>
-              <a:spcAft>
-                <a:spcPts val="0"/>
-              </a:spcAft>
-              <a:buNone/>
-            </a:pPr>
-            <a:r>
-              <a:t/>
-            </a:r>
             <a:endParaRPr/>
           </a:p>
         </p:txBody>
@@ -1231,11 +956,11 @@
 </file>
 
 <file path=ppt/notesSlides/notesSlide2.xml><?xml version="1.0" encoding="utf-8"?>
-<p:notes xmlns:a="http://schemas.openxmlformats.org/drawingml/2006/main" xmlns:r="http://schemas.openxmlformats.org/officeDocument/2006/relationships" xmlns:mc="http://schemas.openxmlformats.org/markup-compatibility/2006" xmlns:mv="urn:schemas-microsoft-com:mac:vml" xmlns:p="http://schemas.openxmlformats.org/presentationml/2006/main" xmlns:c="http://schemas.openxmlformats.org/drawingml/2006/chart" xmlns:dgm="http://schemas.openxmlformats.org/drawingml/2006/diagram" xmlns:o="urn:schemas-microsoft-com:office:office" xmlns:v="urn:schemas-microsoft-com:vml" xmlns:pvml="urn:schemas-microsoft-com:office:powerpoint" xmlns:com="http://schemas.openxmlformats.org/drawingml/2006/compatibility" xmlns:p14="http://schemas.microsoft.com/office/powerpoint/2010/main" xmlns:p15="http://schemas.microsoft.com/office/powerpoint/2012/main" xmlns:ahyp="http://schemas.microsoft.com/office/drawing/2018/hyperlinkcolor" showMasterPhAnim="0" showMasterSp="0">
+<p:notes xmlns:a="http://schemas.openxmlformats.org/drawingml/2006/main" xmlns:r="http://schemas.openxmlformats.org/officeDocument/2006/relationships" xmlns:p="http://schemas.openxmlformats.org/presentationml/2006/main" showMasterSp="0" showMasterPhAnim="0">
   <p:cSld>
     <p:spTree>
       <p:nvGrpSpPr>
-        <p:cNvPr id="65" name="Shape 65"/>
+        <p:cNvPr id="1" name="Shape 65"/>
         <p:cNvGrpSpPr/>
         <p:nvPr/>
       </p:nvGrpSpPr>
@@ -1250,9 +975,11 @@
       <p:sp>
         <p:nvSpPr>
           <p:cNvPr id="66" name="Google Shape;66;g11854b86a5c_0_0:notes"/>
-          <p:cNvSpPr/>
+          <p:cNvSpPr>
+            <a:spLocks noGrp="1" noRot="1" noChangeAspect="1"/>
+          </p:cNvSpPr>
           <p:nvPr>
-            <p:ph idx="2" type="sldImg"/>
+            <p:ph type="sldImg" idx="2"/>
           </p:nvPr>
         </p:nvSpPr>
         <p:spPr>
@@ -1261,9 +988,13 @@
             <a:ext cx="6096000" cy="3429000"/>
           </a:xfrm>
           <a:custGeom>
-            <a:rect b="b" l="l" r="r" t="t"/>
+            <a:avLst/>
+            <a:gdLst/>
+            <a:ahLst/>
+            <a:cxnLst/>
+            <a:rect l="l" t="t" r="r" b="b"/>
             <a:pathLst>
-              <a:path extrusionOk="0" h="120000" w="120000">
+              <a:path w="120000" h="120000" extrusionOk="0">
                 <a:moveTo>
                   <a:pt x="0" y="0"/>
                 </a:moveTo>
@@ -1285,9 +1016,11 @@
       <p:sp>
         <p:nvSpPr>
           <p:cNvPr id="67" name="Google Shape;67;g11854b86a5c_0_0:notes"/>
-          <p:cNvSpPr txBox="1"/>
+          <p:cNvSpPr txBox="1">
+            <a:spLocks noGrp="1"/>
+          </p:cNvSpPr>
           <p:nvPr>
-            <p:ph idx="1" type="body"/>
+            <p:ph type="body" idx="1"/>
           </p:nvPr>
         </p:nvSpPr>
         <p:spPr>
@@ -1300,12 +1033,12 @@
           </a:prstGeom>
         </p:spPr>
         <p:txBody>
-          <a:bodyPr anchorCtr="0" anchor="t" bIns="91425" lIns="91425" spcFirstLastPara="1" rIns="91425" wrap="square" tIns="91425">
+          <a:bodyPr spcFirstLastPara="1" wrap="square" lIns="91425" tIns="91425" rIns="91425" bIns="91425" anchor="t" anchorCtr="0">
             <a:noAutofit/>
           </a:bodyPr>
           <a:lstStyle/>
           <a:p>
-            <a:pPr indent="0" lvl="0" marL="0" rtl="0" algn="l">
+            <a:pPr marL="0" lvl="0" indent="0" algn="l" rtl="0">
               <a:spcBef>
                 <a:spcPts val="0"/>
               </a:spcBef>
@@ -1314,9 +1047,6 @@
               </a:spcAft>
               <a:buNone/>
             </a:pPr>
-            <a:r>
-              <a:t/>
-            </a:r>
             <a:endParaRPr/>
           </a:p>
         </p:txBody>
@@ -1330,11 +1060,11 @@
 </file>
 
 <file path=ppt/notesSlides/notesSlide3.xml><?xml version="1.0" encoding="utf-8"?>
-<p:notes xmlns:a="http://schemas.openxmlformats.org/drawingml/2006/main" xmlns:r="http://schemas.openxmlformats.org/officeDocument/2006/relationships" xmlns:mc="http://schemas.openxmlformats.org/markup-compatibility/2006" xmlns:mv="urn:schemas-microsoft-com:mac:vml" xmlns:p="http://schemas.openxmlformats.org/presentationml/2006/main" xmlns:c="http://schemas.openxmlformats.org/drawingml/2006/chart" xmlns:dgm="http://schemas.openxmlformats.org/drawingml/2006/diagram" xmlns:o="urn:schemas-microsoft-com:office:office" xmlns:v="urn:schemas-microsoft-com:vml" xmlns:pvml="urn:schemas-microsoft-com:office:powerpoint" xmlns:com="http://schemas.openxmlformats.org/drawingml/2006/compatibility" xmlns:p14="http://schemas.microsoft.com/office/powerpoint/2010/main" xmlns:p15="http://schemas.microsoft.com/office/powerpoint/2012/main" xmlns:ahyp="http://schemas.microsoft.com/office/drawing/2018/hyperlinkcolor" showMasterPhAnim="0" showMasterSp="0">
+<p:notes xmlns:a="http://schemas.openxmlformats.org/drawingml/2006/main" xmlns:r="http://schemas.openxmlformats.org/officeDocument/2006/relationships" xmlns:p="http://schemas.openxmlformats.org/presentationml/2006/main" showMasterSp="0" showMasterPhAnim="0">
   <p:cSld>
     <p:spTree>
       <p:nvGrpSpPr>
-        <p:cNvPr id="71" name="Shape 71"/>
+        <p:cNvPr id="1" name="Shape 71"/>
         <p:cNvGrpSpPr/>
         <p:nvPr/>
       </p:nvGrpSpPr>
@@ -1349,9 +1079,11 @@
       <p:sp>
         <p:nvSpPr>
           <p:cNvPr id="72" name="Google Shape;72;g118191f6de9_0_489:notes"/>
-          <p:cNvSpPr/>
+          <p:cNvSpPr>
+            <a:spLocks noGrp="1" noRot="1" noChangeAspect="1"/>
+          </p:cNvSpPr>
           <p:nvPr>
-            <p:ph idx="2" type="sldImg"/>
+            <p:ph type="sldImg" idx="2"/>
           </p:nvPr>
         </p:nvSpPr>
         <p:spPr>
@@ -1360,9 +1092,13 @@
             <a:ext cx="6096000" cy="3429000"/>
           </a:xfrm>
           <a:custGeom>
-            <a:rect b="b" l="l" r="r" t="t"/>
+            <a:avLst/>
+            <a:gdLst/>
+            <a:ahLst/>
+            <a:cxnLst/>
+            <a:rect l="l" t="t" r="r" b="b"/>
             <a:pathLst>
-              <a:path extrusionOk="0" h="120000" w="120000">
+              <a:path w="120000" h="120000" extrusionOk="0">
                 <a:moveTo>
                   <a:pt x="0" y="0"/>
                 </a:moveTo>
@@ -1384,9 +1120,11 @@
       <p:sp>
         <p:nvSpPr>
           <p:cNvPr id="73" name="Google Shape;73;g118191f6de9_0_489:notes"/>
-          <p:cNvSpPr txBox="1"/>
+          <p:cNvSpPr txBox="1">
+            <a:spLocks noGrp="1"/>
+          </p:cNvSpPr>
           <p:nvPr>
-            <p:ph idx="1" type="body"/>
+            <p:ph type="body" idx="1"/>
           </p:nvPr>
         </p:nvSpPr>
         <p:spPr>
@@ -1399,12 +1137,12 @@
           </a:prstGeom>
         </p:spPr>
         <p:txBody>
-          <a:bodyPr anchorCtr="0" anchor="t" bIns="91425" lIns="91425" spcFirstLastPara="1" rIns="91425" wrap="square" tIns="91425">
+          <a:bodyPr spcFirstLastPara="1" wrap="square" lIns="91425" tIns="91425" rIns="91425" bIns="91425" anchor="t" anchorCtr="0">
             <a:noAutofit/>
           </a:bodyPr>
           <a:lstStyle/>
           <a:p>
-            <a:pPr indent="0" lvl="0" marL="0" rtl="0" algn="l">
+            <a:pPr marL="0" lvl="0" indent="0" algn="l" rtl="0">
               <a:spcBef>
                 <a:spcPts val="0"/>
               </a:spcBef>
@@ -1413,9 +1151,6 @@
               </a:spcAft>
               <a:buNone/>
             </a:pPr>
-            <a:r>
-              <a:t/>
-            </a:r>
             <a:endParaRPr/>
           </a:p>
         </p:txBody>
@@ -1429,11 +1164,11 @@
 </file>
 
 <file path=ppt/notesSlides/notesSlide4.xml><?xml version="1.0" encoding="utf-8"?>
-<p:notes xmlns:a="http://schemas.openxmlformats.org/drawingml/2006/main" xmlns:r="http://schemas.openxmlformats.org/officeDocument/2006/relationships" xmlns:mc="http://schemas.openxmlformats.org/markup-compatibility/2006" xmlns:mv="urn:schemas-microsoft-com:mac:vml" xmlns:p="http://schemas.openxmlformats.org/presentationml/2006/main" xmlns:c="http://schemas.openxmlformats.org/drawingml/2006/chart" xmlns:dgm="http://schemas.openxmlformats.org/drawingml/2006/diagram" xmlns:o="urn:schemas-microsoft-com:office:office" xmlns:v="urn:schemas-microsoft-com:vml" xmlns:pvml="urn:schemas-microsoft-com:office:powerpoint" xmlns:com="http://schemas.openxmlformats.org/drawingml/2006/compatibility" xmlns:p14="http://schemas.microsoft.com/office/powerpoint/2010/main" xmlns:p15="http://schemas.microsoft.com/office/powerpoint/2012/main" xmlns:ahyp="http://schemas.microsoft.com/office/drawing/2018/hyperlinkcolor" showMasterPhAnim="0" showMasterSp="0">
+<p:notes xmlns:a="http://schemas.openxmlformats.org/drawingml/2006/main" xmlns:r="http://schemas.openxmlformats.org/officeDocument/2006/relationships" xmlns:p="http://schemas.openxmlformats.org/presentationml/2006/main" showMasterSp="0" showMasterPhAnim="0">
   <p:cSld>
     <p:spTree>
       <p:nvGrpSpPr>
-        <p:cNvPr id="77" name="Shape 77"/>
+        <p:cNvPr id="1" name="Shape 77"/>
         <p:cNvGrpSpPr/>
         <p:nvPr/>
       </p:nvGrpSpPr>
@@ -1448,9 +1183,11 @@
       <p:sp>
         <p:nvSpPr>
           <p:cNvPr id="78" name="Google Shape;78;g118191f6de9_0_479:notes"/>
-          <p:cNvSpPr/>
+          <p:cNvSpPr>
+            <a:spLocks noGrp="1" noRot="1" noChangeAspect="1"/>
+          </p:cNvSpPr>
           <p:nvPr>
-            <p:ph idx="2" type="sldImg"/>
+            <p:ph type="sldImg" idx="2"/>
           </p:nvPr>
         </p:nvSpPr>
         <p:spPr>
@@ -1459,9 +1196,13 @@
             <a:ext cx="6096000" cy="3429000"/>
           </a:xfrm>
           <a:custGeom>
-            <a:rect b="b" l="l" r="r" t="t"/>
+            <a:avLst/>
+            <a:gdLst/>
+            <a:ahLst/>
+            <a:cxnLst/>
+            <a:rect l="l" t="t" r="r" b="b"/>
             <a:pathLst>
-              <a:path extrusionOk="0" h="120000" w="120000">
+              <a:path w="120000" h="120000" extrusionOk="0">
                 <a:moveTo>
                   <a:pt x="0" y="0"/>
                 </a:moveTo>
@@ -1483,9 +1224,11 @@
       <p:sp>
         <p:nvSpPr>
           <p:cNvPr id="79" name="Google Shape;79;g118191f6de9_0_479:notes"/>
-          <p:cNvSpPr txBox="1"/>
+          <p:cNvSpPr txBox="1">
+            <a:spLocks noGrp="1"/>
+          </p:cNvSpPr>
           <p:nvPr>
-            <p:ph idx="1" type="body"/>
+            <p:ph type="body" idx="1"/>
           </p:nvPr>
         </p:nvSpPr>
         <p:spPr>
@@ -1498,12 +1241,12 @@
           </a:prstGeom>
         </p:spPr>
         <p:txBody>
-          <a:bodyPr anchorCtr="0" anchor="t" bIns="91425" lIns="91425" spcFirstLastPara="1" rIns="91425" wrap="square" tIns="91425">
+          <a:bodyPr spcFirstLastPara="1" wrap="square" lIns="91425" tIns="91425" rIns="91425" bIns="91425" anchor="t" anchorCtr="0">
             <a:noAutofit/>
           </a:bodyPr>
           <a:lstStyle/>
           <a:p>
-            <a:pPr indent="0" lvl="0" marL="0" rtl="0" algn="l">
+            <a:pPr marL="0" lvl="0" indent="0" algn="l" rtl="0">
               <a:spcBef>
                 <a:spcPts val="0"/>
               </a:spcBef>
@@ -1512,9 +1255,6 @@
               </a:spcAft>
               <a:buNone/>
             </a:pPr>
-            <a:r>
-              <a:t/>
-            </a:r>
             <a:endParaRPr/>
           </a:p>
         </p:txBody>
@@ -1528,11 +1268,11 @@
 </file>
 
 <file path=ppt/notesSlides/notesSlide5.xml><?xml version="1.0" encoding="utf-8"?>
-<p:notes xmlns:a="http://schemas.openxmlformats.org/drawingml/2006/main" xmlns:r="http://schemas.openxmlformats.org/officeDocument/2006/relationships" xmlns:mc="http://schemas.openxmlformats.org/markup-compatibility/2006" xmlns:mv="urn:schemas-microsoft-com:mac:vml" xmlns:p="http://schemas.openxmlformats.org/presentationml/2006/main" xmlns:c="http://schemas.openxmlformats.org/drawingml/2006/chart" xmlns:dgm="http://schemas.openxmlformats.org/drawingml/2006/diagram" xmlns:o="urn:schemas-microsoft-com:office:office" xmlns:v="urn:schemas-microsoft-com:vml" xmlns:pvml="urn:schemas-microsoft-com:office:powerpoint" xmlns:com="http://schemas.openxmlformats.org/drawingml/2006/compatibility" xmlns:p14="http://schemas.microsoft.com/office/powerpoint/2010/main" xmlns:p15="http://schemas.microsoft.com/office/powerpoint/2012/main" xmlns:ahyp="http://schemas.microsoft.com/office/drawing/2018/hyperlinkcolor" showMasterPhAnim="0" showMasterSp="0">
+<p:notes xmlns:a="http://schemas.openxmlformats.org/drawingml/2006/main" xmlns:r="http://schemas.openxmlformats.org/officeDocument/2006/relationships" xmlns:p="http://schemas.openxmlformats.org/presentationml/2006/main" showMasterSp="0" showMasterPhAnim="0">
   <p:cSld>
     <p:spTree>
       <p:nvGrpSpPr>
-        <p:cNvPr id="83" name="Shape 83"/>
+        <p:cNvPr id="1" name="Shape 83"/>
         <p:cNvGrpSpPr/>
         <p:nvPr/>
       </p:nvGrpSpPr>
@@ -1547,9 +1287,11 @@
       <p:sp>
         <p:nvSpPr>
           <p:cNvPr id="84" name="Google Shape;84;g118191f6de9_0_504:notes"/>
-          <p:cNvSpPr/>
+          <p:cNvSpPr>
+            <a:spLocks noGrp="1" noRot="1" noChangeAspect="1"/>
+          </p:cNvSpPr>
           <p:nvPr>
-            <p:ph idx="2" type="sldImg"/>
+            <p:ph type="sldImg" idx="2"/>
           </p:nvPr>
         </p:nvSpPr>
         <p:spPr>
@@ -1558,9 +1300,13 @@
             <a:ext cx="6096000" cy="3429000"/>
           </a:xfrm>
           <a:custGeom>
-            <a:rect b="b" l="l" r="r" t="t"/>
+            <a:avLst/>
+            <a:gdLst/>
+            <a:ahLst/>
+            <a:cxnLst/>
+            <a:rect l="l" t="t" r="r" b="b"/>
             <a:pathLst>
-              <a:path extrusionOk="0" h="120000" w="120000">
+              <a:path w="120000" h="120000" extrusionOk="0">
                 <a:moveTo>
                   <a:pt x="0" y="0"/>
                 </a:moveTo>
@@ -1582,9 +1328,11 @@
       <p:sp>
         <p:nvSpPr>
           <p:cNvPr id="85" name="Google Shape;85;g118191f6de9_0_504:notes"/>
-          <p:cNvSpPr txBox="1"/>
+          <p:cNvSpPr txBox="1">
+            <a:spLocks noGrp="1"/>
+          </p:cNvSpPr>
           <p:nvPr>
-            <p:ph idx="1" type="body"/>
+            <p:ph type="body" idx="1"/>
           </p:nvPr>
         </p:nvSpPr>
         <p:spPr>
@@ -1597,12 +1345,12 @@
           </a:prstGeom>
         </p:spPr>
         <p:txBody>
-          <a:bodyPr anchorCtr="0" anchor="t" bIns="91425" lIns="91425" spcFirstLastPara="1" rIns="91425" wrap="square" tIns="91425">
+          <a:bodyPr spcFirstLastPara="1" wrap="square" lIns="91425" tIns="91425" rIns="91425" bIns="91425" anchor="t" anchorCtr="0">
             <a:noAutofit/>
           </a:bodyPr>
           <a:lstStyle/>
           <a:p>
-            <a:pPr indent="0" lvl="0" marL="0" rtl="0" algn="l">
+            <a:pPr marL="0" lvl="0" indent="0" algn="l" rtl="0">
               <a:spcBef>
                 <a:spcPts val="0"/>
               </a:spcBef>
@@ -1611,9 +1359,6 @@
               </a:spcAft>
               <a:buNone/>
             </a:pPr>
-            <a:r>
-              <a:t/>
-            </a:r>
             <a:endParaRPr/>
           </a:p>
         </p:txBody>
@@ -1627,11 +1372,11 @@
 </file>
 
 <file path=ppt/notesSlides/notesSlide6.xml><?xml version="1.0" encoding="utf-8"?>
-<p:notes xmlns:a="http://schemas.openxmlformats.org/drawingml/2006/main" xmlns:r="http://schemas.openxmlformats.org/officeDocument/2006/relationships" xmlns:mc="http://schemas.openxmlformats.org/markup-compatibility/2006" xmlns:mv="urn:schemas-microsoft-com:mac:vml" xmlns:p="http://schemas.openxmlformats.org/presentationml/2006/main" xmlns:c="http://schemas.openxmlformats.org/drawingml/2006/chart" xmlns:dgm="http://schemas.openxmlformats.org/drawingml/2006/diagram" xmlns:o="urn:schemas-microsoft-com:office:office" xmlns:v="urn:schemas-microsoft-com:vml" xmlns:pvml="urn:schemas-microsoft-com:office:powerpoint" xmlns:com="http://schemas.openxmlformats.org/drawingml/2006/compatibility" xmlns:p14="http://schemas.microsoft.com/office/powerpoint/2010/main" xmlns:p15="http://schemas.microsoft.com/office/powerpoint/2012/main" xmlns:ahyp="http://schemas.microsoft.com/office/drawing/2018/hyperlinkcolor" showMasterPhAnim="0" showMasterSp="0">
+<p:notes xmlns:a="http://schemas.openxmlformats.org/drawingml/2006/main" xmlns:r="http://schemas.openxmlformats.org/officeDocument/2006/relationships" xmlns:p="http://schemas.openxmlformats.org/presentationml/2006/main" showMasterSp="0" showMasterPhAnim="0">
   <p:cSld>
     <p:spTree>
       <p:nvGrpSpPr>
-        <p:cNvPr id="113" name="Shape 113"/>
+        <p:cNvPr id="1" name="Shape 113"/>
         <p:cNvGrpSpPr/>
         <p:nvPr/>
       </p:nvGrpSpPr>
@@ -1646,9 +1391,11 @@
       <p:sp>
         <p:nvSpPr>
           <p:cNvPr id="114" name="Google Shape;114;g11802106dee_0_891:notes"/>
-          <p:cNvSpPr/>
+          <p:cNvSpPr>
+            <a:spLocks noGrp="1" noRot="1" noChangeAspect="1"/>
+          </p:cNvSpPr>
           <p:nvPr>
-            <p:ph idx="2" type="sldImg"/>
+            <p:ph type="sldImg" idx="2"/>
           </p:nvPr>
         </p:nvSpPr>
         <p:spPr>
@@ -1657,9 +1404,13 @@
             <a:ext cx="6096000" cy="3429000"/>
           </a:xfrm>
           <a:custGeom>
-            <a:rect b="b" l="l" r="r" t="t"/>
+            <a:avLst/>
+            <a:gdLst/>
+            <a:ahLst/>
+            <a:cxnLst/>
+            <a:rect l="l" t="t" r="r" b="b"/>
             <a:pathLst>
-              <a:path extrusionOk="0" h="120000" w="120000">
+              <a:path w="120000" h="120000" extrusionOk="0">
                 <a:moveTo>
                   <a:pt x="0" y="0"/>
                 </a:moveTo>
@@ -1681,9 +1432,11 @@
       <p:sp>
         <p:nvSpPr>
           <p:cNvPr id="115" name="Google Shape;115;g11802106dee_0_891:notes"/>
-          <p:cNvSpPr txBox="1"/>
+          <p:cNvSpPr txBox="1">
+            <a:spLocks noGrp="1"/>
+          </p:cNvSpPr>
           <p:nvPr>
-            <p:ph idx="1" type="body"/>
+            <p:ph type="body" idx="1"/>
           </p:nvPr>
         </p:nvSpPr>
         <p:spPr>
@@ -1696,12 +1449,12 @@
           </a:prstGeom>
         </p:spPr>
         <p:txBody>
-          <a:bodyPr anchorCtr="0" anchor="t" bIns="91425" lIns="91425" spcFirstLastPara="1" rIns="91425" wrap="square" tIns="91425">
+          <a:bodyPr spcFirstLastPara="1" wrap="square" lIns="91425" tIns="91425" rIns="91425" bIns="91425" anchor="t" anchorCtr="0">
             <a:noAutofit/>
           </a:bodyPr>
           <a:lstStyle/>
           <a:p>
-            <a:pPr indent="0" lvl="0" marL="0" rtl="0" algn="l">
+            <a:pPr marL="0" lvl="0" indent="0" algn="l" rtl="0">
               <a:spcBef>
                 <a:spcPts val="0"/>
               </a:spcBef>
@@ -1710,9 +1463,6 @@
               </a:spcAft>
               <a:buNone/>
             </a:pPr>
-            <a:r>
-              <a:t/>
-            </a:r>
             <a:endParaRPr/>
           </a:p>
         </p:txBody>
@@ -1726,11 +1476,11 @@
 </file>
 
 <file path=ppt/notesSlides/notesSlide7.xml><?xml version="1.0" encoding="utf-8"?>
-<p:notes xmlns:a="http://schemas.openxmlformats.org/drawingml/2006/main" xmlns:r="http://schemas.openxmlformats.org/officeDocument/2006/relationships" xmlns:mc="http://schemas.openxmlformats.org/markup-compatibility/2006" xmlns:mv="urn:schemas-microsoft-com:mac:vml" xmlns:p="http://schemas.openxmlformats.org/presentationml/2006/main" xmlns:c="http://schemas.openxmlformats.org/drawingml/2006/chart" xmlns:dgm="http://schemas.openxmlformats.org/drawingml/2006/diagram" xmlns:o="urn:schemas-microsoft-com:office:office" xmlns:v="urn:schemas-microsoft-com:vml" xmlns:pvml="urn:schemas-microsoft-com:office:powerpoint" xmlns:com="http://schemas.openxmlformats.org/drawingml/2006/compatibility" xmlns:p14="http://schemas.microsoft.com/office/powerpoint/2010/main" xmlns:p15="http://schemas.microsoft.com/office/powerpoint/2012/main" xmlns:ahyp="http://schemas.microsoft.com/office/drawing/2018/hyperlinkcolor" showMasterPhAnim="0" showMasterSp="0">
+<p:notes xmlns:a="http://schemas.openxmlformats.org/drawingml/2006/main" xmlns:r="http://schemas.openxmlformats.org/officeDocument/2006/relationships" xmlns:p="http://schemas.openxmlformats.org/presentationml/2006/main" showMasterSp="0" showMasterPhAnim="0">
   <p:cSld>
     <p:spTree>
       <p:nvGrpSpPr>
-        <p:cNvPr id="124" name="Shape 124"/>
+        <p:cNvPr id="1" name="Shape 124"/>
         <p:cNvGrpSpPr/>
         <p:nvPr/>
       </p:nvGrpSpPr>
@@ -1745,20 +1495,26 @@
       <p:sp>
         <p:nvSpPr>
           <p:cNvPr id="125" name="Google Shape;125;g11802106dee_0_906:notes"/>
-          <p:cNvSpPr/>
+          <p:cNvSpPr>
+            <a:spLocks noGrp="1" noRot="1" noChangeAspect="1"/>
+          </p:cNvSpPr>
           <p:nvPr>
-            <p:ph idx="2" type="sldImg"/>
+            <p:ph type="sldImg" idx="2"/>
           </p:nvPr>
         </p:nvSpPr>
         <p:spPr>
           <a:xfrm>
-            <a:off x="381300" y="685800"/>
+            <a:off x="381000" y="685800"/>
             <a:ext cx="6096000" cy="3429000"/>
           </a:xfrm>
           <a:custGeom>
-            <a:rect b="b" l="l" r="r" t="t"/>
+            <a:avLst/>
+            <a:gdLst/>
+            <a:ahLst/>
+            <a:cxnLst/>
+            <a:rect l="l" t="t" r="r" b="b"/>
             <a:pathLst>
-              <a:path extrusionOk="0" h="120000" w="120000">
+              <a:path w="120000" h="120000" extrusionOk="0">
                 <a:moveTo>
                   <a:pt x="0" y="0"/>
                 </a:moveTo>
@@ -1780,9 +1536,11 @@
       <p:sp>
         <p:nvSpPr>
           <p:cNvPr id="126" name="Google Shape;126;g11802106dee_0_906:notes"/>
-          <p:cNvSpPr txBox="1"/>
+          <p:cNvSpPr txBox="1">
+            <a:spLocks noGrp="1"/>
+          </p:cNvSpPr>
           <p:nvPr>
-            <p:ph idx="1" type="body"/>
+            <p:ph type="body" idx="1"/>
           </p:nvPr>
         </p:nvSpPr>
         <p:spPr>
@@ -1795,12 +1553,12 @@
           </a:prstGeom>
         </p:spPr>
         <p:txBody>
-          <a:bodyPr anchorCtr="0" anchor="t" bIns="91425" lIns="91425" spcFirstLastPara="1" rIns="91425" wrap="square" tIns="91425">
+          <a:bodyPr spcFirstLastPara="1" wrap="square" lIns="91425" tIns="91425" rIns="91425" bIns="91425" anchor="t" anchorCtr="0">
             <a:noAutofit/>
           </a:bodyPr>
           <a:lstStyle/>
           <a:p>
-            <a:pPr indent="0" lvl="0" marL="0" rtl="0" algn="l">
+            <a:pPr marL="0" lvl="0" indent="0" algn="l" rtl="0">
               <a:spcBef>
                 <a:spcPts val="0"/>
               </a:spcBef>
@@ -1809,9 +1567,6 @@
               </a:spcAft>
               <a:buNone/>
             </a:pPr>
-            <a:r>
-              <a:t/>
-            </a:r>
             <a:endParaRPr/>
           </a:p>
         </p:txBody>
@@ -1825,11 +1580,11 @@
 </file>
 
 <file path=ppt/notesSlides/notesSlide8.xml><?xml version="1.0" encoding="utf-8"?>
-<p:notes xmlns:a="http://schemas.openxmlformats.org/drawingml/2006/main" xmlns:r="http://schemas.openxmlformats.org/officeDocument/2006/relationships" xmlns:mc="http://schemas.openxmlformats.org/markup-compatibility/2006" xmlns:mv="urn:schemas-microsoft-com:mac:vml" xmlns:p="http://schemas.openxmlformats.org/presentationml/2006/main" xmlns:c="http://schemas.openxmlformats.org/drawingml/2006/chart" xmlns:dgm="http://schemas.openxmlformats.org/drawingml/2006/diagram" xmlns:o="urn:schemas-microsoft-com:office:office" xmlns:v="urn:schemas-microsoft-com:vml" xmlns:pvml="urn:schemas-microsoft-com:office:powerpoint" xmlns:com="http://schemas.openxmlformats.org/drawingml/2006/compatibility" xmlns:p14="http://schemas.microsoft.com/office/powerpoint/2010/main" xmlns:p15="http://schemas.microsoft.com/office/powerpoint/2012/main" xmlns:ahyp="http://schemas.microsoft.com/office/drawing/2018/hyperlinkcolor" showMasterPhAnim="0" showMasterSp="0">
+<p:notes xmlns:a="http://schemas.openxmlformats.org/drawingml/2006/main" xmlns:r="http://schemas.openxmlformats.org/officeDocument/2006/relationships" xmlns:p="http://schemas.openxmlformats.org/presentationml/2006/main" showMasterSp="0" showMasterPhAnim="0">
   <p:cSld>
     <p:spTree>
       <p:nvGrpSpPr>
-        <p:cNvPr id="135" name="Shape 135"/>
+        <p:cNvPr id="1" name="Shape 135"/>
         <p:cNvGrpSpPr/>
         <p:nvPr/>
       </p:nvGrpSpPr>
@@ -1844,9 +1599,11 @@
       <p:sp>
         <p:nvSpPr>
           <p:cNvPr id="136" name="Google Shape;136;g11802106dee_0_917:notes"/>
-          <p:cNvSpPr/>
+          <p:cNvSpPr>
+            <a:spLocks noGrp="1" noRot="1" noChangeAspect="1"/>
+          </p:cNvSpPr>
           <p:nvPr>
-            <p:ph idx="2" type="sldImg"/>
+            <p:ph type="sldImg" idx="2"/>
           </p:nvPr>
         </p:nvSpPr>
         <p:spPr>
@@ -1855,9 +1612,13 @@
             <a:ext cx="6096000" cy="3429000"/>
           </a:xfrm>
           <a:custGeom>
-            <a:rect b="b" l="l" r="r" t="t"/>
+            <a:avLst/>
+            <a:gdLst/>
+            <a:ahLst/>
+            <a:cxnLst/>
+            <a:rect l="l" t="t" r="r" b="b"/>
             <a:pathLst>
-              <a:path extrusionOk="0" h="120000" w="120000">
+              <a:path w="120000" h="120000" extrusionOk="0">
                 <a:moveTo>
                   <a:pt x="0" y="0"/>
                 </a:moveTo>
@@ -1879,9 +1640,11 @@
       <p:sp>
         <p:nvSpPr>
           <p:cNvPr id="137" name="Google Shape;137;g11802106dee_0_917:notes"/>
-          <p:cNvSpPr txBox="1"/>
+          <p:cNvSpPr txBox="1">
+            <a:spLocks noGrp="1"/>
+          </p:cNvSpPr>
           <p:nvPr>
-            <p:ph idx="1" type="body"/>
+            <p:ph type="body" idx="1"/>
           </p:nvPr>
         </p:nvSpPr>
         <p:spPr>
@@ -1894,12 +1657,12 @@
           </a:prstGeom>
         </p:spPr>
         <p:txBody>
-          <a:bodyPr anchorCtr="0" anchor="t" bIns="91425" lIns="91425" spcFirstLastPara="1" rIns="91425" wrap="square" tIns="91425">
+          <a:bodyPr spcFirstLastPara="1" wrap="square" lIns="91425" tIns="91425" rIns="91425" bIns="91425" anchor="t" anchorCtr="0">
             <a:noAutofit/>
           </a:bodyPr>
           <a:lstStyle/>
           <a:p>
-            <a:pPr indent="0" lvl="0" marL="0" rtl="0" algn="l">
+            <a:pPr marL="0" lvl="0" indent="0" algn="l" rtl="0">
               <a:spcBef>
                 <a:spcPts val="0"/>
               </a:spcBef>
@@ -1908,9 +1671,6 @@
               </a:spcAft>
               <a:buNone/>
             </a:pPr>
-            <a:r>
-              <a:t/>
-            </a:r>
             <a:endParaRPr/>
           </a:p>
         </p:txBody>
@@ -1924,11 +1684,11 @@
 </file>
 
 <file path=ppt/notesSlides/notesSlide9.xml><?xml version="1.0" encoding="utf-8"?>
-<p:notes xmlns:a="http://schemas.openxmlformats.org/drawingml/2006/main" xmlns:r="http://schemas.openxmlformats.org/officeDocument/2006/relationships" xmlns:mc="http://schemas.openxmlformats.org/markup-compatibility/2006" xmlns:mv="urn:schemas-microsoft-com:mac:vml" xmlns:p="http://schemas.openxmlformats.org/presentationml/2006/main" xmlns:c="http://schemas.openxmlformats.org/drawingml/2006/chart" xmlns:dgm="http://schemas.openxmlformats.org/drawingml/2006/diagram" xmlns:o="urn:schemas-microsoft-com:office:office" xmlns:v="urn:schemas-microsoft-com:vml" xmlns:pvml="urn:schemas-microsoft-com:office:powerpoint" xmlns:com="http://schemas.openxmlformats.org/drawingml/2006/compatibility" xmlns:p14="http://schemas.microsoft.com/office/powerpoint/2010/main" xmlns:p15="http://schemas.microsoft.com/office/powerpoint/2012/main" xmlns:ahyp="http://schemas.microsoft.com/office/drawing/2018/hyperlinkcolor" showMasterPhAnim="0" showMasterSp="0">
+<p:notes xmlns:a="http://schemas.openxmlformats.org/drawingml/2006/main" xmlns:r="http://schemas.openxmlformats.org/officeDocument/2006/relationships" xmlns:p="http://schemas.openxmlformats.org/presentationml/2006/main" showMasterSp="0" showMasterPhAnim="0">
   <p:cSld>
     <p:spTree>
       <p:nvGrpSpPr>
-        <p:cNvPr id="143" name="Shape 143"/>
+        <p:cNvPr id="1" name="Shape 143"/>
         <p:cNvGrpSpPr/>
         <p:nvPr/>
       </p:nvGrpSpPr>
@@ -1943,9 +1703,11 @@
       <p:sp>
         <p:nvSpPr>
           <p:cNvPr id="144" name="Google Shape;144;g118191f6de9_0_494:notes"/>
-          <p:cNvSpPr/>
+          <p:cNvSpPr>
+            <a:spLocks noGrp="1" noRot="1" noChangeAspect="1"/>
+          </p:cNvSpPr>
           <p:nvPr>
-            <p:ph idx="2" type="sldImg"/>
+            <p:ph type="sldImg" idx="2"/>
           </p:nvPr>
         </p:nvSpPr>
         <p:spPr>
@@ -1954,9 +1716,13 @@
             <a:ext cx="6096000" cy="3429000"/>
           </a:xfrm>
           <a:custGeom>
-            <a:rect b="b" l="l" r="r" t="t"/>
+            <a:avLst/>
+            <a:gdLst/>
+            <a:ahLst/>
+            <a:cxnLst/>
+            <a:rect l="l" t="t" r="r" b="b"/>
             <a:pathLst>
-              <a:path extrusionOk="0" h="120000" w="120000">
+              <a:path w="120000" h="120000" extrusionOk="0">
                 <a:moveTo>
                   <a:pt x="0" y="0"/>
                 </a:moveTo>
@@ -1978,9 +1744,11 @@
       <p:sp>
         <p:nvSpPr>
           <p:cNvPr id="145" name="Google Shape;145;g118191f6de9_0_494:notes"/>
-          <p:cNvSpPr txBox="1"/>
+          <p:cNvSpPr txBox="1">
+            <a:spLocks noGrp="1"/>
+          </p:cNvSpPr>
           <p:nvPr>
-            <p:ph idx="1" type="body"/>
+            <p:ph type="body" idx="1"/>
           </p:nvPr>
         </p:nvSpPr>
         <p:spPr>
@@ -1993,12 +1761,12 @@
           </a:prstGeom>
         </p:spPr>
         <p:txBody>
-          <a:bodyPr anchorCtr="0" anchor="t" bIns="91425" lIns="91425" spcFirstLastPara="1" rIns="91425" wrap="square" tIns="91425">
+          <a:bodyPr spcFirstLastPara="1" wrap="square" lIns="91425" tIns="91425" rIns="91425" bIns="91425" anchor="t" anchorCtr="0">
             <a:noAutofit/>
           </a:bodyPr>
           <a:lstStyle/>
           <a:p>
-            <a:pPr indent="0" lvl="0" marL="0" rtl="0" algn="l">
+            <a:pPr marL="0" lvl="0" indent="0" algn="l" rtl="0">
               <a:spcBef>
                 <a:spcPts val="0"/>
               </a:spcBef>
@@ -2007,9 +1775,6 @@
               </a:spcAft>
               <a:buNone/>
             </a:pPr>
-            <a:r>
-              <a:t/>
-            </a:r>
             <a:endParaRPr/>
           </a:p>
         </p:txBody>
@@ -2023,11 +1788,11 @@
 </file>
 
 <file path=ppt/slideLayouts/slideLayout1.xml><?xml version="1.0" encoding="utf-8"?>
-<p:sldLayout xmlns:a="http://schemas.openxmlformats.org/drawingml/2006/main" xmlns:r="http://schemas.openxmlformats.org/officeDocument/2006/relationships" xmlns:mc="http://schemas.openxmlformats.org/markup-compatibility/2006" xmlns:mv="urn:schemas-microsoft-com:mac:vml" xmlns:p="http://schemas.openxmlformats.org/presentationml/2006/main" xmlns:c="http://schemas.openxmlformats.org/drawingml/2006/chart" xmlns:dgm="http://schemas.openxmlformats.org/drawingml/2006/diagram" xmlns:o="urn:schemas-microsoft-com:office:office" xmlns:v="urn:schemas-microsoft-com:vml" xmlns:pvml="urn:schemas-microsoft-com:office:powerpoint" xmlns:com="http://schemas.openxmlformats.org/drawingml/2006/compatibility" xmlns:p14="http://schemas.microsoft.com/office/powerpoint/2010/main" xmlns:p15="http://schemas.microsoft.com/office/powerpoint/2012/main" xmlns:ahyp="http://schemas.microsoft.com/office/drawing/2018/hyperlinkcolor" matchingName="Title slide" type="title">
+<p:sldLayout xmlns:a="http://schemas.openxmlformats.org/drawingml/2006/main" xmlns:r="http://schemas.openxmlformats.org/officeDocument/2006/relationships" xmlns:p="http://schemas.openxmlformats.org/presentationml/2006/main" matchingName="Title slide" type="title">
   <p:cSld name="TITLE">
     <p:spTree>
       <p:nvGrpSpPr>
-        <p:cNvPr id="9" name="Shape 9"/>
+        <p:cNvPr id="1" name="Shape 9"/>
         <p:cNvGrpSpPr/>
         <p:nvPr/>
       </p:nvGrpSpPr>
@@ -2051,9 +1816,13 @@
             <a:ext cx="1081625" cy="1124950"/>
           </a:xfrm>
           <a:custGeom>
-            <a:rect b="b" l="l" r="r" t="t"/>
+            <a:avLst/>
+            <a:gdLst/>
+            <a:ahLst/>
+            <a:cxnLst/>
+            <a:rect l="l" t="t" r="r" b="b"/>
             <a:pathLst>
-              <a:path extrusionOk="0" h="44998" w="43265">
+              <a:path w="43265" h="44998" extrusionOk="0">
                 <a:moveTo>
                   <a:pt x="0" y="44998"/>
                 </a:moveTo>
@@ -2067,14 +1836,14 @@
             </a:pathLst>
           </a:custGeom>
           <a:noFill/>
-          <a:ln cap="flat" cmpd="sng" w="28575">
+          <a:ln w="28575" cap="flat" cmpd="sng">
             <a:solidFill>
               <a:schemeClr val="lt2"/>
             </a:solidFill>
             <a:prstDash val="solid"/>
             <a:miter lim="8000"/>
-            <a:headEnd len="sm" w="sm" type="none"/>
-            <a:tailEnd len="sm" w="sm" type="none"/>
+            <a:headEnd type="none" w="sm" len="sm"/>
+            <a:tailEnd type="none" w="sm" len="sm"/>
           </a:ln>
         </p:spPr>
       </p:sp>
@@ -2090,9 +1859,13 @@
             <a:ext cx="1081625" cy="1124950"/>
           </a:xfrm>
           <a:custGeom>
-            <a:rect b="b" l="l" r="r" t="t"/>
+            <a:avLst/>
+            <a:gdLst/>
+            <a:ahLst/>
+            <a:cxnLst/>
+            <a:rect l="l" t="t" r="r" b="b"/>
             <a:pathLst>
-              <a:path extrusionOk="0" h="44998" w="43265">
+              <a:path w="43265" h="44998" extrusionOk="0">
                 <a:moveTo>
                   <a:pt x="0" y="44998"/>
                 </a:moveTo>
@@ -2106,21 +1879,23 @@
             </a:pathLst>
           </a:custGeom>
           <a:noFill/>
-          <a:ln cap="flat" cmpd="sng" w="28575">
+          <a:ln w="28575" cap="flat" cmpd="sng">
             <a:solidFill>
               <a:schemeClr val="lt2"/>
             </a:solidFill>
             <a:prstDash val="solid"/>
             <a:miter lim="8000"/>
-            <a:headEnd len="sm" w="sm" type="none"/>
-            <a:tailEnd len="sm" w="sm" type="none"/>
+            <a:headEnd type="none" w="sm" len="sm"/>
+            <a:tailEnd type="none" w="sm" len="sm"/>
           </a:ln>
         </p:spPr>
       </p:sp>
       <p:sp>
         <p:nvSpPr>
           <p:cNvPr id="12" name="Google Shape;12;p2"/>
-          <p:cNvSpPr txBox="1"/>
+          <p:cNvSpPr txBox="1">
+            <a:spLocks noGrp="1"/>
+          </p:cNvSpPr>
           <p:nvPr>
             <p:ph type="ctrTitle"/>
           </p:nvPr>
@@ -2135,7 +1910,7 @@
           </a:prstGeom>
         </p:spPr>
         <p:txBody>
-          <a:bodyPr anchorCtr="0" anchor="b" bIns="91425" lIns="91425" spcFirstLastPara="1" rIns="91425" wrap="square" tIns="91425">
+          <a:bodyPr spcFirstLastPara="1" wrap="square" lIns="91425" tIns="91425" rIns="91425" bIns="91425" anchor="b" anchorCtr="0">
             <a:normAutofit/>
           </a:bodyPr>
           <a:lstStyle>
@@ -2239,15 +2014,19 @@
               <a:defRPr/>
             </a:lvl9pPr>
           </a:lstStyle>
-          <a:p/>
+          <a:p>
+            <a:endParaRPr/>
+          </a:p>
         </p:txBody>
       </p:sp>
       <p:sp>
         <p:nvSpPr>
           <p:cNvPr id="13" name="Google Shape;13;p2"/>
-          <p:cNvSpPr txBox="1"/>
+          <p:cNvSpPr txBox="1">
+            <a:spLocks noGrp="1"/>
+          </p:cNvSpPr>
           <p:nvPr>
-            <p:ph idx="1" type="subTitle"/>
+            <p:ph type="subTitle" idx="1"/>
           </p:nvPr>
         </p:nvSpPr>
         <p:spPr>
@@ -2260,7 +2039,7 @@
           </a:prstGeom>
         </p:spPr>
         <p:txBody>
-          <a:bodyPr anchorCtr="0" anchor="t" bIns="91425" lIns="91425" spcFirstLastPara="1" rIns="91425" wrap="square" tIns="91425">
+          <a:bodyPr spcFirstLastPara="1" wrap="square" lIns="91425" tIns="91425" rIns="91425" bIns="91425" anchor="t" anchorCtr="0">
             <a:normAutofit/>
           </a:bodyPr>
           <a:lstStyle>
@@ -2445,15 +2224,19 @@
               </a:defRPr>
             </a:lvl9pPr>
           </a:lstStyle>
-          <a:p/>
+          <a:p>
+            <a:endParaRPr/>
+          </a:p>
         </p:txBody>
       </p:sp>
       <p:sp>
         <p:nvSpPr>
           <p:cNvPr id="14" name="Google Shape;14;p2"/>
-          <p:cNvSpPr txBox="1"/>
+          <p:cNvSpPr txBox="1">
+            <a:spLocks noGrp="1"/>
+          </p:cNvSpPr>
           <p:nvPr>
-            <p:ph idx="12" type="sldNum"/>
+            <p:ph type="sldNum" idx="12"/>
           </p:nvPr>
         </p:nvSpPr>
         <p:spPr>
@@ -2466,7 +2249,7 @@
           </a:prstGeom>
         </p:spPr>
         <p:txBody>
-          <a:bodyPr anchorCtr="0" anchor="ctr" bIns="91425" lIns="91425" spcFirstLastPara="1" rIns="91425" wrap="square" tIns="91425">
+          <a:bodyPr spcFirstLastPara="1" wrap="square" lIns="91425" tIns="91425" rIns="91425" bIns="91425" anchor="ctr" anchorCtr="0">
             <a:normAutofit/>
           </a:bodyPr>
           <a:lstStyle>
@@ -2508,7 +2291,7 @@
             </a:lvl9pPr>
           </a:lstStyle>
           <a:p>
-            <a:pPr indent="0" lvl="0" marL="0" rtl="0" algn="r">
+            <a:pPr marL="0" lvl="0" indent="0" algn="r" rtl="0">
               <a:spcBef>
                 <a:spcPts val="0"/>
               </a:spcBef>
@@ -2534,11 +2317,11 @@
 </file>
 
 <file path=ppt/slideLayouts/slideLayout10.xml><?xml version="1.0" encoding="utf-8"?>
-<p:sldLayout xmlns:a="http://schemas.openxmlformats.org/drawingml/2006/main" xmlns:r="http://schemas.openxmlformats.org/officeDocument/2006/relationships" xmlns:mc="http://schemas.openxmlformats.org/markup-compatibility/2006" xmlns:mv="urn:schemas-microsoft-com:mac:vml" xmlns:p="http://schemas.openxmlformats.org/presentationml/2006/main" xmlns:c="http://schemas.openxmlformats.org/drawingml/2006/chart" xmlns:dgm="http://schemas.openxmlformats.org/drawingml/2006/diagram" xmlns:o="urn:schemas-microsoft-com:office:office" xmlns:v="urn:schemas-microsoft-com:vml" xmlns:pvml="urn:schemas-microsoft-com:office:powerpoint" xmlns:com="http://schemas.openxmlformats.org/drawingml/2006/compatibility" xmlns:p14="http://schemas.microsoft.com/office/powerpoint/2010/main" xmlns:p15="http://schemas.microsoft.com/office/powerpoint/2012/main" xmlns:ahyp="http://schemas.microsoft.com/office/drawing/2018/hyperlinkcolor" matchingName="Big number">
+<p:sldLayout xmlns:a="http://schemas.openxmlformats.org/drawingml/2006/main" xmlns:r="http://schemas.openxmlformats.org/officeDocument/2006/relationships" xmlns:p="http://schemas.openxmlformats.org/presentationml/2006/main" matchingName="Big number">
   <p:cSld name="BIG_NUMBER">
     <p:spTree>
       <p:nvGrpSpPr>
-        <p:cNvPr id="51" name="Shape 51"/>
+        <p:cNvPr id="1" name="Shape 51"/>
         <p:cNvGrpSpPr/>
         <p:nvPr/>
       </p:nvGrpSpPr>
@@ -2572,12 +2355,12 @@
           </a:ln>
         </p:spPr>
         <p:txBody>
-          <a:bodyPr anchorCtr="0" anchor="ctr" bIns="91425" lIns="91425" spcFirstLastPara="1" rIns="91425" wrap="square" tIns="91425">
+          <a:bodyPr spcFirstLastPara="1" wrap="square" lIns="91425" tIns="91425" rIns="91425" bIns="91425" anchor="ctr" anchorCtr="0">
             <a:noAutofit/>
           </a:bodyPr>
           <a:lstStyle/>
           <a:p>
-            <a:pPr indent="0" lvl="0" marL="0" rtl="0" algn="l">
+            <a:pPr marL="0" lvl="0" indent="0" algn="l" rtl="0">
               <a:spcBef>
                 <a:spcPts val="0"/>
               </a:spcBef>
@@ -2586,9 +2369,6 @@
               </a:spcAft>
               <a:buNone/>
             </a:pPr>
-            <a:r>
-              <a:t/>
-            </a:r>
             <a:endParaRPr/>
           </a:p>
         </p:txBody>
@@ -2596,9 +2376,11 @@
       <p:sp>
         <p:nvSpPr>
           <p:cNvPr id="53" name="Google Shape;53;p11"/>
-          <p:cNvSpPr txBox="1"/>
+          <p:cNvSpPr txBox="1">
+            <a:spLocks noGrp="1"/>
+          </p:cNvSpPr>
           <p:nvPr>
-            <p:ph hasCustomPrompt="1" type="title"/>
+            <p:ph type="title" hasCustomPrompt="1"/>
           </p:nvPr>
         </p:nvSpPr>
         <p:spPr>
@@ -2611,7 +2393,7 @@
           </a:prstGeom>
         </p:spPr>
         <p:txBody>
-          <a:bodyPr anchorCtr="0" anchor="ctr" bIns="91425" lIns="91425" spcFirstLastPara="1" rIns="91425" wrap="square" tIns="91425">
+          <a:bodyPr spcFirstLastPara="1" wrap="square" lIns="91425" tIns="91425" rIns="91425" bIns="91425" anchor="ctr" anchorCtr="0">
             <a:normAutofit/>
           </a:bodyPr>
           <a:lstStyle>
@@ -2788,9 +2570,11 @@
       <p:sp>
         <p:nvSpPr>
           <p:cNvPr id="54" name="Google Shape;54;p11"/>
-          <p:cNvSpPr txBox="1"/>
+          <p:cNvSpPr txBox="1">
+            <a:spLocks noGrp="1"/>
+          </p:cNvSpPr>
           <p:nvPr>
-            <p:ph idx="1" type="body"/>
+            <p:ph type="body" idx="1"/>
           </p:nvPr>
         </p:nvSpPr>
         <p:spPr>
@@ -2803,11 +2587,11 @@
           </a:prstGeom>
         </p:spPr>
         <p:txBody>
-          <a:bodyPr anchorCtr="0" anchor="t" bIns="91425" lIns="91425" spcFirstLastPara="1" rIns="91425" wrap="square" tIns="91425">
+          <a:bodyPr spcFirstLastPara="1" wrap="square" lIns="91425" tIns="91425" rIns="91425" bIns="91425" anchor="t" anchorCtr="0">
             <a:normAutofit/>
           </a:bodyPr>
           <a:lstStyle>
-            <a:lvl1pPr indent="-342900" lvl="0" marL="457200" algn="ctr">
+            <a:lvl1pPr marL="457200" lvl="0" indent="-342900" algn="ctr">
               <a:spcBef>
                 <a:spcPts val="0"/>
               </a:spcBef>
@@ -2818,7 +2602,7 @@
               <a:buChar char="●"/>
               <a:defRPr/>
             </a:lvl1pPr>
-            <a:lvl2pPr indent="-317500" lvl="1" marL="914400" algn="ctr">
+            <a:lvl2pPr marL="914400" lvl="1" indent="-317500" algn="ctr">
               <a:spcBef>
                 <a:spcPts val="0"/>
               </a:spcBef>
@@ -2829,7 +2613,7 @@
               <a:buChar char="○"/>
               <a:defRPr/>
             </a:lvl2pPr>
-            <a:lvl3pPr indent="-317500" lvl="2" marL="1371600" algn="ctr">
+            <a:lvl3pPr marL="1371600" lvl="2" indent="-317500" algn="ctr">
               <a:spcBef>
                 <a:spcPts val="0"/>
               </a:spcBef>
@@ -2840,7 +2624,7 @@
               <a:buChar char="■"/>
               <a:defRPr/>
             </a:lvl3pPr>
-            <a:lvl4pPr indent="-317500" lvl="3" marL="1828800" algn="ctr">
+            <a:lvl4pPr marL="1828800" lvl="3" indent="-317500" algn="ctr">
               <a:spcBef>
                 <a:spcPts val="0"/>
               </a:spcBef>
@@ -2851,7 +2635,7 @@
               <a:buChar char="●"/>
               <a:defRPr/>
             </a:lvl4pPr>
-            <a:lvl5pPr indent="-317500" lvl="4" marL="2286000" algn="ctr">
+            <a:lvl5pPr marL="2286000" lvl="4" indent="-317500" algn="ctr">
               <a:spcBef>
                 <a:spcPts val="0"/>
               </a:spcBef>
@@ -2862,7 +2646,7 @@
               <a:buChar char="○"/>
               <a:defRPr/>
             </a:lvl5pPr>
-            <a:lvl6pPr indent="-317500" lvl="5" marL="2743200" algn="ctr">
+            <a:lvl6pPr marL="2743200" lvl="5" indent="-317500" algn="ctr">
               <a:spcBef>
                 <a:spcPts val="0"/>
               </a:spcBef>
@@ -2873,7 +2657,7 @@
               <a:buChar char="■"/>
               <a:defRPr/>
             </a:lvl6pPr>
-            <a:lvl7pPr indent="-317500" lvl="6" marL="3200400" algn="ctr">
+            <a:lvl7pPr marL="3200400" lvl="6" indent="-317500" algn="ctr">
               <a:spcBef>
                 <a:spcPts val="0"/>
               </a:spcBef>
@@ -2884,7 +2668,7 @@
               <a:buChar char="●"/>
               <a:defRPr/>
             </a:lvl7pPr>
-            <a:lvl8pPr indent="-317500" lvl="7" marL="3657600" algn="ctr">
+            <a:lvl8pPr marL="3657600" lvl="7" indent="-317500" algn="ctr">
               <a:spcBef>
                 <a:spcPts val="0"/>
               </a:spcBef>
@@ -2895,7 +2679,7 @@
               <a:buChar char="○"/>
               <a:defRPr/>
             </a:lvl8pPr>
-            <a:lvl9pPr indent="-317500" lvl="8" marL="4114800" algn="ctr">
+            <a:lvl9pPr marL="4114800" lvl="8" indent="-317500" algn="ctr">
               <a:spcBef>
                 <a:spcPts val="0"/>
               </a:spcBef>
@@ -2907,15 +2691,19 @@
               <a:defRPr/>
             </a:lvl9pPr>
           </a:lstStyle>
-          <a:p/>
+          <a:p>
+            <a:endParaRPr/>
+          </a:p>
         </p:txBody>
       </p:sp>
       <p:sp>
         <p:nvSpPr>
           <p:cNvPr id="55" name="Google Shape;55;p11"/>
-          <p:cNvSpPr txBox="1"/>
+          <p:cNvSpPr txBox="1">
+            <a:spLocks noGrp="1"/>
+          </p:cNvSpPr>
           <p:nvPr>
-            <p:ph idx="12" type="sldNum"/>
+            <p:ph type="sldNum" idx="12"/>
           </p:nvPr>
         </p:nvSpPr>
         <p:spPr>
@@ -2928,7 +2716,7 @@
           </a:prstGeom>
         </p:spPr>
         <p:txBody>
-          <a:bodyPr anchorCtr="0" anchor="ctr" bIns="91425" lIns="91425" spcFirstLastPara="1" rIns="91425" wrap="square" tIns="91425">
+          <a:bodyPr spcFirstLastPara="1" wrap="square" lIns="91425" tIns="91425" rIns="91425" bIns="91425" anchor="ctr" anchorCtr="0">
             <a:normAutofit/>
           </a:bodyPr>
           <a:lstStyle>
@@ -2970,7 +2758,7 @@
             </a:lvl9pPr>
           </a:lstStyle>
           <a:p>
-            <a:pPr indent="0" lvl="0" marL="0" rtl="0" algn="r">
+            <a:pPr marL="0" lvl="0" indent="0" algn="r" rtl="0">
               <a:spcBef>
                 <a:spcPts val="0"/>
               </a:spcBef>
@@ -2996,11 +2784,11 @@
 </file>
 
 <file path=ppt/slideLayouts/slideLayout11.xml><?xml version="1.0" encoding="utf-8"?>
-<p:sldLayout xmlns:a="http://schemas.openxmlformats.org/drawingml/2006/main" xmlns:r="http://schemas.openxmlformats.org/officeDocument/2006/relationships" xmlns:mc="http://schemas.openxmlformats.org/markup-compatibility/2006" xmlns:mv="urn:schemas-microsoft-com:mac:vml" xmlns:p="http://schemas.openxmlformats.org/presentationml/2006/main" xmlns:c="http://schemas.openxmlformats.org/drawingml/2006/chart" xmlns:dgm="http://schemas.openxmlformats.org/drawingml/2006/diagram" xmlns:o="urn:schemas-microsoft-com:office:office" xmlns:v="urn:schemas-microsoft-com:vml" xmlns:pvml="urn:schemas-microsoft-com:office:powerpoint" xmlns:com="http://schemas.openxmlformats.org/drawingml/2006/compatibility" xmlns:p14="http://schemas.microsoft.com/office/powerpoint/2010/main" xmlns:p15="http://schemas.microsoft.com/office/powerpoint/2012/main" xmlns:ahyp="http://schemas.microsoft.com/office/drawing/2018/hyperlinkcolor" matchingName="Blank" type="blank">
+<p:sldLayout xmlns:a="http://schemas.openxmlformats.org/drawingml/2006/main" xmlns:r="http://schemas.openxmlformats.org/officeDocument/2006/relationships" xmlns:p="http://schemas.openxmlformats.org/presentationml/2006/main" matchingName="Blank" type="blank">
   <p:cSld name="BLANK">
     <p:spTree>
       <p:nvGrpSpPr>
-        <p:cNvPr id="56" name="Shape 56"/>
+        <p:cNvPr id="1" name="Shape 56"/>
         <p:cNvGrpSpPr/>
         <p:nvPr/>
       </p:nvGrpSpPr>
@@ -3015,9 +2803,11 @@
       <p:sp>
         <p:nvSpPr>
           <p:cNvPr id="57" name="Google Shape;57;p12"/>
-          <p:cNvSpPr txBox="1"/>
+          <p:cNvSpPr txBox="1">
+            <a:spLocks noGrp="1"/>
+          </p:cNvSpPr>
           <p:nvPr>
-            <p:ph idx="12" type="sldNum"/>
+            <p:ph type="sldNum" idx="12"/>
           </p:nvPr>
         </p:nvSpPr>
         <p:spPr>
@@ -3030,7 +2820,7 @@
           </a:prstGeom>
         </p:spPr>
         <p:txBody>
-          <a:bodyPr anchorCtr="0" anchor="ctr" bIns="91425" lIns="91425" spcFirstLastPara="1" rIns="91425" wrap="square" tIns="91425">
+          <a:bodyPr spcFirstLastPara="1" wrap="square" lIns="91425" tIns="91425" rIns="91425" bIns="91425" anchor="ctr" anchorCtr="0">
             <a:normAutofit/>
           </a:bodyPr>
           <a:lstStyle>
@@ -3072,7 +2862,7 @@
             </a:lvl9pPr>
           </a:lstStyle>
           <a:p>
-            <a:pPr indent="0" lvl="0" marL="0" rtl="0" algn="r">
+            <a:pPr marL="0" lvl="0" indent="0" algn="r" rtl="0">
               <a:spcBef>
                 <a:spcPts val="0"/>
               </a:spcBef>
@@ -3098,11 +2888,11 @@
 </file>
 
 <file path=ppt/slideLayouts/slideLayout2.xml><?xml version="1.0" encoding="utf-8"?>
-<p:sldLayout xmlns:a="http://schemas.openxmlformats.org/drawingml/2006/main" xmlns:r="http://schemas.openxmlformats.org/officeDocument/2006/relationships" xmlns:mc="http://schemas.openxmlformats.org/markup-compatibility/2006" xmlns:mv="urn:schemas-microsoft-com:mac:vml" xmlns:p="http://schemas.openxmlformats.org/presentationml/2006/main" xmlns:c="http://schemas.openxmlformats.org/drawingml/2006/chart" xmlns:dgm="http://schemas.openxmlformats.org/drawingml/2006/diagram" xmlns:o="urn:schemas-microsoft-com:office:office" xmlns:v="urn:schemas-microsoft-com:vml" xmlns:pvml="urn:schemas-microsoft-com:office:powerpoint" xmlns:com="http://schemas.openxmlformats.org/drawingml/2006/compatibility" xmlns:p14="http://schemas.microsoft.com/office/powerpoint/2010/main" xmlns:p15="http://schemas.microsoft.com/office/powerpoint/2012/main" xmlns:ahyp="http://schemas.microsoft.com/office/drawing/2018/hyperlinkcolor" matchingName="Section header" type="secHead">
+<p:sldLayout xmlns:a="http://schemas.openxmlformats.org/drawingml/2006/main" xmlns:r="http://schemas.openxmlformats.org/officeDocument/2006/relationships" xmlns:p="http://schemas.openxmlformats.org/presentationml/2006/main" matchingName="Section header" type="secHead">
   <p:cSld name="SECTION_HEADER">
     <p:spTree>
       <p:nvGrpSpPr>
-        <p:cNvPr id="15" name="Shape 15"/>
+        <p:cNvPr id="1" name="Shape 15"/>
         <p:cNvGrpSpPr/>
         <p:nvPr/>
       </p:nvGrpSpPr>
@@ -3126,9 +2916,13 @@
             <a:ext cx="1081625" cy="1124950"/>
           </a:xfrm>
           <a:custGeom>
-            <a:rect b="b" l="l" r="r" t="t"/>
+            <a:avLst/>
+            <a:gdLst/>
+            <a:ahLst/>
+            <a:cxnLst/>
+            <a:rect l="l" t="t" r="r" b="b"/>
             <a:pathLst>
-              <a:path extrusionOk="0" h="44998" w="43265">
+              <a:path w="43265" h="44998" extrusionOk="0">
                 <a:moveTo>
                   <a:pt x="0" y="44998"/>
                 </a:moveTo>
@@ -3142,14 +2936,14 @@
             </a:pathLst>
           </a:custGeom>
           <a:noFill/>
-          <a:ln cap="flat" cmpd="sng" w="28575">
+          <a:ln w="28575" cap="flat" cmpd="sng">
             <a:solidFill>
               <a:schemeClr val="lt2"/>
             </a:solidFill>
             <a:prstDash val="solid"/>
             <a:miter lim="8000"/>
-            <a:headEnd len="sm" w="sm" type="none"/>
-            <a:tailEnd len="sm" w="sm" type="none"/>
+            <a:headEnd type="none" w="sm" len="sm"/>
+            <a:tailEnd type="none" w="sm" len="sm"/>
           </a:ln>
         </p:spPr>
       </p:sp>
@@ -3160,14 +2954,18 @@
           <p:nvPr/>
         </p:nvSpPr>
         <p:spPr>
-          <a:xfrm flipH="1" rot="10800000">
+          <a:xfrm rot="10800000" flipH="1">
             <a:off x="466425" y="3558325"/>
             <a:ext cx="1081625" cy="1124950"/>
           </a:xfrm>
           <a:custGeom>
-            <a:rect b="b" l="l" r="r" t="t"/>
+            <a:avLst/>
+            <a:gdLst/>
+            <a:ahLst/>
+            <a:cxnLst/>
+            <a:rect l="l" t="t" r="r" b="b"/>
             <a:pathLst>
-              <a:path extrusionOk="0" h="44998" w="43265">
+              <a:path w="43265" h="44998" extrusionOk="0">
                 <a:moveTo>
                   <a:pt x="0" y="44998"/>
                 </a:moveTo>
@@ -3181,21 +2979,23 @@
             </a:pathLst>
           </a:custGeom>
           <a:noFill/>
-          <a:ln cap="flat" cmpd="sng" w="28575">
+          <a:ln w="28575" cap="flat" cmpd="sng">
             <a:solidFill>
               <a:schemeClr val="lt2"/>
             </a:solidFill>
             <a:prstDash val="solid"/>
             <a:miter lim="8000"/>
-            <a:headEnd len="sm" w="sm" type="none"/>
-            <a:tailEnd len="sm" w="sm" type="none"/>
+            <a:headEnd type="none" w="sm" len="sm"/>
+            <a:tailEnd type="none" w="sm" len="sm"/>
           </a:ln>
         </p:spPr>
       </p:sp>
       <p:sp>
         <p:nvSpPr>
           <p:cNvPr id="18" name="Google Shape;18;p3"/>
-          <p:cNvSpPr txBox="1"/>
+          <p:cNvSpPr txBox="1">
+            <a:spLocks noGrp="1"/>
+          </p:cNvSpPr>
           <p:nvPr>
             <p:ph type="title"/>
           </p:nvPr>
@@ -3210,7 +3010,7 @@
           </a:prstGeom>
         </p:spPr>
         <p:txBody>
-          <a:bodyPr anchorCtr="0" anchor="ctr" bIns="91425" lIns="91425" spcFirstLastPara="1" rIns="91425" wrap="square" tIns="91425">
+          <a:bodyPr spcFirstLastPara="1" wrap="square" lIns="91425" tIns="91425" rIns="91425" bIns="91425" anchor="ctr" anchorCtr="0">
             <a:normAutofit/>
           </a:bodyPr>
           <a:lstStyle>
@@ -3314,15 +3114,19 @@
               <a:defRPr/>
             </a:lvl9pPr>
           </a:lstStyle>
-          <a:p/>
+          <a:p>
+            <a:endParaRPr/>
+          </a:p>
         </p:txBody>
       </p:sp>
       <p:sp>
         <p:nvSpPr>
           <p:cNvPr id="19" name="Google Shape;19;p3"/>
-          <p:cNvSpPr txBox="1"/>
+          <p:cNvSpPr txBox="1">
+            <a:spLocks noGrp="1"/>
+          </p:cNvSpPr>
           <p:nvPr>
-            <p:ph idx="12" type="sldNum"/>
+            <p:ph type="sldNum" idx="12"/>
           </p:nvPr>
         </p:nvSpPr>
         <p:spPr>
@@ -3335,7 +3139,7 @@
           </a:prstGeom>
         </p:spPr>
         <p:txBody>
-          <a:bodyPr anchorCtr="0" anchor="ctr" bIns="91425" lIns="91425" spcFirstLastPara="1" rIns="91425" wrap="square" tIns="91425">
+          <a:bodyPr spcFirstLastPara="1" wrap="square" lIns="91425" tIns="91425" rIns="91425" bIns="91425" anchor="ctr" anchorCtr="0">
             <a:normAutofit/>
           </a:bodyPr>
           <a:lstStyle>
@@ -3377,7 +3181,7 @@
             </a:lvl9pPr>
           </a:lstStyle>
           <a:p>
-            <a:pPr indent="0" lvl="0" marL="0" rtl="0" algn="r">
+            <a:pPr marL="0" lvl="0" indent="0" algn="r" rtl="0">
               <a:spcBef>
                 <a:spcPts val="0"/>
               </a:spcBef>
@@ -3403,11 +3207,11 @@
 </file>
 
 <file path=ppt/slideLayouts/slideLayout3.xml><?xml version="1.0" encoding="utf-8"?>
-<p:sldLayout xmlns:a="http://schemas.openxmlformats.org/drawingml/2006/main" xmlns:r="http://schemas.openxmlformats.org/officeDocument/2006/relationships" xmlns:mc="http://schemas.openxmlformats.org/markup-compatibility/2006" xmlns:mv="urn:schemas-microsoft-com:mac:vml" xmlns:p="http://schemas.openxmlformats.org/presentationml/2006/main" xmlns:c="http://schemas.openxmlformats.org/drawingml/2006/chart" xmlns:dgm="http://schemas.openxmlformats.org/drawingml/2006/diagram" xmlns:o="urn:schemas-microsoft-com:office:office" xmlns:v="urn:schemas-microsoft-com:vml" xmlns:pvml="urn:schemas-microsoft-com:office:powerpoint" xmlns:com="http://schemas.openxmlformats.org/drawingml/2006/compatibility" xmlns:p14="http://schemas.microsoft.com/office/powerpoint/2010/main" xmlns:p15="http://schemas.microsoft.com/office/powerpoint/2012/main" xmlns:ahyp="http://schemas.microsoft.com/office/drawing/2018/hyperlinkcolor" matchingName="Title and body" type="tx">
+<p:sldLayout xmlns:a="http://schemas.openxmlformats.org/drawingml/2006/main" xmlns:r="http://schemas.openxmlformats.org/officeDocument/2006/relationships" xmlns:p="http://schemas.openxmlformats.org/presentationml/2006/main" matchingName="Title and body" type="tx">
   <p:cSld name="TITLE_AND_BODY">
     <p:spTree>
       <p:nvGrpSpPr>
-        <p:cNvPr id="20" name="Shape 20"/>
+        <p:cNvPr id="1" name="Shape 20"/>
         <p:cNvGrpSpPr/>
         <p:nvPr/>
       </p:nvGrpSpPr>
@@ -3441,12 +3245,12 @@
           </a:ln>
         </p:spPr>
         <p:txBody>
-          <a:bodyPr anchorCtr="0" anchor="ctr" bIns="91425" lIns="91425" spcFirstLastPara="1" rIns="91425" wrap="square" tIns="91425">
+          <a:bodyPr spcFirstLastPara="1" wrap="square" lIns="91425" tIns="91425" rIns="91425" bIns="91425" anchor="ctr" anchorCtr="0">
             <a:noAutofit/>
           </a:bodyPr>
           <a:lstStyle/>
           <a:p>
-            <a:pPr indent="0" lvl="0" marL="0" rtl="0" algn="l">
+            <a:pPr marL="0" lvl="0" indent="0" algn="l" rtl="0">
               <a:spcBef>
                 <a:spcPts val="0"/>
               </a:spcBef>
@@ -3455,9 +3259,6 @@
               </a:spcAft>
               <a:buNone/>
             </a:pPr>
-            <a:r>
-              <a:t/>
-            </a:r>
             <a:endParaRPr/>
           </a:p>
         </p:txBody>
@@ -3465,7 +3266,9 @@
       <p:sp>
         <p:nvSpPr>
           <p:cNvPr id="22" name="Google Shape;22;p4"/>
-          <p:cNvSpPr txBox="1"/>
+          <p:cNvSpPr txBox="1">
+            <a:spLocks noGrp="1"/>
+          </p:cNvSpPr>
           <p:nvPr>
             <p:ph type="title"/>
           </p:nvPr>
@@ -3480,7 +3283,7 @@
           </a:prstGeom>
         </p:spPr>
         <p:txBody>
-          <a:bodyPr anchorCtr="0" anchor="b" bIns="91425" lIns="91425" spcFirstLastPara="1" rIns="91425" wrap="square" tIns="91425">
+          <a:bodyPr spcFirstLastPara="1" wrap="square" lIns="91425" tIns="91425" rIns="91425" bIns="91425" anchor="b" anchorCtr="0">
             <a:normAutofit/>
           </a:bodyPr>
           <a:lstStyle>
@@ -3584,15 +3387,19 @@
               <a:defRPr/>
             </a:lvl9pPr>
           </a:lstStyle>
-          <a:p/>
+          <a:p>
+            <a:endParaRPr/>
+          </a:p>
         </p:txBody>
       </p:sp>
       <p:sp>
         <p:nvSpPr>
           <p:cNvPr id="23" name="Google Shape;23;p4"/>
-          <p:cNvSpPr txBox="1"/>
+          <p:cNvSpPr txBox="1">
+            <a:spLocks noGrp="1"/>
+          </p:cNvSpPr>
           <p:nvPr>
-            <p:ph idx="1" type="body"/>
+            <p:ph type="body" idx="1"/>
           </p:nvPr>
         </p:nvSpPr>
         <p:spPr>
@@ -3605,11 +3412,11 @@
           </a:prstGeom>
         </p:spPr>
         <p:txBody>
-          <a:bodyPr anchorCtr="0" anchor="t" bIns="91425" lIns="91425" spcFirstLastPara="1" rIns="91425" wrap="square" tIns="91425">
+          <a:bodyPr spcFirstLastPara="1" wrap="square" lIns="91425" tIns="91425" rIns="91425" bIns="91425" anchor="t" anchorCtr="0">
             <a:normAutofit/>
           </a:bodyPr>
           <a:lstStyle>
-            <a:lvl1pPr indent="-342900" lvl="0" marL="457200">
+            <a:lvl1pPr marL="457200" lvl="0" indent="-342900">
               <a:spcBef>
                 <a:spcPts val="0"/>
               </a:spcBef>
@@ -3620,7 +3427,7 @@
               <a:buChar char="●"/>
               <a:defRPr/>
             </a:lvl1pPr>
-            <a:lvl2pPr indent="-317500" lvl="1" marL="914400">
+            <a:lvl2pPr marL="914400" lvl="1" indent="-317500">
               <a:spcBef>
                 <a:spcPts val="0"/>
               </a:spcBef>
@@ -3631,7 +3438,7 @@
               <a:buChar char="○"/>
               <a:defRPr/>
             </a:lvl2pPr>
-            <a:lvl3pPr indent="-317500" lvl="2" marL="1371600">
+            <a:lvl3pPr marL="1371600" lvl="2" indent="-317500">
               <a:spcBef>
                 <a:spcPts val="0"/>
               </a:spcBef>
@@ -3642,7 +3449,7 @@
               <a:buChar char="■"/>
               <a:defRPr/>
             </a:lvl3pPr>
-            <a:lvl4pPr indent="-317500" lvl="3" marL="1828800">
+            <a:lvl4pPr marL="1828800" lvl="3" indent="-317500">
               <a:spcBef>
                 <a:spcPts val="0"/>
               </a:spcBef>
@@ -3653,7 +3460,7 @@
               <a:buChar char="●"/>
               <a:defRPr/>
             </a:lvl4pPr>
-            <a:lvl5pPr indent="-317500" lvl="4" marL="2286000">
+            <a:lvl5pPr marL="2286000" lvl="4" indent="-317500">
               <a:spcBef>
                 <a:spcPts val="0"/>
               </a:spcBef>
@@ -3664,7 +3471,7 @@
               <a:buChar char="○"/>
               <a:defRPr/>
             </a:lvl5pPr>
-            <a:lvl6pPr indent="-317500" lvl="5" marL="2743200">
+            <a:lvl6pPr marL="2743200" lvl="5" indent="-317500">
               <a:spcBef>
                 <a:spcPts val="0"/>
               </a:spcBef>
@@ -3675,7 +3482,7 @@
               <a:buChar char="■"/>
               <a:defRPr/>
             </a:lvl6pPr>
-            <a:lvl7pPr indent="-317500" lvl="6" marL="3200400">
+            <a:lvl7pPr marL="3200400" lvl="6" indent="-317500">
               <a:spcBef>
                 <a:spcPts val="0"/>
               </a:spcBef>
@@ -3686,7 +3493,7 @@
               <a:buChar char="●"/>
               <a:defRPr/>
             </a:lvl7pPr>
-            <a:lvl8pPr indent="-317500" lvl="7" marL="3657600">
+            <a:lvl8pPr marL="3657600" lvl="7" indent="-317500">
               <a:spcBef>
                 <a:spcPts val="0"/>
               </a:spcBef>
@@ -3697,7 +3504,7 @@
               <a:buChar char="○"/>
               <a:defRPr/>
             </a:lvl8pPr>
-            <a:lvl9pPr indent="-317500" lvl="8" marL="4114800">
+            <a:lvl9pPr marL="4114800" lvl="8" indent="-317500">
               <a:spcBef>
                 <a:spcPts val="0"/>
               </a:spcBef>
@@ -3709,15 +3516,19 @@
               <a:defRPr/>
             </a:lvl9pPr>
           </a:lstStyle>
-          <a:p/>
+          <a:p>
+            <a:endParaRPr/>
+          </a:p>
         </p:txBody>
       </p:sp>
       <p:sp>
         <p:nvSpPr>
           <p:cNvPr id="24" name="Google Shape;24;p4"/>
-          <p:cNvSpPr txBox="1"/>
+          <p:cNvSpPr txBox="1">
+            <a:spLocks noGrp="1"/>
+          </p:cNvSpPr>
           <p:nvPr>
-            <p:ph idx="12" type="sldNum"/>
+            <p:ph type="sldNum" idx="12"/>
           </p:nvPr>
         </p:nvSpPr>
         <p:spPr>
@@ -3730,7 +3541,7 @@
           </a:prstGeom>
         </p:spPr>
         <p:txBody>
-          <a:bodyPr anchorCtr="0" anchor="ctr" bIns="91425" lIns="91425" spcFirstLastPara="1" rIns="91425" wrap="square" tIns="91425">
+          <a:bodyPr spcFirstLastPara="1" wrap="square" lIns="91425" tIns="91425" rIns="91425" bIns="91425" anchor="ctr" anchorCtr="0">
             <a:normAutofit/>
           </a:bodyPr>
           <a:lstStyle>
@@ -3772,7 +3583,7 @@
             </a:lvl9pPr>
           </a:lstStyle>
           <a:p>
-            <a:pPr indent="0" lvl="0" marL="0" rtl="0" algn="r">
+            <a:pPr marL="0" lvl="0" indent="0" algn="r" rtl="0">
               <a:spcBef>
                 <a:spcPts val="0"/>
               </a:spcBef>
@@ -3798,11 +3609,11 @@
 </file>
 
 <file path=ppt/slideLayouts/slideLayout4.xml><?xml version="1.0" encoding="utf-8"?>
-<p:sldLayout xmlns:a="http://schemas.openxmlformats.org/drawingml/2006/main" xmlns:r="http://schemas.openxmlformats.org/officeDocument/2006/relationships" xmlns:mc="http://schemas.openxmlformats.org/markup-compatibility/2006" xmlns:mv="urn:schemas-microsoft-com:mac:vml" xmlns:p="http://schemas.openxmlformats.org/presentationml/2006/main" xmlns:c="http://schemas.openxmlformats.org/drawingml/2006/chart" xmlns:dgm="http://schemas.openxmlformats.org/drawingml/2006/diagram" xmlns:o="urn:schemas-microsoft-com:office:office" xmlns:v="urn:schemas-microsoft-com:vml" xmlns:pvml="urn:schemas-microsoft-com:office:powerpoint" xmlns:com="http://schemas.openxmlformats.org/drawingml/2006/compatibility" xmlns:p14="http://schemas.microsoft.com/office/powerpoint/2010/main" xmlns:p15="http://schemas.microsoft.com/office/powerpoint/2012/main" xmlns:ahyp="http://schemas.microsoft.com/office/drawing/2018/hyperlinkcolor" matchingName="Title and two columns" type="twoColTx">
+<p:sldLayout xmlns:a="http://schemas.openxmlformats.org/drawingml/2006/main" xmlns:r="http://schemas.openxmlformats.org/officeDocument/2006/relationships" xmlns:p="http://schemas.openxmlformats.org/presentationml/2006/main" matchingName="Title and two columns" type="twoColTx">
   <p:cSld name="TITLE_AND_TWO_COLUMNS">
     <p:spTree>
       <p:nvGrpSpPr>
-        <p:cNvPr id="25" name="Shape 25"/>
+        <p:cNvPr id="1" name="Shape 25"/>
         <p:cNvGrpSpPr/>
         <p:nvPr/>
       </p:nvGrpSpPr>
@@ -3817,7 +3628,9 @@
       <p:sp>
         <p:nvSpPr>
           <p:cNvPr id="26" name="Google Shape;26;p5"/>
-          <p:cNvSpPr txBox="1"/>
+          <p:cNvSpPr txBox="1">
+            <a:spLocks noGrp="1"/>
+          </p:cNvSpPr>
           <p:nvPr>
             <p:ph type="title"/>
           </p:nvPr>
@@ -3832,7 +3645,7 @@
           </a:prstGeom>
         </p:spPr>
         <p:txBody>
-          <a:bodyPr anchorCtr="0" anchor="b" bIns="91425" lIns="91425" spcFirstLastPara="1" rIns="91425" wrap="square" tIns="91425">
+          <a:bodyPr spcFirstLastPara="1" wrap="square" lIns="91425" tIns="91425" rIns="91425" bIns="91425" anchor="b" anchorCtr="0">
             <a:normAutofit/>
           </a:bodyPr>
           <a:lstStyle>
@@ -3936,15 +3749,19 @@
               <a:defRPr/>
             </a:lvl9pPr>
           </a:lstStyle>
-          <a:p/>
+          <a:p>
+            <a:endParaRPr/>
+          </a:p>
         </p:txBody>
       </p:sp>
       <p:sp>
         <p:nvSpPr>
           <p:cNvPr id="27" name="Google Shape;27;p5"/>
-          <p:cNvSpPr txBox="1"/>
+          <p:cNvSpPr txBox="1">
+            <a:spLocks noGrp="1"/>
+          </p:cNvSpPr>
           <p:nvPr>
-            <p:ph idx="1" type="body"/>
+            <p:ph type="body" idx="1"/>
           </p:nvPr>
         </p:nvSpPr>
         <p:spPr>
@@ -3957,11 +3774,11 @@
           </a:prstGeom>
         </p:spPr>
         <p:txBody>
-          <a:bodyPr anchorCtr="0" anchor="t" bIns="91425" lIns="91425" spcFirstLastPara="1" rIns="91425" wrap="square" tIns="91425">
+          <a:bodyPr spcFirstLastPara="1" wrap="square" lIns="91425" tIns="91425" rIns="91425" bIns="91425" anchor="t" anchorCtr="0">
             <a:normAutofit/>
           </a:bodyPr>
           <a:lstStyle>
-            <a:lvl1pPr indent="-317500" lvl="0" marL="457200">
+            <a:lvl1pPr marL="457200" lvl="0" indent="-317500">
               <a:spcBef>
                 <a:spcPts val="0"/>
               </a:spcBef>
@@ -3972,7 +3789,7 @@
               <a:buChar char="●"/>
               <a:defRPr sz="1400"/>
             </a:lvl1pPr>
-            <a:lvl2pPr indent="-304800" lvl="1" marL="914400">
+            <a:lvl2pPr marL="914400" lvl="1" indent="-304800">
               <a:spcBef>
                 <a:spcPts val="0"/>
               </a:spcBef>
@@ -3983,7 +3800,7 @@
               <a:buChar char="○"/>
               <a:defRPr sz="1200"/>
             </a:lvl2pPr>
-            <a:lvl3pPr indent="-304800" lvl="2" marL="1371600">
+            <a:lvl3pPr marL="1371600" lvl="2" indent="-304800">
               <a:spcBef>
                 <a:spcPts val="0"/>
               </a:spcBef>
@@ -3994,7 +3811,7 @@
               <a:buChar char="■"/>
               <a:defRPr sz="1200"/>
             </a:lvl3pPr>
-            <a:lvl4pPr indent="-304800" lvl="3" marL="1828800">
+            <a:lvl4pPr marL="1828800" lvl="3" indent="-304800">
               <a:spcBef>
                 <a:spcPts val="0"/>
               </a:spcBef>
@@ -4005,7 +3822,7 @@
               <a:buChar char="●"/>
               <a:defRPr sz="1200"/>
             </a:lvl4pPr>
-            <a:lvl5pPr indent="-304800" lvl="4" marL="2286000">
+            <a:lvl5pPr marL="2286000" lvl="4" indent="-304800">
               <a:spcBef>
                 <a:spcPts val="0"/>
               </a:spcBef>
@@ -4016,7 +3833,7 @@
               <a:buChar char="○"/>
               <a:defRPr sz="1200"/>
             </a:lvl5pPr>
-            <a:lvl6pPr indent="-304800" lvl="5" marL="2743200">
+            <a:lvl6pPr marL="2743200" lvl="5" indent="-304800">
               <a:spcBef>
                 <a:spcPts val="0"/>
               </a:spcBef>
@@ -4027,7 +3844,7 @@
               <a:buChar char="■"/>
               <a:defRPr sz="1200"/>
             </a:lvl6pPr>
-            <a:lvl7pPr indent="-304800" lvl="6" marL="3200400">
+            <a:lvl7pPr marL="3200400" lvl="6" indent="-304800">
               <a:spcBef>
                 <a:spcPts val="0"/>
               </a:spcBef>
@@ -4038,7 +3855,7 @@
               <a:buChar char="●"/>
               <a:defRPr sz="1200"/>
             </a:lvl7pPr>
-            <a:lvl8pPr indent="-304800" lvl="7" marL="3657600">
+            <a:lvl8pPr marL="3657600" lvl="7" indent="-304800">
               <a:spcBef>
                 <a:spcPts val="0"/>
               </a:spcBef>
@@ -4049,7 +3866,7 @@
               <a:buChar char="○"/>
               <a:defRPr sz="1200"/>
             </a:lvl8pPr>
-            <a:lvl9pPr indent="-304800" lvl="8" marL="4114800">
+            <a:lvl9pPr marL="4114800" lvl="8" indent="-304800">
               <a:spcBef>
                 <a:spcPts val="0"/>
               </a:spcBef>
@@ -4061,15 +3878,19 @@
               <a:defRPr sz="1200"/>
             </a:lvl9pPr>
           </a:lstStyle>
-          <a:p/>
+          <a:p>
+            <a:endParaRPr/>
+          </a:p>
         </p:txBody>
       </p:sp>
       <p:sp>
         <p:nvSpPr>
           <p:cNvPr id="28" name="Google Shape;28;p5"/>
-          <p:cNvSpPr txBox="1"/>
+          <p:cNvSpPr txBox="1">
+            <a:spLocks noGrp="1"/>
+          </p:cNvSpPr>
           <p:nvPr>
-            <p:ph idx="2" type="body"/>
+            <p:ph type="body" idx="2"/>
           </p:nvPr>
         </p:nvSpPr>
         <p:spPr>
@@ -4082,11 +3903,11 @@
           </a:prstGeom>
         </p:spPr>
         <p:txBody>
-          <a:bodyPr anchorCtr="0" anchor="t" bIns="91425" lIns="91425" spcFirstLastPara="1" rIns="91425" wrap="square" tIns="91425">
+          <a:bodyPr spcFirstLastPara="1" wrap="square" lIns="91425" tIns="91425" rIns="91425" bIns="91425" anchor="t" anchorCtr="0">
             <a:normAutofit/>
           </a:bodyPr>
           <a:lstStyle>
-            <a:lvl1pPr indent="-317500" lvl="0" marL="457200">
+            <a:lvl1pPr marL="457200" lvl="0" indent="-317500">
               <a:spcBef>
                 <a:spcPts val="0"/>
               </a:spcBef>
@@ -4097,7 +3918,7 @@
               <a:buChar char="●"/>
               <a:defRPr sz="1400"/>
             </a:lvl1pPr>
-            <a:lvl2pPr indent="-304800" lvl="1" marL="914400">
+            <a:lvl2pPr marL="914400" lvl="1" indent="-304800">
               <a:spcBef>
                 <a:spcPts val="0"/>
               </a:spcBef>
@@ -4108,7 +3929,7 @@
               <a:buChar char="○"/>
               <a:defRPr sz="1200"/>
             </a:lvl2pPr>
-            <a:lvl3pPr indent="-304800" lvl="2" marL="1371600">
+            <a:lvl3pPr marL="1371600" lvl="2" indent="-304800">
               <a:spcBef>
                 <a:spcPts val="0"/>
               </a:spcBef>
@@ -4119,7 +3940,7 @@
               <a:buChar char="■"/>
               <a:defRPr sz="1200"/>
             </a:lvl3pPr>
-            <a:lvl4pPr indent="-304800" lvl="3" marL="1828800">
+            <a:lvl4pPr marL="1828800" lvl="3" indent="-304800">
               <a:spcBef>
                 <a:spcPts val="0"/>
               </a:spcBef>
@@ -4130,7 +3951,7 @@
               <a:buChar char="●"/>
               <a:defRPr sz="1200"/>
             </a:lvl4pPr>
-            <a:lvl5pPr indent="-304800" lvl="4" marL="2286000">
+            <a:lvl5pPr marL="2286000" lvl="4" indent="-304800">
               <a:spcBef>
                 <a:spcPts val="0"/>
               </a:spcBef>
@@ -4141,7 +3962,7 @@
               <a:buChar char="○"/>
               <a:defRPr sz="1200"/>
             </a:lvl5pPr>
-            <a:lvl6pPr indent="-304800" lvl="5" marL="2743200">
+            <a:lvl6pPr marL="2743200" lvl="5" indent="-304800">
               <a:spcBef>
                 <a:spcPts val="0"/>
               </a:spcBef>
@@ -4152,7 +3973,7 @@
               <a:buChar char="■"/>
               <a:defRPr sz="1200"/>
             </a:lvl6pPr>
-            <a:lvl7pPr indent="-304800" lvl="6" marL="3200400">
+            <a:lvl7pPr marL="3200400" lvl="6" indent="-304800">
               <a:spcBef>
                 <a:spcPts val="0"/>
               </a:spcBef>
@@ -4163,7 +3984,7 @@
               <a:buChar char="●"/>
               <a:defRPr sz="1200"/>
             </a:lvl7pPr>
-            <a:lvl8pPr indent="-304800" lvl="7" marL="3657600">
+            <a:lvl8pPr marL="3657600" lvl="7" indent="-304800">
               <a:spcBef>
                 <a:spcPts val="0"/>
               </a:spcBef>
@@ -4174,7 +3995,7 @@
               <a:buChar char="○"/>
               <a:defRPr sz="1200"/>
             </a:lvl8pPr>
-            <a:lvl9pPr indent="-304800" lvl="8" marL="4114800">
+            <a:lvl9pPr marL="4114800" lvl="8" indent="-304800">
               <a:spcBef>
                 <a:spcPts val="0"/>
               </a:spcBef>
@@ -4186,15 +4007,19 @@
               <a:defRPr sz="1200"/>
             </a:lvl9pPr>
           </a:lstStyle>
-          <a:p/>
+          <a:p>
+            <a:endParaRPr/>
+          </a:p>
         </p:txBody>
       </p:sp>
       <p:sp>
         <p:nvSpPr>
           <p:cNvPr id="29" name="Google Shape;29;p5"/>
-          <p:cNvSpPr txBox="1"/>
+          <p:cNvSpPr txBox="1">
+            <a:spLocks noGrp="1"/>
+          </p:cNvSpPr>
           <p:nvPr>
-            <p:ph idx="12" type="sldNum"/>
+            <p:ph type="sldNum" idx="12"/>
           </p:nvPr>
         </p:nvSpPr>
         <p:spPr>
@@ -4207,7 +4032,7 @@
           </a:prstGeom>
         </p:spPr>
         <p:txBody>
-          <a:bodyPr anchorCtr="0" anchor="ctr" bIns="91425" lIns="91425" spcFirstLastPara="1" rIns="91425" wrap="square" tIns="91425">
+          <a:bodyPr spcFirstLastPara="1" wrap="square" lIns="91425" tIns="91425" rIns="91425" bIns="91425" anchor="ctr" anchorCtr="0">
             <a:normAutofit/>
           </a:bodyPr>
           <a:lstStyle>
@@ -4249,7 +4074,7 @@
             </a:lvl9pPr>
           </a:lstStyle>
           <a:p>
-            <a:pPr indent="0" lvl="0" marL="0" rtl="0" algn="r">
+            <a:pPr marL="0" lvl="0" indent="0" algn="r" rtl="0">
               <a:spcBef>
                 <a:spcPts val="0"/>
               </a:spcBef>
@@ -4275,11 +4100,11 @@
 </file>
 
 <file path=ppt/slideLayouts/slideLayout5.xml><?xml version="1.0" encoding="utf-8"?>
-<p:sldLayout xmlns:a="http://schemas.openxmlformats.org/drawingml/2006/main" xmlns:r="http://schemas.openxmlformats.org/officeDocument/2006/relationships" xmlns:mc="http://schemas.openxmlformats.org/markup-compatibility/2006" xmlns:mv="urn:schemas-microsoft-com:mac:vml" xmlns:p="http://schemas.openxmlformats.org/presentationml/2006/main" xmlns:c="http://schemas.openxmlformats.org/drawingml/2006/chart" xmlns:dgm="http://schemas.openxmlformats.org/drawingml/2006/diagram" xmlns:o="urn:schemas-microsoft-com:office:office" xmlns:v="urn:schemas-microsoft-com:vml" xmlns:pvml="urn:schemas-microsoft-com:office:powerpoint" xmlns:com="http://schemas.openxmlformats.org/drawingml/2006/compatibility" xmlns:p14="http://schemas.microsoft.com/office/powerpoint/2010/main" xmlns:p15="http://schemas.microsoft.com/office/powerpoint/2012/main" xmlns:ahyp="http://schemas.microsoft.com/office/drawing/2018/hyperlinkcolor" matchingName="Title only" type="titleOnly">
+<p:sldLayout xmlns:a="http://schemas.openxmlformats.org/drawingml/2006/main" xmlns:r="http://schemas.openxmlformats.org/officeDocument/2006/relationships" xmlns:p="http://schemas.openxmlformats.org/presentationml/2006/main" matchingName="Title only" type="titleOnly">
   <p:cSld name="TITLE_ONLY">
     <p:spTree>
       <p:nvGrpSpPr>
-        <p:cNvPr id="30" name="Shape 30"/>
+        <p:cNvPr id="1" name="Shape 30"/>
         <p:cNvGrpSpPr/>
         <p:nvPr/>
       </p:nvGrpSpPr>
@@ -4294,7 +4119,9 @@
       <p:sp>
         <p:nvSpPr>
           <p:cNvPr id="31" name="Google Shape;31;p6"/>
-          <p:cNvSpPr txBox="1"/>
+          <p:cNvSpPr txBox="1">
+            <a:spLocks noGrp="1"/>
+          </p:cNvSpPr>
           <p:nvPr>
             <p:ph type="title"/>
           </p:nvPr>
@@ -4309,7 +4136,7 @@
           </a:prstGeom>
         </p:spPr>
         <p:txBody>
-          <a:bodyPr anchorCtr="0" anchor="b" bIns="91425" lIns="91425" spcFirstLastPara="1" rIns="91425" wrap="square" tIns="91425">
+          <a:bodyPr spcFirstLastPara="1" wrap="square" lIns="91425" tIns="91425" rIns="91425" bIns="91425" anchor="b" anchorCtr="0">
             <a:normAutofit/>
           </a:bodyPr>
           <a:lstStyle>
@@ -4413,15 +4240,19 @@
               <a:defRPr/>
             </a:lvl9pPr>
           </a:lstStyle>
-          <a:p/>
+          <a:p>
+            <a:endParaRPr/>
+          </a:p>
         </p:txBody>
       </p:sp>
       <p:sp>
         <p:nvSpPr>
           <p:cNvPr id="32" name="Google Shape;32;p6"/>
-          <p:cNvSpPr txBox="1"/>
+          <p:cNvSpPr txBox="1">
+            <a:spLocks noGrp="1"/>
+          </p:cNvSpPr>
           <p:nvPr>
-            <p:ph idx="12" type="sldNum"/>
+            <p:ph type="sldNum" idx="12"/>
           </p:nvPr>
         </p:nvSpPr>
         <p:spPr>
@@ -4434,7 +4265,7 @@
           </a:prstGeom>
         </p:spPr>
         <p:txBody>
-          <a:bodyPr anchorCtr="0" anchor="ctr" bIns="91425" lIns="91425" spcFirstLastPara="1" rIns="91425" wrap="square" tIns="91425">
+          <a:bodyPr spcFirstLastPara="1" wrap="square" lIns="91425" tIns="91425" rIns="91425" bIns="91425" anchor="ctr" anchorCtr="0">
             <a:normAutofit/>
           </a:bodyPr>
           <a:lstStyle>
@@ -4476,7 +4307,7 @@
             </a:lvl9pPr>
           </a:lstStyle>
           <a:p>
-            <a:pPr indent="0" lvl="0" marL="0" rtl="0" algn="r">
+            <a:pPr marL="0" lvl="0" indent="0" algn="r" rtl="0">
               <a:spcBef>
                 <a:spcPts val="0"/>
               </a:spcBef>
@@ -4502,11 +4333,11 @@
 </file>
 
 <file path=ppt/slideLayouts/slideLayout6.xml><?xml version="1.0" encoding="utf-8"?>
-<p:sldLayout xmlns:a="http://schemas.openxmlformats.org/drawingml/2006/main" xmlns:r="http://schemas.openxmlformats.org/officeDocument/2006/relationships" xmlns:mc="http://schemas.openxmlformats.org/markup-compatibility/2006" xmlns:mv="urn:schemas-microsoft-com:mac:vml" xmlns:p="http://schemas.openxmlformats.org/presentationml/2006/main" xmlns:c="http://schemas.openxmlformats.org/drawingml/2006/chart" xmlns:dgm="http://schemas.openxmlformats.org/drawingml/2006/diagram" xmlns:o="urn:schemas-microsoft-com:office:office" xmlns:v="urn:schemas-microsoft-com:vml" xmlns:pvml="urn:schemas-microsoft-com:office:powerpoint" xmlns:com="http://schemas.openxmlformats.org/drawingml/2006/compatibility" xmlns:p14="http://schemas.microsoft.com/office/powerpoint/2010/main" xmlns:p15="http://schemas.microsoft.com/office/powerpoint/2012/main" xmlns:ahyp="http://schemas.microsoft.com/office/drawing/2018/hyperlinkcolor" matchingName="One column text">
+<p:sldLayout xmlns:a="http://schemas.openxmlformats.org/drawingml/2006/main" xmlns:r="http://schemas.openxmlformats.org/officeDocument/2006/relationships" xmlns:p="http://schemas.openxmlformats.org/presentationml/2006/main" matchingName="One column text">
   <p:cSld name="ONE_COLUMN_TEXT">
     <p:spTree>
       <p:nvGrpSpPr>
-        <p:cNvPr id="33" name="Shape 33"/>
+        <p:cNvPr id="1" name="Shape 33"/>
         <p:cNvGrpSpPr/>
         <p:nvPr/>
       </p:nvGrpSpPr>
@@ -4521,7 +4352,9 @@
       <p:sp>
         <p:nvSpPr>
           <p:cNvPr id="34" name="Google Shape;34;p7"/>
-          <p:cNvSpPr txBox="1"/>
+          <p:cNvSpPr txBox="1">
+            <a:spLocks noGrp="1"/>
+          </p:cNvSpPr>
           <p:nvPr>
             <p:ph type="title"/>
           </p:nvPr>
@@ -4536,7 +4369,7 @@
           </a:prstGeom>
         </p:spPr>
         <p:txBody>
-          <a:bodyPr anchorCtr="0" anchor="b" bIns="91425" lIns="91425" spcFirstLastPara="1" rIns="91425" wrap="square" tIns="91425">
+          <a:bodyPr spcFirstLastPara="1" wrap="square" lIns="91425" tIns="91425" rIns="91425" bIns="91425" anchor="b" anchorCtr="0">
             <a:normAutofit/>
           </a:bodyPr>
           <a:lstStyle>
@@ -4640,15 +4473,19 @@
               <a:defRPr sz="3000"/>
             </a:lvl9pPr>
           </a:lstStyle>
-          <a:p/>
+          <a:p>
+            <a:endParaRPr/>
+          </a:p>
         </p:txBody>
       </p:sp>
       <p:sp>
         <p:nvSpPr>
           <p:cNvPr id="35" name="Google Shape;35;p7"/>
-          <p:cNvSpPr txBox="1"/>
+          <p:cNvSpPr txBox="1">
+            <a:spLocks noGrp="1"/>
+          </p:cNvSpPr>
           <p:nvPr>
-            <p:ph idx="1" type="body"/>
+            <p:ph type="body" idx="1"/>
           </p:nvPr>
         </p:nvSpPr>
         <p:spPr>
@@ -4661,11 +4498,11 @@
           </a:prstGeom>
         </p:spPr>
         <p:txBody>
-          <a:bodyPr anchorCtr="0" anchor="t" bIns="91425" lIns="91425" spcFirstLastPara="1" rIns="91425" wrap="square" tIns="91425">
+          <a:bodyPr spcFirstLastPara="1" wrap="square" lIns="91425" tIns="91425" rIns="91425" bIns="91425" anchor="t" anchorCtr="0">
             <a:normAutofit/>
           </a:bodyPr>
           <a:lstStyle>
-            <a:lvl1pPr indent="-304800" lvl="0" marL="457200">
+            <a:lvl1pPr marL="457200" lvl="0" indent="-304800">
               <a:spcBef>
                 <a:spcPts val="0"/>
               </a:spcBef>
@@ -4676,7 +4513,7 @@
               <a:buChar char="●"/>
               <a:defRPr sz="1200"/>
             </a:lvl1pPr>
-            <a:lvl2pPr indent="-304800" lvl="1" marL="914400">
+            <a:lvl2pPr marL="914400" lvl="1" indent="-304800">
               <a:spcBef>
                 <a:spcPts val="0"/>
               </a:spcBef>
@@ -4687,7 +4524,7 @@
               <a:buChar char="○"/>
               <a:defRPr sz="1200"/>
             </a:lvl2pPr>
-            <a:lvl3pPr indent="-304800" lvl="2" marL="1371600">
+            <a:lvl3pPr marL="1371600" lvl="2" indent="-304800">
               <a:spcBef>
                 <a:spcPts val="0"/>
               </a:spcBef>
@@ -4698,7 +4535,7 @@
               <a:buChar char="■"/>
               <a:defRPr sz="1200"/>
             </a:lvl3pPr>
-            <a:lvl4pPr indent="-304800" lvl="3" marL="1828800">
+            <a:lvl4pPr marL="1828800" lvl="3" indent="-304800">
               <a:spcBef>
                 <a:spcPts val="0"/>
               </a:spcBef>
@@ -4709,7 +4546,7 @@
               <a:buChar char="●"/>
               <a:defRPr sz="1200"/>
             </a:lvl4pPr>
-            <a:lvl5pPr indent="-304800" lvl="4" marL="2286000">
+            <a:lvl5pPr marL="2286000" lvl="4" indent="-304800">
               <a:spcBef>
                 <a:spcPts val="0"/>
               </a:spcBef>
@@ -4720,7 +4557,7 @@
               <a:buChar char="○"/>
               <a:defRPr sz="1200"/>
             </a:lvl5pPr>
-            <a:lvl6pPr indent="-304800" lvl="5" marL="2743200">
+            <a:lvl6pPr marL="2743200" lvl="5" indent="-304800">
               <a:spcBef>
                 <a:spcPts val="0"/>
               </a:spcBef>
@@ -4731,7 +4568,7 @@
               <a:buChar char="■"/>
               <a:defRPr sz="1200"/>
             </a:lvl6pPr>
-            <a:lvl7pPr indent="-304800" lvl="6" marL="3200400">
+            <a:lvl7pPr marL="3200400" lvl="6" indent="-304800">
               <a:spcBef>
                 <a:spcPts val="0"/>
               </a:spcBef>
@@ -4742,7 +4579,7 @@
               <a:buChar char="●"/>
               <a:defRPr sz="1200"/>
             </a:lvl7pPr>
-            <a:lvl8pPr indent="-304800" lvl="7" marL="3657600">
+            <a:lvl8pPr marL="3657600" lvl="7" indent="-304800">
               <a:spcBef>
                 <a:spcPts val="0"/>
               </a:spcBef>
@@ -4753,7 +4590,7 @@
               <a:buChar char="○"/>
               <a:defRPr sz="1200"/>
             </a:lvl8pPr>
-            <a:lvl9pPr indent="-304800" lvl="8" marL="4114800">
+            <a:lvl9pPr marL="4114800" lvl="8" indent="-304800">
               <a:spcBef>
                 <a:spcPts val="0"/>
               </a:spcBef>
@@ -4765,15 +4602,19 @@
               <a:defRPr sz="1200"/>
             </a:lvl9pPr>
           </a:lstStyle>
-          <a:p/>
+          <a:p>
+            <a:endParaRPr/>
+          </a:p>
         </p:txBody>
       </p:sp>
       <p:sp>
         <p:nvSpPr>
           <p:cNvPr id="36" name="Google Shape;36;p7"/>
-          <p:cNvSpPr txBox="1"/>
+          <p:cNvSpPr txBox="1">
+            <a:spLocks noGrp="1"/>
+          </p:cNvSpPr>
           <p:nvPr>
-            <p:ph idx="12" type="sldNum"/>
+            <p:ph type="sldNum" idx="12"/>
           </p:nvPr>
         </p:nvSpPr>
         <p:spPr>
@@ -4786,7 +4627,7 @@
           </a:prstGeom>
         </p:spPr>
         <p:txBody>
-          <a:bodyPr anchorCtr="0" anchor="ctr" bIns="91425" lIns="91425" spcFirstLastPara="1" rIns="91425" wrap="square" tIns="91425">
+          <a:bodyPr spcFirstLastPara="1" wrap="square" lIns="91425" tIns="91425" rIns="91425" bIns="91425" anchor="ctr" anchorCtr="0">
             <a:normAutofit/>
           </a:bodyPr>
           <a:lstStyle>
@@ -4828,7 +4669,7 @@
             </a:lvl9pPr>
           </a:lstStyle>
           <a:p>
-            <a:pPr indent="0" lvl="0" marL="0" rtl="0" algn="r">
+            <a:pPr marL="0" lvl="0" indent="0" algn="r" rtl="0">
               <a:spcBef>
                 <a:spcPts val="0"/>
               </a:spcBef>
@@ -4854,11 +4695,11 @@
 </file>
 
 <file path=ppt/slideLayouts/slideLayout7.xml><?xml version="1.0" encoding="utf-8"?>
-<p:sldLayout xmlns:a="http://schemas.openxmlformats.org/drawingml/2006/main" xmlns:r="http://schemas.openxmlformats.org/officeDocument/2006/relationships" xmlns:mc="http://schemas.openxmlformats.org/markup-compatibility/2006" xmlns:mv="urn:schemas-microsoft-com:mac:vml" xmlns:p="http://schemas.openxmlformats.org/presentationml/2006/main" xmlns:c="http://schemas.openxmlformats.org/drawingml/2006/chart" xmlns:dgm="http://schemas.openxmlformats.org/drawingml/2006/diagram" xmlns:o="urn:schemas-microsoft-com:office:office" xmlns:v="urn:schemas-microsoft-com:vml" xmlns:pvml="urn:schemas-microsoft-com:office:powerpoint" xmlns:com="http://schemas.openxmlformats.org/drawingml/2006/compatibility" xmlns:p14="http://schemas.microsoft.com/office/powerpoint/2010/main" xmlns:p15="http://schemas.microsoft.com/office/powerpoint/2012/main" xmlns:ahyp="http://schemas.microsoft.com/office/drawing/2018/hyperlinkcolor" matchingName="Main point">
+<p:sldLayout xmlns:a="http://schemas.openxmlformats.org/drawingml/2006/main" xmlns:r="http://schemas.openxmlformats.org/officeDocument/2006/relationships" xmlns:p="http://schemas.openxmlformats.org/presentationml/2006/main" matchingName="Main point">
   <p:cSld name="MAIN_POINT">
     <p:spTree>
       <p:nvGrpSpPr>
-        <p:cNvPr id="37" name="Shape 37"/>
+        <p:cNvPr id="1" name="Shape 37"/>
         <p:cNvGrpSpPr/>
         <p:nvPr/>
       </p:nvGrpSpPr>
@@ -4892,12 +4733,12 @@
           </a:ln>
         </p:spPr>
         <p:txBody>
-          <a:bodyPr anchorCtr="0" anchor="ctr" bIns="91425" lIns="91425" spcFirstLastPara="1" rIns="91425" wrap="square" tIns="91425">
+          <a:bodyPr spcFirstLastPara="1" wrap="square" lIns="91425" tIns="91425" rIns="91425" bIns="91425" anchor="ctr" anchorCtr="0">
             <a:noAutofit/>
           </a:bodyPr>
           <a:lstStyle/>
           <a:p>
-            <a:pPr indent="0" lvl="0" marL="0" rtl="0" algn="l">
+            <a:pPr marL="0" lvl="0" indent="0" algn="l" rtl="0">
               <a:spcBef>
                 <a:spcPts val="0"/>
               </a:spcBef>
@@ -4906,9 +4747,6 @@
               </a:spcAft>
               <a:buNone/>
             </a:pPr>
-            <a:r>
-              <a:t/>
-            </a:r>
             <a:endParaRPr/>
           </a:p>
         </p:txBody>
@@ -4916,7 +4754,9 @@
       <p:sp>
         <p:nvSpPr>
           <p:cNvPr id="39" name="Google Shape;39;p8"/>
-          <p:cNvSpPr txBox="1"/>
+          <p:cNvSpPr txBox="1">
+            <a:spLocks noGrp="1"/>
+          </p:cNvSpPr>
           <p:nvPr>
             <p:ph type="title"/>
           </p:nvPr>
@@ -4931,7 +4771,7 @@
           </a:prstGeom>
         </p:spPr>
         <p:txBody>
-          <a:bodyPr anchorCtr="0" anchor="ctr" bIns="91425" lIns="91425" spcFirstLastPara="1" rIns="91425" wrap="square" tIns="91425">
+          <a:bodyPr spcFirstLastPara="1" wrap="square" lIns="91425" tIns="91425" rIns="91425" bIns="91425" anchor="ctr" anchorCtr="0">
             <a:normAutofit/>
           </a:bodyPr>
           <a:lstStyle>
@@ -5035,15 +4875,19 @@
               <a:defRPr sz="4800"/>
             </a:lvl9pPr>
           </a:lstStyle>
-          <a:p/>
+          <a:p>
+            <a:endParaRPr/>
+          </a:p>
         </p:txBody>
       </p:sp>
       <p:sp>
         <p:nvSpPr>
           <p:cNvPr id="40" name="Google Shape;40;p8"/>
-          <p:cNvSpPr txBox="1"/>
+          <p:cNvSpPr txBox="1">
+            <a:spLocks noGrp="1"/>
+          </p:cNvSpPr>
           <p:nvPr>
-            <p:ph idx="12" type="sldNum"/>
+            <p:ph type="sldNum" idx="12"/>
           </p:nvPr>
         </p:nvSpPr>
         <p:spPr>
@@ -5056,7 +4900,7 @@
           </a:prstGeom>
         </p:spPr>
         <p:txBody>
-          <a:bodyPr anchorCtr="0" anchor="ctr" bIns="91425" lIns="91425" spcFirstLastPara="1" rIns="91425" wrap="square" tIns="91425">
+          <a:bodyPr spcFirstLastPara="1" wrap="square" lIns="91425" tIns="91425" rIns="91425" bIns="91425" anchor="ctr" anchorCtr="0">
             <a:normAutofit/>
           </a:bodyPr>
           <a:lstStyle>
@@ -5098,7 +4942,7 @@
             </a:lvl9pPr>
           </a:lstStyle>
           <a:p>
-            <a:pPr indent="0" lvl="0" marL="0" rtl="0" algn="r">
+            <a:pPr marL="0" lvl="0" indent="0" algn="r" rtl="0">
               <a:spcBef>
                 <a:spcPts val="0"/>
               </a:spcBef>
@@ -5124,11 +4968,11 @@
 </file>
 
 <file path=ppt/slideLayouts/slideLayout8.xml><?xml version="1.0" encoding="utf-8"?>
-<p:sldLayout xmlns:a="http://schemas.openxmlformats.org/drawingml/2006/main" xmlns:r="http://schemas.openxmlformats.org/officeDocument/2006/relationships" xmlns:mc="http://schemas.openxmlformats.org/markup-compatibility/2006" xmlns:mv="urn:schemas-microsoft-com:mac:vml" xmlns:p="http://schemas.openxmlformats.org/presentationml/2006/main" xmlns:c="http://schemas.openxmlformats.org/drawingml/2006/chart" xmlns:dgm="http://schemas.openxmlformats.org/drawingml/2006/diagram" xmlns:o="urn:schemas-microsoft-com:office:office" xmlns:v="urn:schemas-microsoft-com:vml" xmlns:pvml="urn:schemas-microsoft-com:office:powerpoint" xmlns:com="http://schemas.openxmlformats.org/drawingml/2006/compatibility" xmlns:p14="http://schemas.microsoft.com/office/powerpoint/2010/main" xmlns:p15="http://schemas.microsoft.com/office/powerpoint/2012/main" xmlns:ahyp="http://schemas.microsoft.com/office/drawing/2018/hyperlinkcolor" matchingName="Section title and description">
+<p:sldLayout xmlns:a="http://schemas.openxmlformats.org/drawingml/2006/main" xmlns:r="http://schemas.openxmlformats.org/officeDocument/2006/relationships" xmlns:p="http://schemas.openxmlformats.org/presentationml/2006/main" matchingName="Section title and description">
   <p:cSld name="SECTION_TITLE_AND_DESCRIPTION">
     <p:spTree>
       <p:nvGrpSpPr>
-        <p:cNvPr id="41" name="Shape 41"/>
+        <p:cNvPr id="1" name="Shape 41"/>
         <p:cNvGrpSpPr/>
         <p:nvPr/>
       </p:nvGrpSpPr>
@@ -5162,12 +5006,12 @@
           </a:ln>
         </p:spPr>
         <p:txBody>
-          <a:bodyPr anchorCtr="0" anchor="ctr" bIns="91425" lIns="91425" spcFirstLastPara="1" rIns="91425" wrap="square" tIns="91425">
+          <a:bodyPr spcFirstLastPara="1" wrap="square" lIns="91425" tIns="91425" rIns="91425" bIns="91425" anchor="ctr" anchorCtr="0">
             <a:noAutofit/>
           </a:bodyPr>
           <a:lstStyle/>
           <a:p>
-            <a:pPr indent="0" lvl="0" marL="0" rtl="0" algn="l">
+            <a:pPr marL="0" lvl="0" indent="0" algn="l" rtl="0">
               <a:spcBef>
                 <a:spcPts val="0"/>
               </a:spcBef>
@@ -5176,9 +5020,6 @@
               </a:spcAft>
               <a:buNone/>
             </a:pPr>
-            <a:r>
-              <a:t/>
-            </a:r>
             <a:endParaRPr/>
           </a:p>
         </p:txBody>
@@ -5198,21 +5039,23 @@
             <a:avLst/>
           </a:prstGeom>
           <a:noFill/>
-          <a:ln cap="flat" cmpd="sng" w="19050">
+          <a:ln w="19050" cap="flat" cmpd="sng">
             <a:solidFill>
               <a:schemeClr val="lt1"/>
             </a:solidFill>
             <a:prstDash val="solid"/>
             <a:round/>
-            <a:headEnd len="sm" w="sm" type="none"/>
-            <a:tailEnd len="sm" w="sm" type="none"/>
+            <a:headEnd type="none" w="sm" len="sm"/>
+            <a:tailEnd type="none" w="sm" len="sm"/>
           </a:ln>
         </p:spPr>
       </p:cxnSp>
       <p:sp>
         <p:nvSpPr>
           <p:cNvPr id="44" name="Google Shape;44;p9"/>
-          <p:cNvSpPr txBox="1"/>
+          <p:cNvSpPr txBox="1">
+            <a:spLocks noGrp="1"/>
+          </p:cNvSpPr>
           <p:nvPr>
             <p:ph type="title"/>
           </p:nvPr>
@@ -5227,7 +5070,7 @@
           </a:prstGeom>
         </p:spPr>
         <p:txBody>
-          <a:bodyPr anchorCtr="0" anchor="b" bIns="91425" lIns="91425" spcFirstLastPara="1" rIns="91425" wrap="square" tIns="91425">
+          <a:bodyPr spcFirstLastPara="1" wrap="square" lIns="91425" tIns="91425" rIns="91425" bIns="91425" anchor="b" anchorCtr="0">
             <a:normAutofit/>
           </a:bodyPr>
           <a:lstStyle>
@@ -5394,15 +5237,19 @@
               </a:defRPr>
             </a:lvl9pPr>
           </a:lstStyle>
-          <a:p/>
+          <a:p>
+            <a:endParaRPr/>
+          </a:p>
         </p:txBody>
       </p:sp>
       <p:sp>
         <p:nvSpPr>
           <p:cNvPr id="45" name="Google Shape;45;p9"/>
-          <p:cNvSpPr txBox="1"/>
+          <p:cNvSpPr txBox="1">
+            <a:spLocks noGrp="1"/>
+          </p:cNvSpPr>
           <p:nvPr>
-            <p:ph idx="1" type="subTitle"/>
+            <p:ph type="subTitle" idx="1"/>
           </p:nvPr>
         </p:nvSpPr>
         <p:spPr>
@@ -5415,7 +5262,7 @@
           </a:prstGeom>
         </p:spPr>
         <p:txBody>
-          <a:bodyPr anchorCtr="0" anchor="t" bIns="91425" lIns="91425" spcFirstLastPara="1" rIns="91425" wrap="square" tIns="91425">
+          <a:bodyPr spcFirstLastPara="1" wrap="square" lIns="91425" tIns="91425" rIns="91425" bIns="91425" anchor="t" anchorCtr="0">
             <a:normAutofit/>
           </a:bodyPr>
           <a:lstStyle>
@@ -5600,15 +5447,19 @@
               </a:defRPr>
             </a:lvl9pPr>
           </a:lstStyle>
-          <a:p/>
+          <a:p>
+            <a:endParaRPr/>
+          </a:p>
         </p:txBody>
       </p:sp>
       <p:sp>
         <p:nvSpPr>
           <p:cNvPr id="46" name="Google Shape;46;p9"/>
-          <p:cNvSpPr txBox="1"/>
+          <p:cNvSpPr txBox="1">
+            <a:spLocks noGrp="1"/>
+          </p:cNvSpPr>
           <p:nvPr>
-            <p:ph idx="2" type="body"/>
+            <p:ph type="body" idx="2"/>
           </p:nvPr>
         </p:nvSpPr>
         <p:spPr>
@@ -5621,11 +5472,11 @@
           </a:prstGeom>
         </p:spPr>
         <p:txBody>
-          <a:bodyPr anchorCtr="0" anchor="ctr" bIns="91425" lIns="91425" spcFirstLastPara="1" rIns="91425" wrap="square" tIns="91425">
+          <a:bodyPr spcFirstLastPara="1" wrap="square" lIns="91425" tIns="91425" rIns="91425" bIns="91425" anchor="ctr" anchorCtr="0">
             <a:normAutofit/>
           </a:bodyPr>
           <a:lstStyle>
-            <a:lvl1pPr indent="-342900" lvl="0" marL="457200">
+            <a:lvl1pPr marL="457200" lvl="0" indent="-342900">
               <a:spcBef>
                 <a:spcPts val="0"/>
               </a:spcBef>
@@ -5643,7 +5494,7 @@
                 </a:solidFill>
               </a:defRPr>
             </a:lvl1pPr>
-            <a:lvl2pPr indent="-317500" lvl="1" marL="914400">
+            <a:lvl2pPr marL="914400" lvl="1" indent="-317500">
               <a:spcBef>
                 <a:spcPts val="0"/>
               </a:spcBef>
@@ -5661,7 +5512,7 @@
                 </a:solidFill>
               </a:defRPr>
             </a:lvl2pPr>
-            <a:lvl3pPr indent="-317500" lvl="2" marL="1371600">
+            <a:lvl3pPr marL="1371600" lvl="2" indent="-317500">
               <a:spcBef>
                 <a:spcPts val="0"/>
               </a:spcBef>
@@ -5679,7 +5530,7 @@
                 </a:solidFill>
               </a:defRPr>
             </a:lvl3pPr>
-            <a:lvl4pPr indent="-317500" lvl="3" marL="1828800">
+            <a:lvl4pPr marL="1828800" lvl="3" indent="-317500">
               <a:spcBef>
                 <a:spcPts val="0"/>
               </a:spcBef>
@@ -5697,7 +5548,7 @@
                 </a:solidFill>
               </a:defRPr>
             </a:lvl4pPr>
-            <a:lvl5pPr indent="-317500" lvl="4" marL="2286000">
+            <a:lvl5pPr marL="2286000" lvl="4" indent="-317500">
               <a:spcBef>
                 <a:spcPts val="0"/>
               </a:spcBef>
@@ -5715,7 +5566,7 @@
                 </a:solidFill>
               </a:defRPr>
             </a:lvl5pPr>
-            <a:lvl6pPr indent="-317500" lvl="5" marL="2743200">
+            <a:lvl6pPr marL="2743200" lvl="5" indent="-317500">
               <a:spcBef>
                 <a:spcPts val="0"/>
               </a:spcBef>
@@ -5733,7 +5584,7 @@
                 </a:solidFill>
               </a:defRPr>
             </a:lvl6pPr>
-            <a:lvl7pPr indent="-317500" lvl="6" marL="3200400">
+            <a:lvl7pPr marL="3200400" lvl="6" indent="-317500">
               <a:spcBef>
                 <a:spcPts val="0"/>
               </a:spcBef>
@@ -5751,7 +5602,7 @@
                 </a:solidFill>
               </a:defRPr>
             </a:lvl7pPr>
-            <a:lvl8pPr indent="-317500" lvl="7" marL="3657600">
+            <a:lvl8pPr marL="3657600" lvl="7" indent="-317500">
               <a:spcBef>
                 <a:spcPts val="0"/>
               </a:spcBef>
@@ -5769,7 +5620,7 @@
                 </a:solidFill>
               </a:defRPr>
             </a:lvl8pPr>
-            <a:lvl9pPr indent="-317500" lvl="8" marL="4114800">
+            <a:lvl9pPr marL="4114800" lvl="8" indent="-317500">
               <a:spcBef>
                 <a:spcPts val="0"/>
               </a:spcBef>
@@ -5788,15 +5639,19 @@
               </a:defRPr>
             </a:lvl9pPr>
           </a:lstStyle>
-          <a:p/>
+          <a:p>
+            <a:endParaRPr/>
+          </a:p>
         </p:txBody>
       </p:sp>
       <p:sp>
         <p:nvSpPr>
           <p:cNvPr id="47" name="Google Shape;47;p9"/>
-          <p:cNvSpPr txBox="1"/>
+          <p:cNvSpPr txBox="1">
+            <a:spLocks noGrp="1"/>
+          </p:cNvSpPr>
           <p:nvPr>
-            <p:ph idx="12" type="sldNum"/>
+            <p:ph type="sldNum" idx="12"/>
           </p:nvPr>
         </p:nvSpPr>
         <p:spPr>
@@ -5809,7 +5664,7 @@
           </a:prstGeom>
         </p:spPr>
         <p:txBody>
-          <a:bodyPr anchorCtr="0" anchor="ctr" bIns="91425" lIns="91425" spcFirstLastPara="1" rIns="91425" wrap="square" tIns="91425">
+          <a:bodyPr spcFirstLastPara="1" wrap="square" lIns="91425" tIns="91425" rIns="91425" bIns="91425" anchor="ctr" anchorCtr="0">
             <a:normAutofit/>
           </a:bodyPr>
           <a:lstStyle>
@@ -5887,7 +5742,7 @@
             </a:lvl9pPr>
           </a:lstStyle>
           <a:p>
-            <a:pPr indent="0" lvl="0" marL="0" rtl="0" algn="r">
+            <a:pPr marL="0" lvl="0" indent="0" algn="r" rtl="0">
               <a:spcBef>
                 <a:spcPts val="0"/>
               </a:spcBef>
@@ -5913,11 +5768,11 @@
 </file>
 
 <file path=ppt/slideLayouts/slideLayout9.xml><?xml version="1.0" encoding="utf-8"?>
-<p:sldLayout xmlns:a="http://schemas.openxmlformats.org/drawingml/2006/main" xmlns:r="http://schemas.openxmlformats.org/officeDocument/2006/relationships" xmlns:mc="http://schemas.openxmlformats.org/markup-compatibility/2006" xmlns:mv="urn:schemas-microsoft-com:mac:vml" xmlns:p="http://schemas.openxmlformats.org/presentationml/2006/main" xmlns:c="http://schemas.openxmlformats.org/drawingml/2006/chart" xmlns:dgm="http://schemas.openxmlformats.org/drawingml/2006/diagram" xmlns:o="urn:schemas-microsoft-com:office:office" xmlns:v="urn:schemas-microsoft-com:vml" xmlns:pvml="urn:schemas-microsoft-com:office:powerpoint" xmlns:com="http://schemas.openxmlformats.org/drawingml/2006/compatibility" xmlns:p14="http://schemas.microsoft.com/office/powerpoint/2010/main" xmlns:p15="http://schemas.microsoft.com/office/powerpoint/2012/main" xmlns:ahyp="http://schemas.microsoft.com/office/drawing/2018/hyperlinkcolor" matchingName="Caption">
+<p:sldLayout xmlns:a="http://schemas.openxmlformats.org/drawingml/2006/main" xmlns:r="http://schemas.openxmlformats.org/officeDocument/2006/relationships" xmlns:p="http://schemas.openxmlformats.org/presentationml/2006/main" matchingName="Caption">
   <p:cSld name="CAPTION_ONLY">
     <p:spTree>
       <p:nvGrpSpPr>
-        <p:cNvPr id="48" name="Shape 48"/>
+        <p:cNvPr id="1" name="Shape 48"/>
         <p:cNvGrpSpPr/>
         <p:nvPr/>
       </p:nvGrpSpPr>
@@ -5932,9 +5787,11 @@
       <p:sp>
         <p:nvSpPr>
           <p:cNvPr id="49" name="Google Shape;49;p10"/>
-          <p:cNvSpPr txBox="1"/>
+          <p:cNvSpPr txBox="1">
+            <a:spLocks noGrp="1"/>
+          </p:cNvSpPr>
           <p:nvPr>
-            <p:ph idx="1" type="body"/>
+            <p:ph type="body" idx="1"/>
           </p:nvPr>
         </p:nvSpPr>
         <p:spPr>
@@ -5947,11 +5804,11 @@
           </a:prstGeom>
         </p:spPr>
         <p:txBody>
-          <a:bodyPr anchorCtr="0" anchor="ctr" bIns="91425" lIns="91425" spcFirstLastPara="1" rIns="91425" wrap="square" tIns="91425">
+          <a:bodyPr spcFirstLastPara="1" wrap="square" lIns="91425" tIns="91425" rIns="91425" bIns="91425" anchor="ctr" anchorCtr="0">
             <a:normAutofit/>
           </a:bodyPr>
           <a:lstStyle>
-            <a:lvl1pPr indent="-228600" lvl="0" marL="457200">
+            <a:lvl1pPr marL="457200" lvl="0" indent="-228600">
               <a:lnSpc>
                 <a:spcPct val="100000"/>
               </a:lnSpc>
@@ -5972,15 +5829,19 @@
               </a:defRPr>
             </a:lvl1pPr>
           </a:lstStyle>
-          <a:p/>
+          <a:p>
+            <a:endParaRPr/>
+          </a:p>
         </p:txBody>
       </p:sp>
       <p:sp>
         <p:nvSpPr>
           <p:cNvPr id="50" name="Google Shape;50;p10"/>
-          <p:cNvSpPr txBox="1"/>
+          <p:cNvSpPr txBox="1">
+            <a:spLocks noGrp="1"/>
+          </p:cNvSpPr>
           <p:nvPr>
-            <p:ph idx="12" type="sldNum"/>
+            <p:ph type="sldNum" idx="12"/>
           </p:nvPr>
         </p:nvSpPr>
         <p:spPr>
@@ -5993,7 +5854,7 @@
           </a:prstGeom>
         </p:spPr>
         <p:txBody>
-          <a:bodyPr anchorCtr="0" anchor="ctr" bIns="91425" lIns="91425" spcFirstLastPara="1" rIns="91425" wrap="square" tIns="91425">
+          <a:bodyPr spcFirstLastPara="1" wrap="square" lIns="91425" tIns="91425" rIns="91425" bIns="91425" anchor="ctr" anchorCtr="0">
             <a:normAutofit/>
           </a:bodyPr>
           <a:lstStyle>
@@ -6035,7 +5896,7 @@
             </a:lvl9pPr>
           </a:lstStyle>
           <a:p>
-            <a:pPr indent="0" lvl="0" marL="0" rtl="0" algn="r">
+            <a:pPr marL="0" lvl="0" indent="0" algn="r" rtl="0">
               <a:spcBef>
                 <a:spcPts val="0"/>
               </a:spcBef>
@@ -6061,18 +5922,19 @@
 </file>
 
 <file path=ppt/slideMasters/slideMaster1.xml><?xml version="1.0" encoding="utf-8"?>
-<p:sldMaster xmlns:a="http://schemas.openxmlformats.org/drawingml/2006/main" xmlns:r="http://schemas.openxmlformats.org/officeDocument/2006/relationships" xmlns:mc="http://schemas.openxmlformats.org/markup-compatibility/2006" xmlns:mv="urn:schemas-microsoft-com:mac:vml" xmlns:p="http://schemas.openxmlformats.org/presentationml/2006/main" xmlns:c="http://schemas.openxmlformats.org/drawingml/2006/chart" xmlns:dgm="http://schemas.openxmlformats.org/drawingml/2006/diagram" xmlns:o="urn:schemas-microsoft-com:office:office" xmlns:v="urn:schemas-microsoft-com:vml" xmlns:pvml="urn:schemas-microsoft-com:office:powerpoint" xmlns:com="http://schemas.openxmlformats.org/drawingml/2006/compatibility" xmlns:p14="http://schemas.microsoft.com/office/powerpoint/2010/main" xmlns:p15="http://schemas.microsoft.com/office/powerpoint/2012/main" xmlns:ahyp="http://schemas.microsoft.com/office/drawing/2018/hyperlinkcolor">
+<p:sldMaster xmlns:a="http://schemas.openxmlformats.org/drawingml/2006/main" xmlns:r="http://schemas.openxmlformats.org/officeDocument/2006/relationships" xmlns:p="http://schemas.openxmlformats.org/presentationml/2006/main">
   <p:cSld name="luxe">
     <p:bg>
       <p:bgPr>
         <a:solidFill>
           <a:schemeClr val="lt1"/>
         </a:solidFill>
+        <a:effectLst/>
       </p:bgPr>
     </p:bg>
     <p:spTree>
       <p:nvGrpSpPr>
-        <p:cNvPr id="5" name="Shape 5"/>
+        <p:cNvPr id="1" name="Shape 5"/>
         <p:cNvGrpSpPr/>
         <p:nvPr/>
       </p:nvGrpSpPr>
@@ -6087,7 +5949,9 @@
       <p:sp>
         <p:nvSpPr>
           <p:cNvPr id="6" name="Google Shape;6;p1"/>
-          <p:cNvSpPr txBox="1"/>
+          <p:cNvSpPr txBox="1">
+            <a:spLocks noGrp="1"/>
+          </p:cNvSpPr>
           <p:nvPr>
             <p:ph type="title"/>
           </p:nvPr>
@@ -6106,7 +5970,7 @@
           </a:ln>
         </p:spPr>
         <p:txBody>
-          <a:bodyPr anchorCtr="0" anchor="b" bIns="91425" lIns="91425" spcFirstLastPara="1" rIns="91425" wrap="square" tIns="91425">
+          <a:bodyPr spcFirstLastPara="1" wrap="square" lIns="91425" tIns="91425" rIns="91425" bIns="91425" anchor="b" anchorCtr="0">
             <a:normAutofit/>
           </a:bodyPr>
           <a:lstStyle>
@@ -6318,15 +6182,19 @@
               </a:defRPr>
             </a:lvl9pPr>
           </a:lstStyle>
-          <a:p/>
+          <a:p>
+            <a:endParaRPr/>
+          </a:p>
         </p:txBody>
       </p:sp>
       <p:sp>
         <p:nvSpPr>
           <p:cNvPr id="7" name="Google Shape;7;p1"/>
-          <p:cNvSpPr txBox="1"/>
+          <p:cNvSpPr txBox="1">
+            <a:spLocks noGrp="1"/>
+          </p:cNvSpPr>
           <p:nvPr>
-            <p:ph idx="1" type="body"/>
+            <p:ph type="body" idx="1"/>
           </p:nvPr>
         </p:nvSpPr>
         <p:spPr>
@@ -6343,11 +6211,11 @@
           </a:ln>
         </p:spPr>
         <p:txBody>
-          <a:bodyPr anchorCtr="0" anchor="t" bIns="91425" lIns="91425" spcFirstLastPara="1" rIns="91425" wrap="square" tIns="91425">
+          <a:bodyPr spcFirstLastPara="1" wrap="square" lIns="91425" tIns="91425" rIns="91425" bIns="91425" anchor="t" anchorCtr="0">
             <a:normAutofit/>
           </a:bodyPr>
           <a:lstStyle>
-            <a:lvl1pPr indent="-342900" lvl="0" marL="457200">
+            <a:lvl1pPr marL="457200" lvl="0" indent="-342900">
               <a:lnSpc>
                 <a:spcPct val="115000"/>
               </a:lnSpc>
@@ -6373,7 +6241,7 @@
                 <a:sym typeface="Open Sans"/>
               </a:defRPr>
             </a:lvl1pPr>
-            <a:lvl2pPr indent="-317500" lvl="1" marL="914400">
+            <a:lvl2pPr marL="914400" lvl="1" indent="-317500">
               <a:lnSpc>
                 <a:spcPct val="115000"/>
               </a:lnSpc>
@@ -6399,7 +6267,7 @@
                 <a:sym typeface="Open Sans"/>
               </a:defRPr>
             </a:lvl2pPr>
-            <a:lvl3pPr indent="-317500" lvl="2" marL="1371600">
+            <a:lvl3pPr marL="1371600" lvl="2" indent="-317500">
               <a:lnSpc>
                 <a:spcPct val="115000"/>
               </a:lnSpc>
@@ -6425,7 +6293,7 @@
                 <a:sym typeface="Open Sans"/>
               </a:defRPr>
             </a:lvl3pPr>
-            <a:lvl4pPr indent="-317500" lvl="3" marL="1828800">
+            <a:lvl4pPr marL="1828800" lvl="3" indent="-317500">
               <a:lnSpc>
                 <a:spcPct val="115000"/>
               </a:lnSpc>
@@ -6451,7 +6319,7 @@
                 <a:sym typeface="Open Sans"/>
               </a:defRPr>
             </a:lvl4pPr>
-            <a:lvl5pPr indent="-317500" lvl="4" marL="2286000">
+            <a:lvl5pPr marL="2286000" lvl="4" indent="-317500">
               <a:lnSpc>
                 <a:spcPct val="115000"/>
               </a:lnSpc>
@@ -6477,7 +6345,7 @@
                 <a:sym typeface="Open Sans"/>
               </a:defRPr>
             </a:lvl5pPr>
-            <a:lvl6pPr indent="-317500" lvl="5" marL="2743200">
+            <a:lvl6pPr marL="2743200" lvl="5" indent="-317500">
               <a:lnSpc>
                 <a:spcPct val="115000"/>
               </a:lnSpc>
@@ -6503,7 +6371,7 @@
                 <a:sym typeface="Open Sans"/>
               </a:defRPr>
             </a:lvl6pPr>
-            <a:lvl7pPr indent="-317500" lvl="6" marL="3200400">
+            <a:lvl7pPr marL="3200400" lvl="6" indent="-317500">
               <a:lnSpc>
                 <a:spcPct val="115000"/>
               </a:lnSpc>
@@ -6529,7 +6397,7 @@
                 <a:sym typeface="Open Sans"/>
               </a:defRPr>
             </a:lvl7pPr>
-            <a:lvl8pPr indent="-317500" lvl="7" marL="3657600">
+            <a:lvl8pPr marL="3657600" lvl="7" indent="-317500">
               <a:lnSpc>
                 <a:spcPct val="115000"/>
               </a:lnSpc>
@@ -6555,7 +6423,7 @@
                 <a:sym typeface="Open Sans"/>
               </a:defRPr>
             </a:lvl8pPr>
-            <a:lvl9pPr indent="-317500" lvl="8" marL="4114800">
+            <a:lvl9pPr marL="4114800" lvl="8" indent="-317500">
               <a:lnSpc>
                 <a:spcPct val="115000"/>
               </a:lnSpc>
@@ -6582,15 +6450,19 @@
               </a:defRPr>
             </a:lvl9pPr>
           </a:lstStyle>
-          <a:p/>
+          <a:p>
+            <a:endParaRPr/>
+          </a:p>
         </p:txBody>
       </p:sp>
       <p:sp>
         <p:nvSpPr>
           <p:cNvPr id="8" name="Google Shape;8;p1"/>
-          <p:cNvSpPr txBox="1"/>
+          <p:cNvSpPr txBox="1">
+            <a:spLocks noGrp="1"/>
+          </p:cNvSpPr>
           <p:nvPr>
-            <p:ph idx="12" type="sldNum"/>
+            <p:ph type="sldNum" idx="12"/>
           </p:nvPr>
         </p:nvSpPr>
         <p:spPr>
@@ -6607,7 +6479,7 @@
           </a:ln>
         </p:spPr>
         <p:txBody>
-          <a:bodyPr anchorCtr="0" anchor="ctr" bIns="91425" lIns="91425" spcFirstLastPara="1" rIns="91425" wrap="square" tIns="91425">
+          <a:bodyPr spcFirstLastPara="1" wrap="square" lIns="91425" tIns="91425" rIns="91425" bIns="91425" anchor="ctr" anchorCtr="0">
             <a:normAutofit/>
           </a:bodyPr>
           <a:lstStyle>
@@ -6721,7 +6593,7 @@
             </a:lvl9pPr>
           </a:lstStyle>
           <a:p>
-            <a:pPr indent="0" lvl="0" marL="0" rtl="0" algn="r">
+            <a:pPr marL="0" lvl="0" indent="0" algn="r" rtl="0">
               <a:spcBef>
                 <a:spcPts val="0"/>
               </a:spcBef>
@@ -6740,7 +6612,7 @@
       </p:sp>
     </p:spTree>
   </p:cSld>
-  <p:clrMap accent1="accent1" accent2="accent2" accent3="accent3" accent4="accent4" accent5="accent5" accent6="accent6" bg1="lt1" bg2="dk2" tx1="dk1" tx2="lt2" folHlink="folHlink" hlink="hlink"/>
+  <p:clrMap bg1="lt1" tx1="dk1" bg2="dk2" tx2="lt2" accent1="accent1" accent2="accent2" accent3="accent3" accent4="accent4" accent5="accent5" accent6="accent6" hlink="hlink" folHlink="folHlink"/>
   <p:sldLayoutIdLst>
     <p:sldLayoutId id="2147483648" r:id="rId1"/>
     <p:sldLayoutId id="2147483649" r:id="rId2"/>
@@ -6754,10 +6626,10 @@
     <p:sldLayoutId id="2147483657" r:id="rId10"/>
     <p:sldLayoutId id="2147483658" r:id="rId11"/>
   </p:sldLayoutIdLst>
-  <p:hf dt="0" ftr="0" hdr="0" sldNum="0"/>
+  <p:hf sldNum="0" hdr="0" ftr="0" dt="0"/>
   <p:txStyles>
     <p:titleStyle>
-      <a:defPPr lvl="0" marR="0" rtl="0" algn="l">
+      <a:defPPr marR="0" lvl="0" algn="l" rtl="0">
         <a:lnSpc>
           <a:spcPct val="100000"/>
         </a:lnSpc>
@@ -6768,7 +6640,7 @@
           <a:spcPts val="0"/>
         </a:spcAft>
       </a:defPPr>
-      <a:lvl1pPr lvl="0" marR="0" rtl="0" algn="l">
+      <a:lvl1pPr marR="0" lvl="0" algn="l" rtl="0">
         <a:lnSpc>
           <a:spcPct val="100000"/>
         </a:lnSpc>
@@ -6782,7 +6654,7 @@
           <a:srgbClr val="000000"/>
         </a:buClr>
         <a:buFont typeface="Arial"/>
-        <a:defRPr b="0" i="0" sz="1400" u="none" cap="none" strike="noStrike">
+        <a:defRPr sz="1400" b="0" i="0" u="none" strike="noStrike" cap="none">
           <a:solidFill>
             <a:srgbClr val="000000"/>
           </a:solidFill>
@@ -6792,7 +6664,7 @@
           <a:sym typeface="Arial"/>
         </a:defRPr>
       </a:lvl1pPr>
-      <a:lvl2pPr lvl="1" marR="0" rtl="0" algn="l">
+      <a:lvl2pPr marR="0" lvl="1" algn="l" rtl="0">
         <a:lnSpc>
           <a:spcPct val="100000"/>
         </a:lnSpc>
@@ -6806,7 +6678,7 @@
           <a:srgbClr val="000000"/>
         </a:buClr>
         <a:buFont typeface="Arial"/>
-        <a:defRPr b="0" i="0" sz="1400" u="none" cap="none" strike="noStrike">
+        <a:defRPr sz="1400" b="0" i="0" u="none" strike="noStrike" cap="none">
           <a:solidFill>
             <a:srgbClr val="000000"/>
           </a:solidFill>
@@ -6816,7 +6688,7 @@
           <a:sym typeface="Arial"/>
         </a:defRPr>
       </a:lvl2pPr>
-      <a:lvl3pPr lvl="2" marR="0" rtl="0" algn="l">
+      <a:lvl3pPr marR="0" lvl="2" algn="l" rtl="0">
         <a:lnSpc>
           <a:spcPct val="100000"/>
         </a:lnSpc>
@@ -6830,7 +6702,7 @@
           <a:srgbClr val="000000"/>
         </a:buClr>
         <a:buFont typeface="Arial"/>
-        <a:defRPr b="0" i="0" sz="1400" u="none" cap="none" strike="noStrike">
+        <a:defRPr sz="1400" b="0" i="0" u="none" strike="noStrike" cap="none">
           <a:solidFill>
             <a:srgbClr val="000000"/>
           </a:solidFill>
@@ -6840,7 +6712,7 @@
           <a:sym typeface="Arial"/>
         </a:defRPr>
       </a:lvl3pPr>
-      <a:lvl4pPr lvl="3" marR="0" rtl="0" algn="l">
+      <a:lvl4pPr marR="0" lvl="3" algn="l" rtl="0">
         <a:lnSpc>
           <a:spcPct val="100000"/>
         </a:lnSpc>
@@ -6854,7 +6726,7 @@
           <a:srgbClr val="000000"/>
         </a:buClr>
         <a:buFont typeface="Arial"/>
-        <a:defRPr b="0" i="0" sz="1400" u="none" cap="none" strike="noStrike">
+        <a:defRPr sz="1400" b="0" i="0" u="none" strike="noStrike" cap="none">
           <a:solidFill>
             <a:srgbClr val="000000"/>
           </a:solidFill>
@@ -6864,7 +6736,7 @@
           <a:sym typeface="Arial"/>
         </a:defRPr>
       </a:lvl4pPr>
-      <a:lvl5pPr lvl="4" marR="0" rtl="0" algn="l">
+      <a:lvl5pPr marR="0" lvl="4" algn="l" rtl="0">
         <a:lnSpc>
           <a:spcPct val="100000"/>
         </a:lnSpc>
@@ -6878,7 +6750,7 @@
           <a:srgbClr val="000000"/>
         </a:buClr>
         <a:buFont typeface="Arial"/>
-        <a:defRPr b="0" i="0" sz="1400" u="none" cap="none" strike="noStrike">
+        <a:defRPr sz="1400" b="0" i="0" u="none" strike="noStrike" cap="none">
           <a:solidFill>
             <a:srgbClr val="000000"/>
           </a:solidFill>
@@ -6888,7 +6760,7 @@
           <a:sym typeface="Arial"/>
         </a:defRPr>
       </a:lvl5pPr>
-      <a:lvl6pPr lvl="5" marR="0" rtl="0" algn="l">
+      <a:lvl6pPr marR="0" lvl="5" algn="l" rtl="0">
         <a:lnSpc>
           <a:spcPct val="100000"/>
         </a:lnSpc>
@@ -6902,7 +6774,7 @@
           <a:srgbClr val="000000"/>
         </a:buClr>
         <a:buFont typeface="Arial"/>
-        <a:defRPr b="0" i="0" sz="1400" u="none" cap="none" strike="noStrike">
+        <a:defRPr sz="1400" b="0" i="0" u="none" strike="noStrike" cap="none">
           <a:solidFill>
             <a:srgbClr val="000000"/>
           </a:solidFill>
@@ -6912,7 +6784,7 @@
           <a:sym typeface="Arial"/>
         </a:defRPr>
       </a:lvl6pPr>
-      <a:lvl7pPr lvl="6" marR="0" rtl="0" algn="l">
+      <a:lvl7pPr marR="0" lvl="6" algn="l" rtl="0">
         <a:lnSpc>
           <a:spcPct val="100000"/>
         </a:lnSpc>
@@ -6926,7 +6798,7 @@
           <a:srgbClr val="000000"/>
         </a:buClr>
         <a:buFont typeface="Arial"/>
-        <a:defRPr b="0" i="0" sz="1400" u="none" cap="none" strike="noStrike">
+        <a:defRPr sz="1400" b="0" i="0" u="none" strike="noStrike" cap="none">
           <a:solidFill>
             <a:srgbClr val="000000"/>
           </a:solidFill>
@@ -6936,7 +6808,7 @@
           <a:sym typeface="Arial"/>
         </a:defRPr>
       </a:lvl7pPr>
-      <a:lvl8pPr lvl="7" marR="0" rtl="0" algn="l">
+      <a:lvl8pPr marR="0" lvl="7" algn="l" rtl="0">
         <a:lnSpc>
           <a:spcPct val="100000"/>
         </a:lnSpc>
@@ -6950,7 +6822,7 @@
           <a:srgbClr val="000000"/>
         </a:buClr>
         <a:buFont typeface="Arial"/>
-        <a:defRPr b="0" i="0" sz="1400" u="none" cap="none" strike="noStrike">
+        <a:defRPr sz="1400" b="0" i="0" u="none" strike="noStrike" cap="none">
           <a:solidFill>
             <a:srgbClr val="000000"/>
           </a:solidFill>
@@ -6960,7 +6832,7 @@
           <a:sym typeface="Arial"/>
         </a:defRPr>
       </a:lvl8pPr>
-      <a:lvl9pPr lvl="8" marR="0" rtl="0" algn="l">
+      <a:lvl9pPr marR="0" lvl="8" algn="l" rtl="0">
         <a:lnSpc>
           <a:spcPct val="100000"/>
         </a:lnSpc>
@@ -6974,7 +6846,7 @@
           <a:srgbClr val="000000"/>
         </a:buClr>
         <a:buFont typeface="Arial"/>
-        <a:defRPr b="0" i="0" sz="1400" u="none" cap="none" strike="noStrike">
+        <a:defRPr sz="1400" b="0" i="0" u="none" strike="noStrike" cap="none">
           <a:solidFill>
             <a:srgbClr val="000000"/>
           </a:solidFill>
@@ -6986,7 +6858,7 @@
       </a:lvl9pPr>
     </p:titleStyle>
     <p:bodyStyle>
-      <a:defPPr lvl="0" marR="0" rtl="0" algn="l">
+      <a:defPPr marR="0" lvl="0" algn="l" rtl="0">
         <a:lnSpc>
           <a:spcPct val="100000"/>
         </a:lnSpc>
@@ -6997,7 +6869,7 @@
           <a:spcPts val="0"/>
         </a:spcAft>
       </a:defPPr>
-      <a:lvl1pPr lvl="0" marR="0" rtl="0" algn="l">
+      <a:lvl1pPr marR="0" lvl="0" algn="l" rtl="0">
         <a:lnSpc>
           <a:spcPct val="100000"/>
         </a:lnSpc>
@@ -7011,7 +6883,7 @@
           <a:srgbClr val="000000"/>
         </a:buClr>
         <a:buFont typeface="Arial"/>
-        <a:defRPr b="0" i="0" sz="1400" u="none" cap="none" strike="noStrike">
+        <a:defRPr sz="1400" b="0" i="0" u="none" strike="noStrike" cap="none">
           <a:solidFill>
             <a:srgbClr val="000000"/>
           </a:solidFill>
@@ -7021,7 +6893,7 @@
           <a:sym typeface="Arial"/>
         </a:defRPr>
       </a:lvl1pPr>
-      <a:lvl2pPr lvl="1" marR="0" rtl="0" algn="l">
+      <a:lvl2pPr marR="0" lvl="1" algn="l" rtl="0">
         <a:lnSpc>
           <a:spcPct val="100000"/>
         </a:lnSpc>
@@ -7035,7 +6907,7 @@
           <a:srgbClr val="000000"/>
         </a:buClr>
         <a:buFont typeface="Arial"/>
-        <a:defRPr b="0" i="0" sz="1400" u="none" cap="none" strike="noStrike">
+        <a:defRPr sz="1400" b="0" i="0" u="none" strike="noStrike" cap="none">
           <a:solidFill>
             <a:srgbClr val="000000"/>
           </a:solidFill>
@@ -7045,7 +6917,7 @@
           <a:sym typeface="Arial"/>
         </a:defRPr>
       </a:lvl2pPr>
-      <a:lvl3pPr lvl="2" marR="0" rtl="0" algn="l">
+      <a:lvl3pPr marR="0" lvl="2" algn="l" rtl="0">
         <a:lnSpc>
           <a:spcPct val="100000"/>
         </a:lnSpc>
@@ -7059,7 +6931,7 @@
           <a:srgbClr val="000000"/>
         </a:buClr>
         <a:buFont typeface="Arial"/>
-        <a:defRPr b="0" i="0" sz="1400" u="none" cap="none" strike="noStrike">
+        <a:defRPr sz="1400" b="0" i="0" u="none" strike="noStrike" cap="none">
           <a:solidFill>
             <a:srgbClr val="000000"/>
           </a:solidFill>
@@ -7069,7 +6941,7 @@
           <a:sym typeface="Arial"/>
         </a:defRPr>
       </a:lvl3pPr>
-      <a:lvl4pPr lvl="3" marR="0" rtl="0" algn="l">
+      <a:lvl4pPr marR="0" lvl="3" algn="l" rtl="0">
         <a:lnSpc>
           <a:spcPct val="100000"/>
         </a:lnSpc>
@@ -7083,7 +6955,7 @@
           <a:srgbClr val="000000"/>
         </a:buClr>
         <a:buFont typeface="Arial"/>
-        <a:defRPr b="0" i="0" sz="1400" u="none" cap="none" strike="noStrike">
+        <a:defRPr sz="1400" b="0" i="0" u="none" strike="noStrike" cap="none">
           <a:solidFill>
             <a:srgbClr val="000000"/>
           </a:solidFill>
@@ -7093,7 +6965,7 @@
           <a:sym typeface="Arial"/>
         </a:defRPr>
       </a:lvl4pPr>
-      <a:lvl5pPr lvl="4" marR="0" rtl="0" algn="l">
+      <a:lvl5pPr marR="0" lvl="4" algn="l" rtl="0">
         <a:lnSpc>
           <a:spcPct val="100000"/>
         </a:lnSpc>
@@ -7107,7 +6979,7 @@
           <a:srgbClr val="000000"/>
         </a:buClr>
         <a:buFont typeface="Arial"/>
-        <a:defRPr b="0" i="0" sz="1400" u="none" cap="none" strike="noStrike">
+        <a:defRPr sz="1400" b="0" i="0" u="none" strike="noStrike" cap="none">
           <a:solidFill>
             <a:srgbClr val="000000"/>
           </a:solidFill>
@@ -7117,7 +6989,7 @@
           <a:sym typeface="Arial"/>
         </a:defRPr>
       </a:lvl5pPr>
-      <a:lvl6pPr lvl="5" marR="0" rtl="0" algn="l">
+      <a:lvl6pPr marR="0" lvl="5" algn="l" rtl="0">
         <a:lnSpc>
           <a:spcPct val="100000"/>
         </a:lnSpc>
@@ -7131,7 +7003,7 @@
           <a:srgbClr val="000000"/>
         </a:buClr>
         <a:buFont typeface="Arial"/>
-        <a:defRPr b="0" i="0" sz="1400" u="none" cap="none" strike="noStrike">
+        <a:defRPr sz="1400" b="0" i="0" u="none" strike="noStrike" cap="none">
           <a:solidFill>
             <a:srgbClr val="000000"/>
           </a:solidFill>
@@ -7141,7 +7013,7 @@
           <a:sym typeface="Arial"/>
         </a:defRPr>
       </a:lvl6pPr>
-      <a:lvl7pPr lvl="6" marR="0" rtl="0" algn="l">
+      <a:lvl7pPr marR="0" lvl="6" algn="l" rtl="0">
         <a:lnSpc>
           <a:spcPct val="100000"/>
         </a:lnSpc>
@@ -7155,7 +7027,7 @@
           <a:srgbClr val="000000"/>
         </a:buClr>
         <a:buFont typeface="Arial"/>
-        <a:defRPr b="0" i="0" sz="1400" u="none" cap="none" strike="noStrike">
+        <a:defRPr sz="1400" b="0" i="0" u="none" strike="noStrike" cap="none">
           <a:solidFill>
             <a:srgbClr val="000000"/>
           </a:solidFill>
@@ -7165,7 +7037,7 @@
           <a:sym typeface="Arial"/>
         </a:defRPr>
       </a:lvl7pPr>
-      <a:lvl8pPr lvl="7" marR="0" rtl="0" algn="l">
+      <a:lvl8pPr marR="0" lvl="7" algn="l" rtl="0">
         <a:lnSpc>
           <a:spcPct val="100000"/>
         </a:lnSpc>
@@ -7179,7 +7051,7 @@
           <a:srgbClr val="000000"/>
         </a:buClr>
         <a:buFont typeface="Arial"/>
-        <a:defRPr b="0" i="0" sz="1400" u="none" cap="none" strike="noStrike">
+        <a:defRPr sz="1400" b="0" i="0" u="none" strike="noStrike" cap="none">
           <a:solidFill>
             <a:srgbClr val="000000"/>
           </a:solidFill>
@@ -7189,7 +7061,7 @@
           <a:sym typeface="Arial"/>
         </a:defRPr>
       </a:lvl8pPr>
-      <a:lvl9pPr lvl="8" marR="0" rtl="0" algn="l">
+      <a:lvl9pPr marR="0" lvl="8" algn="l" rtl="0">
         <a:lnSpc>
           <a:spcPct val="100000"/>
         </a:lnSpc>
@@ -7203,7 +7075,7 @@
           <a:srgbClr val="000000"/>
         </a:buClr>
         <a:buFont typeface="Arial"/>
-        <a:defRPr b="0" i="0" sz="1400" u="none" cap="none" strike="noStrike">
+        <a:defRPr sz="1400" b="0" i="0" u="none" strike="noStrike" cap="none">
           <a:solidFill>
             <a:srgbClr val="000000"/>
           </a:solidFill>
@@ -7215,7 +7087,7 @@
       </a:lvl9pPr>
     </p:bodyStyle>
     <p:otherStyle>
-      <a:defPPr lvl="0" marR="0" rtl="0" algn="l">
+      <a:defPPr marR="0" lvl="0" algn="l" rtl="0">
         <a:lnSpc>
           <a:spcPct val="100000"/>
         </a:lnSpc>
@@ -7226,7 +7098,7 @@
           <a:spcPts val="0"/>
         </a:spcAft>
       </a:defPPr>
-      <a:lvl1pPr lvl="0" marR="0" rtl="0" algn="l">
+      <a:lvl1pPr marR="0" lvl="0" algn="l" rtl="0">
         <a:lnSpc>
           <a:spcPct val="100000"/>
         </a:lnSpc>
@@ -7240,7 +7112,7 @@
           <a:srgbClr val="000000"/>
         </a:buClr>
         <a:buFont typeface="Arial"/>
-        <a:defRPr b="0" i="0" sz="1400" u="none" cap="none" strike="noStrike">
+        <a:defRPr sz="1400" b="0" i="0" u="none" strike="noStrike" cap="none">
           <a:solidFill>
             <a:srgbClr val="000000"/>
           </a:solidFill>
@@ -7250,7 +7122,7 @@
           <a:sym typeface="Arial"/>
         </a:defRPr>
       </a:lvl1pPr>
-      <a:lvl2pPr lvl="1" marR="0" rtl="0" algn="l">
+      <a:lvl2pPr marR="0" lvl="1" algn="l" rtl="0">
         <a:lnSpc>
           <a:spcPct val="100000"/>
         </a:lnSpc>
@@ -7264,7 +7136,7 @@
           <a:srgbClr val="000000"/>
         </a:buClr>
         <a:buFont typeface="Arial"/>
-        <a:defRPr b="0" i="0" sz="1400" u="none" cap="none" strike="noStrike">
+        <a:defRPr sz="1400" b="0" i="0" u="none" strike="noStrike" cap="none">
           <a:solidFill>
             <a:srgbClr val="000000"/>
           </a:solidFill>
@@ -7274,7 +7146,7 @@
           <a:sym typeface="Arial"/>
         </a:defRPr>
       </a:lvl2pPr>
-      <a:lvl3pPr lvl="2" marR="0" rtl="0" algn="l">
+      <a:lvl3pPr marR="0" lvl="2" algn="l" rtl="0">
         <a:lnSpc>
           <a:spcPct val="100000"/>
         </a:lnSpc>
@@ -7288,7 +7160,7 @@
           <a:srgbClr val="000000"/>
         </a:buClr>
         <a:buFont typeface="Arial"/>
-        <a:defRPr b="0" i="0" sz="1400" u="none" cap="none" strike="noStrike">
+        <a:defRPr sz="1400" b="0" i="0" u="none" strike="noStrike" cap="none">
           <a:solidFill>
             <a:srgbClr val="000000"/>
           </a:solidFill>
@@ -7298,7 +7170,7 @@
           <a:sym typeface="Arial"/>
         </a:defRPr>
       </a:lvl3pPr>
-      <a:lvl4pPr lvl="3" marR="0" rtl="0" algn="l">
+      <a:lvl4pPr marR="0" lvl="3" algn="l" rtl="0">
         <a:lnSpc>
           <a:spcPct val="100000"/>
         </a:lnSpc>
@@ -7312,7 +7184,7 @@
           <a:srgbClr val="000000"/>
         </a:buClr>
         <a:buFont typeface="Arial"/>
-        <a:defRPr b="0" i="0" sz="1400" u="none" cap="none" strike="noStrike">
+        <a:defRPr sz="1400" b="0" i="0" u="none" strike="noStrike" cap="none">
           <a:solidFill>
             <a:srgbClr val="000000"/>
           </a:solidFill>
@@ -7322,7 +7194,7 @@
           <a:sym typeface="Arial"/>
         </a:defRPr>
       </a:lvl4pPr>
-      <a:lvl5pPr lvl="4" marR="0" rtl="0" algn="l">
+      <a:lvl5pPr marR="0" lvl="4" algn="l" rtl="0">
         <a:lnSpc>
           <a:spcPct val="100000"/>
         </a:lnSpc>
@@ -7336,7 +7208,7 @@
           <a:srgbClr val="000000"/>
         </a:buClr>
         <a:buFont typeface="Arial"/>
-        <a:defRPr b="0" i="0" sz="1400" u="none" cap="none" strike="noStrike">
+        <a:defRPr sz="1400" b="0" i="0" u="none" strike="noStrike" cap="none">
           <a:solidFill>
             <a:srgbClr val="000000"/>
           </a:solidFill>
@@ -7346,7 +7218,7 @@
           <a:sym typeface="Arial"/>
         </a:defRPr>
       </a:lvl5pPr>
-      <a:lvl6pPr lvl="5" marR="0" rtl="0" algn="l">
+      <a:lvl6pPr marR="0" lvl="5" algn="l" rtl="0">
         <a:lnSpc>
           <a:spcPct val="100000"/>
         </a:lnSpc>
@@ -7360,7 +7232,7 @@
           <a:srgbClr val="000000"/>
         </a:buClr>
         <a:buFont typeface="Arial"/>
-        <a:defRPr b="0" i="0" sz="1400" u="none" cap="none" strike="noStrike">
+        <a:defRPr sz="1400" b="0" i="0" u="none" strike="noStrike" cap="none">
           <a:solidFill>
             <a:srgbClr val="000000"/>
           </a:solidFill>
@@ -7370,7 +7242,7 @@
           <a:sym typeface="Arial"/>
         </a:defRPr>
       </a:lvl6pPr>
-      <a:lvl7pPr lvl="6" marR="0" rtl="0" algn="l">
+      <a:lvl7pPr marR="0" lvl="6" algn="l" rtl="0">
         <a:lnSpc>
           <a:spcPct val="100000"/>
         </a:lnSpc>
@@ -7384,7 +7256,7 @@
           <a:srgbClr val="000000"/>
         </a:buClr>
         <a:buFont typeface="Arial"/>
-        <a:defRPr b="0" i="0" sz="1400" u="none" cap="none" strike="noStrike">
+        <a:defRPr sz="1400" b="0" i="0" u="none" strike="noStrike" cap="none">
           <a:solidFill>
             <a:srgbClr val="000000"/>
           </a:solidFill>
@@ -7394,7 +7266,7 @@
           <a:sym typeface="Arial"/>
         </a:defRPr>
       </a:lvl7pPr>
-      <a:lvl8pPr lvl="7" marR="0" rtl="0" algn="l">
+      <a:lvl8pPr marR="0" lvl="7" algn="l" rtl="0">
         <a:lnSpc>
           <a:spcPct val="100000"/>
         </a:lnSpc>
@@ -7408,7 +7280,7 @@
           <a:srgbClr val="000000"/>
         </a:buClr>
         <a:buFont typeface="Arial"/>
-        <a:defRPr b="0" i="0" sz="1400" u="none" cap="none" strike="noStrike">
+        <a:defRPr sz="1400" b="0" i="0" u="none" strike="noStrike" cap="none">
           <a:solidFill>
             <a:srgbClr val="000000"/>
           </a:solidFill>
@@ -7418,7 +7290,7 @@
           <a:sym typeface="Arial"/>
         </a:defRPr>
       </a:lvl8pPr>
-      <a:lvl9pPr lvl="8" marR="0" rtl="0" algn="l">
+      <a:lvl9pPr marR="0" lvl="8" algn="l" rtl="0">
         <a:lnSpc>
           <a:spcPct val="100000"/>
         </a:lnSpc>
@@ -7432,7 +7304,7 @@
           <a:srgbClr val="000000"/>
         </a:buClr>
         <a:buFont typeface="Arial"/>
-        <a:defRPr b="0" i="0" sz="1400" u="none" cap="none" strike="noStrike">
+        <a:defRPr sz="1400" b="0" i="0" u="none" strike="noStrike" cap="none">
           <a:solidFill>
             <a:srgbClr val="000000"/>
           </a:solidFill>
@@ -7448,11 +7320,11 @@
 </file>
 
 <file path=ppt/slides/slide1.xml><?xml version="1.0" encoding="utf-8"?>
-<p:sld xmlns:a="http://schemas.openxmlformats.org/drawingml/2006/main" xmlns:r="http://schemas.openxmlformats.org/officeDocument/2006/relationships" xmlns:mc="http://schemas.openxmlformats.org/markup-compatibility/2006" xmlns:mv="urn:schemas-microsoft-com:mac:vml" xmlns:p="http://schemas.openxmlformats.org/presentationml/2006/main" xmlns:c="http://schemas.openxmlformats.org/drawingml/2006/chart" xmlns:dgm="http://schemas.openxmlformats.org/drawingml/2006/diagram" xmlns:o="urn:schemas-microsoft-com:office:office" xmlns:v="urn:schemas-microsoft-com:vml" xmlns:pvml="urn:schemas-microsoft-com:office:powerpoint" xmlns:com="http://schemas.openxmlformats.org/drawingml/2006/compatibility" xmlns:p14="http://schemas.microsoft.com/office/powerpoint/2010/main" xmlns:p15="http://schemas.microsoft.com/office/powerpoint/2012/main" xmlns:ahyp="http://schemas.microsoft.com/office/drawing/2018/hyperlinkcolor">
+<p:sld xmlns:a="http://schemas.openxmlformats.org/drawingml/2006/main" xmlns:r="http://schemas.openxmlformats.org/officeDocument/2006/relationships" xmlns:p="http://schemas.openxmlformats.org/presentationml/2006/main">
   <p:cSld>
     <p:spTree>
       <p:nvGrpSpPr>
-        <p:cNvPr id="61" name="Shape 61"/>
+        <p:cNvPr id="1" name="Shape 61"/>
         <p:cNvGrpSpPr/>
         <p:nvPr/>
       </p:nvGrpSpPr>
@@ -7467,7 +7339,9 @@
       <p:sp>
         <p:nvSpPr>
           <p:cNvPr id="62" name="Google Shape;62;p13"/>
-          <p:cNvSpPr txBox="1"/>
+          <p:cNvSpPr txBox="1">
+            <a:spLocks noGrp="1"/>
+          </p:cNvSpPr>
           <p:nvPr>
             <p:ph type="ctrTitle"/>
           </p:nvPr>
@@ -7482,12 +7356,12 @@
           </a:prstGeom>
         </p:spPr>
         <p:txBody>
-          <a:bodyPr anchorCtr="0" anchor="b" bIns="91425" lIns="91425" spcFirstLastPara="1" rIns="91425" wrap="square" tIns="91425">
+          <a:bodyPr spcFirstLastPara="1" wrap="square" lIns="91425" tIns="91425" rIns="91425" bIns="91425" anchor="b" anchorCtr="0">
             <a:normAutofit/>
           </a:bodyPr>
           <a:lstStyle/>
           <a:p>
-            <a:pPr indent="0" lvl="0" marL="0" rtl="0" algn="ctr">
+            <a:pPr marL="0" lvl="0" indent="0" algn="ctr" rtl="0">
               <a:spcBef>
                 <a:spcPts val="0"/>
               </a:spcBef>
@@ -7498,11 +7372,7 @@
             </a:pPr>
             <a:r>
               <a:rPr lang="en"/>
-              <a:t>Predicting</a:t>
-            </a:r>
-            <a:r>
-              <a:rPr lang="en"/>
-              <a:t> Implicit Ratings</a:t>
+              <a:t>Predicting Implicit Ratings</a:t>
             </a:r>
             <a:endParaRPr/>
           </a:p>
@@ -7511,9 +7381,11 @@
       <p:sp>
         <p:nvSpPr>
           <p:cNvPr id="63" name="Google Shape;63;p13"/>
-          <p:cNvSpPr txBox="1"/>
+          <p:cNvSpPr txBox="1">
+            <a:spLocks noGrp="1"/>
+          </p:cNvSpPr>
           <p:nvPr>
-            <p:ph idx="1" type="subTitle"/>
+            <p:ph type="subTitle" idx="1"/>
           </p:nvPr>
         </p:nvSpPr>
         <p:spPr>
@@ -7526,12 +7398,12 @@
           </a:prstGeom>
         </p:spPr>
         <p:txBody>
-          <a:bodyPr anchorCtr="0" anchor="t" bIns="91425" lIns="91425" spcFirstLastPara="1" rIns="91425" wrap="square" tIns="91425">
+          <a:bodyPr spcFirstLastPara="1" wrap="square" lIns="91425" tIns="91425" rIns="91425" bIns="91425" anchor="t" anchorCtr="0">
             <a:normAutofit/>
           </a:bodyPr>
           <a:lstStyle/>
           <a:p>
-            <a:pPr indent="0" lvl="0" marL="0" rtl="0" algn="ctr">
+            <a:pPr marL="0" lvl="0" indent="0" algn="ctr" rtl="0">
               <a:spcBef>
                 <a:spcPts val="0"/>
               </a:spcBef>
@@ -7551,9 +7423,11 @@
       <p:sp>
         <p:nvSpPr>
           <p:cNvPr id="64" name="Google Shape;64;p13"/>
-          <p:cNvSpPr txBox="1"/>
+          <p:cNvSpPr txBox="1">
+            <a:spLocks noGrp="1"/>
+          </p:cNvSpPr>
           <p:nvPr>
-            <p:ph idx="1" type="subTitle"/>
+            <p:ph type="subTitle" idx="1"/>
           </p:nvPr>
         </p:nvSpPr>
         <p:spPr>
@@ -7566,12 +7440,12 @@
           </a:prstGeom>
         </p:spPr>
         <p:txBody>
-          <a:bodyPr anchorCtr="0" anchor="t" bIns="91425" lIns="91425" spcFirstLastPara="1" rIns="91425" wrap="square" tIns="91425">
-            <a:normAutofit lnSpcReduction="20000"/>
+          <a:bodyPr spcFirstLastPara="1" wrap="square" lIns="91425" tIns="91425" rIns="91425" bIns="91425" anchor="t" anchorCtr="0">
+            <a:normAutofit fontScale="92500" lnSpcReduction="10000"/>
           </a:bodyPr>
           <a:lstStyle/>
           <a:p>
-            <a:pPr indent="0" lvl="0" marL="0" rtl="0" algn="ctr">
+            <a:pPr marL="0" lvl="0" indent="0" algn="ctr" rtl="0">
               <a:spcBef>
                 <a:spcPts val="0"/>
               </a:spcBef>
@@ -7581,13 +7455,25 @@
               <a:buNone/>
             </a:pPr>
             <a:r>
-              <a:rPr lang="en"/>
+              <a:rPr lang="en" dirty="0"/>
               <a:t>Team - Exploding Gradients</a:t>
             </a:r>
-            <a:endParaRPr/>
+            <a:endParaRPr dirty="0"/>
           </a:p>
           <a:p>
-            <a:pPr indent="0" lvl="0" marL="0" rtl="0" algn="ctr">
+            <a:pPr marL="0" lvl="0" indent="0" algn="ctr" rtl="0">
+              <a:spcBef>
+                <a:spcPts val="0"/>
+              </a:spcBef>
+              <a:spcAft>
+                <a:spcPts val="0"/>
+              </a:spcAft>
+              <a:buNone/>
+            </a:pPr>
+            <a:endParaRPr dirty="0"/>
+          </a:p>
+          <a:p>
+            <a:pPr marL="0" lvl="0" indent="0" algn="ctr" rtl="0">
               <a:spcBef>
                 <a:spcPts val="0"/>
               </a:spcBef>
@@ -7597,41 +7483,18 @@
               <a:buNone/>
             </a:pPr>
             <a:r>
-              <a:t/>
+              <a:rPr lang="en" dirty="0"/>
+              <a:t>Chahak Sethi</a:t>
             </a:r>
-            <a:endParaRPr/>
+            <a:endParaRPr dirty="0"/>
           </a:p>
           <a:p>
-            <a:pPr indent="0" lvl="0" marL="0" rtl="0" algn="ctr">
-              <a:spcBef>
-                <a:spcPts val="0"/>
-              </a:spcBef>
-              <a:spcAft>
-                <a:spcPts val="0"/>
-              </a:spcAft>
-              <a:buNone/>
-            </a:pPr>
+            <a:pPr marL="0" lvl="0" indent="0" algn="l"/>
             <a:r>
-              <a:rPr lang="en"/>
-              <a:t>Chahak Sethi</a:t>
+              <a:rPr lang="en" dirty="0"/>
+              <a:t> 			 	 Abdus Khan 			</a:t>
             </a:r>
-            <a:endParaRPr/>
-          </a:p>
-          <a:p>
-            <a:pPr indent="0" lvl="0" marL="0" rtl="0" algn="l">
-              <a:spcBef>
-                <a:spcPts val="0"/>
-              </a:spcBef>
-              <a:spcAft>
-                <a:spcPts val="0"/>
-              </a:spcAft>
-              <a:buNone/>
-            </a:pPr>
-            <a:r>
-              <a:rPr lang="en"/>
-              <a:t> 								Abdus Khan</a:t>
-            </a:r>
-            <a:endParaRPr/>
+            <a:endParaRPr dirty="0"/>
           </a:p>
         </p:txBody>
       </p:sp>
@@ -7644,11 +7507,11 @@
 </file>
 
 <file path=ppt/slides/slide10.xml><?xml version="1.0" encoding="utf-8"?>
-<p:sld xmlns:a="http://schemas.openxmlformats.org/drawingml/2006/main" xmlns:r="http://schemas.openxmlformats.org/officeDocument/2006/relationships" xmlns:mc="http://schemas.openxmlformats.org/markup-compatibility/2006" xmlns:mv="urn:schemas-microsoft-com:mac:vml" xmlns:p="http://schemas.openxmlformats.org/presentationml/2006/main" xmlns:c="http://schemas.openxmlformats.org/drawingml/2006/chart" xmlns:dgm="http://schemas.openxmlformats.org/drawingml/2006/diagram" xmlns:o="urn:schemas-microsoft-com:office:office" xmlns:v="urn:schemas-microsoft-com:vml" xmlns:pvml="urn:schemas-microsoft-com:office:powerpoint" xmlns:com="http://schemas.openxmlformats.org/drawingml/2006/compatibility" xmlns:p14="http://schemas.microsoft.com/office/powerpoint/2010/main" xmlns:p15="http://schemas.microsoft.com/office/powerpoint/2012/main" xmlns:ahyp="http://schemas.microsoft.com/office/drawing/2018/hyperlinkcolor">
+<p:sld xmlns:a="http://schemas.openxmlformats.org/drawingml/2006/main" xmlns:r="http://schemas.openxmlformats.org/officeDocument/2006/relationships" xmlns:p="http://schemas.openxmlformats.org/presentationml/2006/main">
   <p:cSld>
     <p:spTree>
       <p:nvGrpSpPr>
-        <p:cNvPr id="152" name="Shape 152"/>
+        <p:cNvPr id="1" name="Shape 152"/>
         <p:cNvGrpSpPr/>
         <p:nvPr/>
       </p:nvGrpSpPr>
@@ -7663,9 +7526,11 @@
       <p:sp>
         <p:nvSpPr>
           <p:cNvPr id="153" name="Google Shape;153;p22"/>
-          <p:cNvSpPr txBox="1"/>
+          <p:cNvSpPr txBox="1">
+            <a:spLocks noGrp="1"/>
+          </p:cNvSpPr>
           <p:nvPr>
-            <p:ph idx="1" type="body"/>
+            <p:ph type="body" idx="1"/>
           </p:nvPr>
         </p:nvSpPr>
         <p:spPr>
@@ -7678,12 +7543,12 @@
           </a:prstGeom>
         </p:spPr>
         <p:txBody>
-          <a:bodyPr anchorCtr="0" anchor="t" bIns="91425" lIns="91425" spcFirstLastPara="1" rIns="91425" wrap="square" tIns="91425">
+          <a:bodyPr spcFirstLastPara="1" wrap="square" lIns="91425" tIns="91425" rIns="91425" bIns="91425" anchor="t" anchorCtr="0">
             <a:normAutofit/>
           </a:bodyPr>
           <a:lstStyle/>
           <a:p>
-            <a:pPr indent="457200" lvl="0" marL="1828800" rtl="0" algn="l">
+            <a:pPr marL="1828800" lvl="0" indent="457200" algn="l" rtl="0">
               <a:spcBef>
                 <a:spcPts val="0"/>
               </a:spcBef>
@@ -7708,12 +7573,12 @@
 </p:sld>
 </file>
 
-<file path=ppt/slides/slide11.xml><?xml version="1.0" encoding="utf-8"?>
-<p:sld xmlns:a="http://schemas.openxmlformats.org/drawingml/2006/main" xmlns:r="http://schemas.openxmlformats.org/officeDocument/2006/relationships" xmlns:mc="http://schemas.openxmlformats.org/markup-compatibility/2006" xmlns:mv="urn:schemas-microsoft-com:mac:vml" xmlns:p="http://schemas.openxmlformats.org/presentationml/2006/main" xmlns:c="http://schemas.openxmlformats.org/drawingml/2006/chart" xmlns:dgm="http://schemas.openxmlformats.org/drawingml/2006/diagram" xmlns:o="urn:schemas-microsoft-com:office:office" xmlns:v="urn:schemas-microsoft-com:vml" xmlns:pvml="urn:schemas-microsoft-com:office:powerpoint" xmlns:com="http://schemas.openxmlformats.org/drawingml/2006/compatibility" xmlns:p14="http://schemas.microsoft.com/office/powerpoint/2010/main" xmlns:p15="http://schemas.microsoft.com/office/powerpoint/2012/main" xmlns:ahyp="http://schemas.microsoft.com/office/drawing/2018/hyperlinkcolor">
+<file path=ppt/slides/slide2.xml><?xml version="1.0" encoding="utf-8"?>
+<p:sld xmlns:a="http://schemas.openxmlformats.org/drawingml/2006/main" xmlns:r="http://schemas.openxmlformats.org/officeDocument/2006/relationships" xmlns:p="http://schemas.openxmlformats.org/presentationml/2006/main">
   <p:cSld>
     <p:spTree>
       <p:nvGrpSpPr>
-        <p:cNvPr id="157" name="Shape 157"/>
+        <p:cNvPr id="1" name="Shape 68"/>
         <p:cNvGrpSpPr/>
         <p:nvPr/>
       </p:nvGrpSpPr>
@@ -7727,8 +7592,10 @@
       </p:grpSpPr>
       <p:sp>
         <p:nvSpPr>
-          <p:cNvPr id="158" name="Google Shape;158;p23"/>
-          <p:cNvSpPr txBox="1"/>
+          <p:cNvPr id="69" name="Google Shape;69;p14"/>
+          <p:cNvSpPr txBox="1">
+            <a:spLocks noGrp="1"/>
+          </p:cNvSpPr>
           <p:nvPr>
             <p:ph type="title"/>
           </p:nvPr>
@@ -7743,12 +7610,12 @@
           </a:prstGeom>
         </p:spPr>
         <p:txBody>
-          <a:bodyPr anchorCtr="0" anchor="b" bIns="91425" lIns="91425" spcFirstLastPara="1" rIns="91425" wrap="square" tIns="91425">
+          <a:bodyPr spcFirstLastPara="1" wrap="square" lIns="91425" tIns="91425" rIns="91425" bIns="91425" anchor="b" anchorCtr="0">
             <a:normAutofit/>
           </a:bodyPr>
           <a:lstStyle/>
           <a:p>
-            <a:pPr indent="0" lvl="0" marL="0" rtl="0" algn="l">
+            <a:pPr marL="0" lvl="0" indent="0" algn="l" rtl="0">
               <a:spcBef>
                 <a:spcPts val="0"/>
               </a:spcBef>
@@ -7759,7 +7626,7 @@
             </a:pPr>
             <a:r>
               <a:rPr lang="en"/>
-              <a:t>Experimental results: Matrix Factorization</a:t>
+              <a:t>Context</a:t>
             </a:r>
             <a:endParaRPr/>
           </a:p>
@@ -7767,10 +7634,12 @@
       </p:sp>
       <p:sp>
         <p:nvSpPr>
-          <p:cNvPr id="159" name="Google Shape;159;p23"/>
-          <p:cNvSpPr txBox="1"/>
+          <p:cNvPr id="70" name="Google Shape;70;p14"/>
+          <p:cNvSpPr txBox="1">
+            <a:spLocks noGrp="1"/>
+          </p:cNvSpPr>
           <p:nvPr>
-            <p:ph idx="1" type="body"/>
+            <p:ph type="body" idx="1"/>
           </p:nvPr>
         </p:nvSpPr>
         <p:spPr>
@@ -7783,12 +7652,12 @@
           </a:prstGeom>
         </p:spPr>
         <p:txBody>
-          <a:bodyPr anchorCtr="0" anchor="t" bIns="91425" lIns="91425" spcFirstLastPara="1" rIns="91425" wrap="square" tIns="91425">
+          <a:bodyPr spcFirstLastPara="1" wrap="square" lIns="91425" tIns="91425" rIns="91425" bIns="91425" anchor="t" anchorCtr="0">
             <a:normAutofit/>
           </a:bodyPr>
           <a:lstStyle/>
           <a:p>
-            <a:pPr indent="-342900" lvl="0" marL="457200" rtl="0" algn="l">
+            <a:pPr marL="457200" lvl="0" indent="-342900" algn="l" rtl="0">
               <a:spcBef>
                 <a:spcPts val="0"/>
               </a:spcBef>
@@ -7800,524 +7669,12 @@
             </a:pPr>
             <a:r>
               <a:rPr lang="en"/>
-              <a:t>We started with building a baseline model using the matrix factorization technique and just two features Item ID and User ID. </a:t>
+              <a:t>Data of 170K users and a list of items liked by each user was provided.</a:t>
             </a:r>
             <a:endParaRPr/>
           </a:p>
           <a:p>
-            <a:pPr indent="-317500" lvl="1" marL="914400" rtl="0" algn="l">
-              <a:spcBef>
-                <a:spcPts val="0"/>
-              </a:spcBef>
-              <a:spcAft>
-                <a:spcPts val="0"/>
-              </a:spcAft>
-              <a:buSzPts val="1400"/>
-              <a:buChar char="➢"/>
-            </a:pPr>
-            <a:r>
-              <a:rPr lang="en"/>
-              <a:t>Best public leaderboard score achieved: 0.47086</a:t>
-            </a:r>
-            <a:endParaRPr/>
-          </a:p>
-          <a:p>
-            <a:pPr indent="0" lvl="0" marL="0" rtl="0" algn="l">
-              <a:spcBef>
-                <a:spcPts val="1200"/>
-              </a:spcBef>
-              <a:spcAft>
-                <a:spcPts val="0"/>
-              </a:spcAft>
-              <a:buNone/>
-            </a:pPr>
-            <a:r>
-              <a:t/>
-            </a:r>
-            <a:endParaRPr/>
-          </a:p>
-          <a:p>
-            <a:pPr indent="-342900" lvl="0" marL="457200" rtl="0" algn="l">
-              <a:spcBef>
-                <a:spcPts val="1200"/>
-              </a:spcBef>
-              <a:spcAft>
-                <a:spcPts val="0"/>
-              </a:spcAft>
-              <a:buSzPts val="1800"/>
-              <a:buChar char="❖"/>
-            </a:pPr>
-            <a:r>
-              <a:rPr lang="en"/>
-              <a:t>Secondly, we added the item feature ID and its interaction with User ID. </a:t>
-            </a:r>
-            <a:endParaRPr/>
-          </a:p>
-          <a:p>
-            <a:pPr indent="-317500" lvl="1" marL="914400" rtl="0" algn="l">
-              <a:spcBef>
-                <a:spcPts val="0"/>
-              </a:spcBef>
-              <a:spcAft>
-                <a:spcPts val="0"/>
-              </a:spcAft>
-              <a:buSzPts val="1400"/>
-              <a:buChar char="➢"/>
-            </a:pPr>
-            <a:r>
-              <a:rPr lang="en"/>
-              <a:t>Best public leaderboard score achieved: 0.4655</a:t>
-            </a:r>
-            <a:endParaRPr/>
-          </a:p>
-        </p:txBody>
-      </p:sp>
-    </p:spTree>
-  </p:cSld>
-  <p:clrMapOvr>
-    <a:masterClrMapping/>
-  </p:clrMapOvr>
-</p:sld>
-</file>
-
-<file path=ppt/slides/slide12.xml><?xml version="1.0" encoding="utf-8"?>
-<p:sld xmlns:a="http://schemas.openxmlformats.org/drawingml/2006/main" xmlns:r="http://schemas.openxmlformats.org/officeDocument/2006/relationships" xmlns:mc="http://schemas.openxmlformats.org/markup-compatibility/2006" xmlns:mv="urn:schemas-microsoft-com:mac:vml" xmlns:p="http://schemas.openxmlformats.org/presentationml/2006/main" xmlns:c="http://schemas.openxmlformats.org/drawingml/2006/chart" xmlns:dgm="http://schemas.openxmlformats.org/drawingml/2006/diagram" xmlns:o="urn:schemas-microsoft-com:office:office" xmlns:v="urn:schemas-microsoft-com:vml" xmlns:pvml="urn:schemas-microsoft-com:office:powerpoint" xmlns:com="http://schemas.openxmlformats.org/drawingml/2006/compatibility" xmlns:p14="http://schemas.microsoft.com/office/powerpoint/2010/main" xmlns:p15="http://schemas.microsoft.com/office/powerpoint/2012/main" xmlns:ahyp="http://schemas.microsoft.com/office/drawing/2018/hyperlinkcolor">
-  <p:cSld>
-    <p:spTree>
-      <p:nvGrpSpPr>
-        <p:cNvPr id="163" name="Shape 163"/>
-        <p:cNvGrpSpPr/>
-        <p:nvPr/>
-      </p:nvGrpSpPr>
-      <p:grpSpPr>
-        <a:xfrm>
-          <a:off x="0" y="0"/>
-          <a:ext cx="0" cy="0"/>
-          <a:chOff x="0" y="0"/>
-          <a:chExt cx="0" cy="0"/>
-        </a:xfrm>
-      </p:grpSpPr>
-      <p:sp>
-        <p:nvSpPr>
-          <p:cNvPr id="164" name="Google Shape;164;p24"/>
-          <p:cNvSpPr txBox="1"/>
-          <p:nvPr>
-            <p:ph type="title"/>
-          </p:nvPr>
-        </p:nvSpPr>
-        <p:spPr>
-          <a:xfrm>
-            <a:off x="311700" y="315925"/>
-            <a:ext cx="8520600" cy="831300"/>
-          </a:xfrm>
-          <a:prstGeom prst="rect">
-            <a:avLst/>
-          </a:prstGeom>
-        </p:spPr>
-        <p:txBody>
-          <a:bodyPr anchorCtr="0" anchor="b" bIns="91425" lIns="91425" spcFirstLastPara="1" rIns="91425" wrap="square" tIns="91425">
-            <a:normAutofit/>
-          </a:bodyPr>
-          <a:lstStyle/>
-          <a:p>
-            <a:pPr indent="0" lvl="0" marL="0" rtl="0" algn="l">
-              <a:spcBef>
-                <a:spcPts val="0"/>
-              </a:spcBef>
-              <a:spcAft>
-                <a:spcPts val="0"/>
-              </a:spcAft>
-              <a:buNone/>
-            </a:pPr>
-            <a:r>
-              <a:rPr lang="en"/>
-              <a:t>Experimental results: Neural Networks</a:t>
-            </a:r>
-            <a:endParaRPr/>
-          </a:p>
-        </p:txBody>
-      </p:sp>
-      <p:sp>
-        <p:nvSpPr>
-          <p:cNvPr id="165" name="Google Shape;165;p24"/>
-          <p:cNvSpPr txBox="1"/>
-          <p:nvPr>
-            <p:ph idx="1" type="body"/>
-          </p:nvPr>
-        </p:nvSpPr>
-        <p:spPr>
-          <a:xfrm>
-            <a:off x="311700" y="1225225"/>
-            <a:ext cx="8520600" cy="3354000"/>
-          </a:xfrm>
-          <a:prstGeom prst="rect">
-            <a:avLst/>
-          </a:prstGeom>
-        </p:spPr>
-        <p:txBody>
-          <a:bodyPr anchorCtr="0" anchor="t" bIns="91425" lIns="91425" spcFirstLastPara="1" rIns="91425" wrap="square" tIns="91425">
-            <a:normAutofit/>
-          </a:bodyPr>
-          <a:lstStyle/>
-          <a:p>
-            <a:pPr indent="0" lvl="0" marL="0" rtl="0" algn="l">
-              <a:spcBef>
-                <a:spcPts val="0"/>
-              </a:spcBef>
-              <a:spcAft>
-                <a:spcPts val="0"/>
-              </a:spcAft>
-              <a:buNone/>
-            </a:pPr>
-            <a:r>
-              <a:rPr lang="en"/>
-              <a:t>In this approach, we concatenated the embeddings for User ID, Item ID, Item Feature ID and Context Feature and fed them to a:</a:t>
-            </a:r>
-            <a:endParaRPr/>
-          </a:p>
-          <a:p>
-            <a:pPr indent="-342900" lvl="0" marL="457200" rtl="0" algn="l">
-              <a:spcBef>
-                <a:spcPts val="1200"/>
-              </a:spcBef>
-              <a:spcAft>
-                <a:spcPts val="0"/>
-              </a:spcAft>
-              <a:buSzPts val="1800"/>
-              <a:buChar char="❖"/>
-            </a:pPr>
-            <a:r>
-              <a:rPr b="1" lang="en"/>
-              <a:t>Single Layered Neural network </a:t>
-            </a:r>
-            <a:r>
-              <a:rPr lang="en"/>
-              <a:t>with just one unit followed by a sigmoid layer. </a:t>
-            </a:r>
-            <a:endParaRPr/>
-          </a:p>
-          <a:p>
-            <a:pPr indent="-317500" lvl="1" marL="914400" rtl="0" algn="l">
-              <a:spcBef>
-                <a:spcPts val="0"/>
-              </a:spcBef>
-              <a:spcAft>
-                <a:spcPts val="0"/>
-              </a:spcAft>
-              <a:buSzPts val="1400"/>
-              <a:buChar char="➢"/>
-            </a:pPr>
-            <a:r>
-              <a:rPr lang="en"/>
-              <a:t>Best public leaderboard score achieved: 0.46545</a:t>
-            </a:r>
-            <a:endParaRPr/>
-          </a:p>
-          <a:p>
-            <a:pPr indent="-342900" lvl="0" marL="457200" rtl="0" algn="l">
-              <a:spcBef>
-                <a:spcPts val="0"/>
-              </a:spcBef>
-              <a:spcAft>
-                <a:spcPts val="0"/>
-              </a:spcAft>
-              <a:buSzPts val="1800"/>
-              <a:buChar char="❖"/>
-            </a:pPr>
-            <a:r>
-              <a:rPr b="1" lang="en"/>
-              <a:t>Multi Layered Neural Network </a:t>
-            </a:r>
-            <a:r>
-              <a:rPr lang="en"/>
-              <a:t>with non-linear ReLU activation between the layers. We also experimented with different learning rates, weight decay and dropout to the select model giving lowest validation error. </a:t>
-            </a:r>
-            <a:endParaRPr/>
-          </a:p>
-          <a:p>
-            <a:pPr indent="-317500" lvl="1" marL="914400" rtl="0" algn="l">
-              <a:spcBef>
-                <a:spcPts val="0"/>
-              </a:spcBef>
-              <a:spcAft>
-                <a:spcPts val="0"/>
-              </a:spcAft>
-              <a:buSzPts val="1400"/>
-              <a:buChar char="➢"/>
-            </a:pPr>
-            <a:r>
-              <a:rPr lang="en"/>
-              <a:t>Best public leaderboard score achieved: 0.44615</a:t>
-            </a:r>
-            <a:endParaRPr/>
-          </a:p>
-        </p:txBody>
-      </p:sp>
-    </p:spTree>
-  </p:cSld>
-  <p:clrMapOvr>
-    <a:masterClrMapping/>
-  </p:clrMapOvr>
-</p:sld>
-</file>
-
-<file path=ppt/slides/slide13.xml><?xml version="1.0" encoding="utf-8"?>
-<p:sld xmlns:a="http://schemas.openxmlformats.org/drawingml/2006/main" xmlns:r="http://schemas.openxmlformats.org/officeDocument/2006/relationships" xmlns:mc="http://schemas.openxmlformats.org/markup-compatibility/2006" xmlns:mv="urn:schemas-microsoft-com:mac:vml" xmlns:p="http://schemas.openxmlformats.org/presentationml/2006/main" xmlns:c="http://schemas.openxmlformats.org/drawingml/2006/chart" xmlns:dgm="http://schemas.openxmlformats.org/drawingml/2006/diagram" xmlns:o="urn:schemas-microsoft-com:office:office" xmlns:v="urn:schemas-microsoft-com:vml" xmlns:pvml="urn:schemas-microsoft-com:office:powerpoint" xmlns:com="http://schemas.openxmlformats.org/drawingml/2006/compatibility" xmlns:p14="http://schemas.microsoft.com/office/powerpoint/2010/main" xmlns:p15="http://schemas.microsoft.com/office/powerpoint/2012/main" xmlns:ahyp="http://schemas.microsoft.com/office/drawing/2018/hyperlinkcolor">
-  <p:cSld>
-    <p:spTree>
-      <p:nvGrpSpPr>
-        <p:cNvPr id="169" name="Shape 169"/>
-        <p:cNvGrpSpPr/>
-        <p:nvPr/>
-      </p:nvGrpSpPr>
-      <p:grpSpPr>
-        <a:xfrm>
-          <a:off x="0" y="0"/>
-          <a:ext cx="0" cy="0"/>
-          <a:chOff x="0" y="0"/>
-          <a:chExt cx="0" cy="0"/>
-        </a:xfrm>
-      </p:grpSpPr>
-      <p:sp>
-        <p:nvSpPr>
-          <p:cNvPr id="170" name="Google Shape;170;p25"/>
-          <p:cNvSpPr txBox="1"/>
-          <p:nvPr>
-            <p:ph type="title"/>
-          </p:nvPr>
-        </p:nvSpPr>
-        <p:spPr>
-          <a:xfrm>
-            <a:off x="311700" y="315925"/>
-            <a:ext cx="8520600" cy="831300"/>
-          </a:xfrm>
-          <a:prstGeom prst="rect">
-            <a:avLst/>
-          </a:prstGeom>
-        </p:spPr>
-        <p:txBody>
-          <a:bodyPr anchorCtr="0" anchor="b" bIns="91425" lIns="91425" spcFirstLastPara="1" rIns="91425" wrap="square" tIns="91425">
-            <a:normAutofit/>
-          </a:bodyPr>
-          <a:lstStyle/>
-          <a:p>
-            <a:pPr indent="0" lvl="0" marL="0" rtl="0" algn="l">
-              <a:spcBef>
-                <a:spcPts val="0"/>
-              </a:spcBef>
-              <a:spcAft>
-                <a:spcPts val="0"/>
-              </a:spcAft>
-              <a:buNone/>
-            </a:pPr>
-            <a:r>
-              <a:rPr lang="en"/>
-              <a:t>Experimental results: Ensembling</a:t>
-            </a:r>
-            <a:endParaRPr/>
-          </a:p>
-        </p:txBody>
-      </p:sp>
-      <p:sp>
-        <p:nvSpPr>
-          <p:cNvPr id="171" name="Google Shape;171;p25"/>
-          <p:cNvSpPr txBox="1"/>
-          <p:nvPr>
-            <p:ph idx="1" type="body"/>
-          </p:nvPr>
-        </p:nvSpPr>
-        <p:spPr>
-          <a:xfrm>
-            <a:off x="311700" y="1225225"/>
-            <a:ext cx="8520600" cy="3354000"/>
-          </a:xfrm>
-          <a:prstGeom prst="rect">
-            <a:avLst/>
-          </a:prstGeom>
-        </p:spPr>
-        <p:txBody>
-          <a:bodyPr anchorCtr="0" anchor="t" bIns="91425" lIns="91425" spcFirstLastPara="1" rIns="91425" wrap="square" tIns="91425">
-            <a:normAutofit/>
-          </a:bodyPr>
-          <a:lstStyle/>
-          <a:p>
-            <a:pPr indent="-342900" lvl="0" marL="457200" rtl="0" algn="l">
-              <a:spcBef>
-                <a:spcPts val="0"/>
-              </a:spcBef>
-              <a:spcAft>
-                <a:spcPts val="0"/>
-              </a:spcAft>
-              <a:buSzPts val="1800"/>
-              <a:buChar char="❖"/>
-            </a:pPr>
-            <a:r>
-              <a:rPr lang="en"/>
-              <a:t>We also tried different techniques for ensembling the models together.</a:t>
-            </a:r>
-            <a:endParaRPr/>
-          </a:p>
-          <a:p>
-            <a:pPr indent="-342900" lvl="0" marL="457200" rtl="0" algn="l">
-              <a:spcBef>
-                <a:spcPts val="0"/>
-              </a:spcBef>
-              <a:spcAft>
-                <a:spcPts val="0"/>
-              </a:spcAft>
-              <a:buSzPts val="1800"/>
-              <a:buChar char="❖"/>
-            </a:pPr>
-            <a:r>
-              <a:rPr lang="en"/>
-              <a:t>We found that taking the average of the predictions from different models gives much better performance as compared to the individual models.</a:t>
-            </a:r>
-            <a:endParaRPr/>
-          </a:p>
-          <a:p>
-            <a:pPr indent="-317500" lvl="1" marL="914400" rtl="0" algn="l">
-              <a:spcBef>
-                <a:spcPts val="0"/>
-              </a:spcBef>
-              <a:spcAft>
-                <a:spcPts val="0"/>
-              </a:spcAft>
-              <a:buSzPts val="1400"/>
-              <a:buChar char="➢"/>
-            </a:pPr>
-            <a:r>
-              <a:rPr lang="en"/>
-              <a:t>Best public leaderboard score achieved: 0.42423</a:t>
-            </a:r>
-            <a:endParaRPr/>
-          </a:p>
-          <a:p>
-            <a:pPr indent="0" lvl="0" marL="0" rtl="0" algn="l">
-              <a:spcBef>
-                <a:spcPts val="1200"/>
-              </a:spcBef>
-              <a:spcAft>
-                <a:spcPts val="1200"/>
-              </a:spcAft>
-              <a:buNone/>
-            </a:pPr>
-            <a:r>
-              <a:t/>
-            </a:r>
-            <a:endParaRPr/>
-          </a:p>
-        </p:txBody>
-      </p:sp>
-    </p:spTree>
-  </p:cSld>
-  <p:clrMapOvr>
-    <a:masterClrMapping/>
-  </p:clrMapOvr>
-</p:sld>
-</file>
-
-<file path=ppt/slides/slide2.xml><?xml version="1.0" encoding="utf-8"?>
-<p:sld xmlns:a="http://schemas.openxmlformats.org/drawingml/2006/main" xmlns:r="http://schemas.openxmlformats.org/officeDocument/2006/relationships" xmlns:mc="http://schemas.openxmlformats.org/markup-compatibility/2006" xmlns:mv="urn:schemas-microsoft-com:mac:vml" xmlns:p="http://schemas.openxmlformats.org/presentationml/2006/main" xmlns:c="http://schemas.openxmlformats.org/drawingml/2006/chart" xmlns:dgm="http://schemas.openxmlformats.org/drawingml/2006/diagram" xmlns:o="urn:schemas-microsoft-com:office:office" xmlns:v="urn:schemas-microsoft-com:vml" xmlns:pvml="urn:schemas-microsoft-com:office:powerpoint" xmlns:com="http://schemas.openxmlformats.org/drawingml/2006/compatibility" xmlns:p14="http://schemas.microsoft.com/office/powerpoint/2010/main" xmlns:p15="http://schemas.microsoft.com/office/powerpoint/2012/main" xmlns:ahyp="http://schemas.microsoft.com/office/drawing/2018/hyperlinkcolor">
-  <p:cSld>
-    <p:spTree>
-      <p:nvGrpSpPr>
-        <p:cNvPr id="68" name="Shape 68"/>
-        <p:cNvGrpSpPr/>
-        <p:nvPr/>
-      </p:nvGrpSpPr>
-      <p:grpSpPr>
-        <a:xfrm>
-          <a:off x="0" y="0"/>
-          <a:ext cx="0" cy="0"/>
-          <a:chOff x="0" y="0"/>
-          <a:chExt cx="0" cy="0"/>
-        </a:xfrm>
-      </p:grpSpPr>
-      <p:sp>
-        <p:nvSpPr>
-          <p:cNvPr id="69" name="Google Shape;69;p14"/>
-          <p:cNvSpPr txBox="1"/>
-          <p:nvPr>
-            <p:ph type="title"/>
-          </p:nvPr>
-        </p:nvSpPr>
-        <p:spPr>
-          <a:xfrm>
-            <a:off x="311700" y="315925"/>
-            <a:ext cx="8520600" cy="831300"/>
-          </a:xfrm>
-          <a:prstGeom prst="rect">
-            <a:avLst/>
-          </a:prstGeom>
-        </p:spPr>
-        <p:txBody>
-          <a:bodyPr anchorCtr="0" anchor="b" bIns="91425" lIns="91425" spcFirstLastPara="1" rIns="91425" wrap="square" tIns="91425">
-            <a:normAutofit/>
-          </a:bodyPr>
-          <a:lstStyle/>
-          <a:p>
-            <a:pPr indent="0" lvl="0" marL="0" rtl="0" algn="l">
-              <a:spcBef>
-                <a:spcPts val="0"/>
-              </a:spcBef>
-              <a:spcAft>
-                <a:spcPts val="0"/>
-              </a:spcAft>
-              <a:buNone/>
-            </a:pPr>
-            <a:r>
-              <a:rPr lang="en"/>
-              <a:t>Context</a:t>
-            </a:r>
-            <a:endParaRPr/>
-          </a:p>
-        </p:txBody>
-      </p:sp>
-      <p:sp>
-        <p:nvSpPr>
-          <p:cNvPr id="70" name="Google Shape;70;p14"/>
-          <p:cNvSpPr txBox="1"/>
-          <p:nvPr>
-            <p:ph idx="1" type="body"/>
-          </p:nvPr>
-        </p:nvSpPr>
-        <p:spPr>
-          <a:xfrm>
-            <a:off x="311700" y="1225225"/>
-            <a:ext cx="8520600" cy="3354000"/>
-          </a:xfrm>
-          <a:prstGeom prst="rect">
-            <a:avLst/>
-          </a:prstGeom>
-        </p:spPr>
-        <p:txBody>
-          <a:bodyPr anchorCtr="0" anchor="t" bIns="91425" lIns="91425" spcFirstLastPara="1" rIns="91425" wrap="square" tIns="91425">
-            <a:normAutofit/>
-          </a:bodyPr>
-          <a:lstStyle/>
-          <a:p>
-            <a:pPr indent="-342900" lvl="0" marL="457200" rtl="0" algn="l">
-              <a:spcBef>
-                <a:spcPts val="0"/>
-              </a:spcBef>
-              <a:spcAft>
-                <a:spcPts val="0"/>
-              </a:spcAft>
-              <a:buSzPts val="1800"/>
-              <a:buChar char="❖"/>
-            </a:pPr>
-            <a:r>
-              <a:rPr lang="en"/>
-              <a:t>D</a:t>
-            </a:r>
-            <a:r>
-              <a:rPr lang="en"/>
-              <a:t>ata of 170K users and a list of items liked by each user was provided.</a:t>
-            </a:r>
-            <a:endParaRPr/>
-          </a:p>
-          <a:p>
-            <a:pPr indent="-342900" lvl="0" marL="457200" rtl="0" algn="l">
+            <a:pPr marL="457200" lvl="0" indent="-342900" algn="l" rtl="0">
               <a:spcBef>
                 <a:spcPts val="0"/>
               </a:spcBef>
@@ -8334,7 +7691,7 @@
             <a:endParaRPr/>
           </a:p>
           <a:p>
-            <a:pPr indent="-342900" lvl="0" marL="457200" rtl="0" algn="l">
+            <a:pPr marL="457200" lvl="0" indent="-342900" algn="l" rtl="0">
               <a:spcBef>
                 <a:spcPts val="0"/>
               </a:spcBef>
@@ -8361,11 +7718,11 @@
 </file>
 
 <file path=ppt/slides/slide3.xml><?xml version="1.0" encoding="utf-8"?>
-<p:sld xmlns:a="http://schemas.openxmlformats.org/drawingml/2006/main" xmlns:r="http://schemas.openxmlformats.org/officeDocument/2006/relationships" xmlns:mc="http://schemas.openxmlformats.org/markup-compatibility/2006" xmlns:mv="urn:schemas-microsoft-com:mac:vml" xmlns:p="http://schemas.openxmlformats.org/presentationml/2006/main" xmlns:c="http://schemas.openxmlformats.org/drawingml/2006/chart" xmlns:dgm="http://schemas.openxmlformats.org/drawingml/2006/diagram" xmlns:o="urn:schemas-microsoft-com:office:office" xmlns:v="urn:schemas-microsoft-com:vml" xmlns:pvml="urn:schemas-microsoft-com:office:powerpoint" xmlns:com="http://schemas.openxmlformats.org/drawingml/2006/compatibility" xmlns:p14="http://schemas.microsoft.com/office/powerpoint/2010/main" xmlns:p15="http://schemas.microsoft.com/office/powerpoint/2012/main" xmlns:ahyp="http://schemas.microsoft.com/office/drawing/2018/hyperlinkcolor">
+<p:sld xmlns:a="http://schemas.openxmlformats.org/drawingml/2006/main" xmlns:r="http://schemas.openxmlformats.org/officeDocument/2006/relationships" xmlns:p="http://schemas.openxmlformats.org/presentationml/2006/main">
   <p:cSld>
     <p:spTree>
       <p:nvGrpSpPr>
-        <p:cNvPr id="74" name="Shape 74"/>
+        <p:cNvPr id="1" name="Shape 74"/>
         <p:cNvGrpSpPr/>
         <p:nvPr/>
       </p:nvGrpSpPr>
@@ -8380,7 +7737,9 @@
       <p:sp>
         <p:nvSpPr>
           <p:cNvPr id="75" name="Google Shape;75;p15"/>
-          <p:cNvSpPr txBox="1"/>
+          <p:cNvSpPr txBox="1">
+            <a:spLocks noGrp="1"/>
+          </p:cNvSpPr>
           <p:nvPr>
             <p:ph type="title"/>
           </p:nvPr>
@@ -8395,12 +7754,12 @@
           </a:prstGeom>
         </p:spPr>
         <p:txBody>
-          <a:bodyPr anchorCtr="0" anchor="b" bIns="91425" lIns="91425" spcFirstLastPara="1" rIns="91425" wrap="square" tIns="91425">
+          <a:bodyPr spcFirstLastPara="1" wrap="square" lIns="91425" tIns="91425" rIns="91425" bIns="91425" anchor="b" anchorCtr="0">
             <a:normAutofit/>
           </a:bodyPr>
           <a:lstStyle/>
           <a:p>
-            <a:pPr indent="0" lvl="0" marL="0" rtl="0" algn="l">
+            <a:pPr marL="0" lvl="0" indent="0" algn="l" rtl="0">
               <a:spcBef>
                 <a:spcPts val="0"/>
               </a:spcBef>
@@ -8420,9 +7779,11 @@
       <p:sp>
         <p:nvSpPr>
           <p:cNvPr id="76" name="Google Shape;76;p15"/>
-          <p:cNvSpPr txBox="1"/>
+          <p:cNvSpPr txBox="1">
+            <a:spLocks noGrp="1"/>
+          </p:cNvSpPr>
           <p:nvPr>
-            <p:ph idx="1" type="body"/>
+            <p:ph type="body" idx="1"/>
           </p:nvPr>
         </p:nvSpPr>
         <p:spPr>
@@ -8435,12 +7796,12 @@
           </a:prstGeom>
         </p:spPr>
         <p:txBody>
-          <a:bodyPr anchorCtr="0" anchor="t" bIns="91425" lIns="91425" spcFirstLastPara="1" rIns="91425" wrap="square" tIns="91425">
+          <a:bodyPr spcFirstLastPara="1" wrap="square" lIns="91425" tIns="91425" rIns="91425" bIns="91425" anchor="t" anchorCtr="0">
             <a:normAutofit lnSpcReduction="10000"/>
           </a:bodyPr>
           <a:lstStyle/>
           <a:p>
-            <a:pPr indent="-342900" lvl="0" marL="457200" rtl="0" algn="l">
+            <a:pPr marL="457200" lvl="0" indent="-342900" algn="l" rtl="0">
               <a:spcBef>
                 <a:spcPts val="0"/>
               </a:spcBef>
@@ -8457,7 +7818,7 @@
             <a:endParaRPr/>
           </a:p>
           <a:p>
-            <a:pPr indent="-342900" lvl="0" marL="457200" rtl="0" algn="l">
+            <a:pPr marL="457200" lvl="0" indent="-342900" algn="l" rtl="0">
               <a:spcBef>
                 <a:spcPts val="0"/>
               </a:spcBef>
@@ -8474,7 +7835,7 @@
             <a:endParaRPr/>
           </a:p>
           <a:p>
-            <a:pPr indent="-342900" lvl="0" marL="457200" rtl="0" algn="l">
+            <a:pPr marL="457200" lvl="0" indent="-342900" algn="l" rtl="0">
               <a:spcBef>
                 <a:spcPts val="0"/>
               </a:spcBef>
@@ -8485,13 +7846,13 @@
               <a:buChar char="❖"/>
             </a:pPr>
             <a:r>
-              <a:rPr b="1" lang="en"/>
+              <a:rPr lang="en" b="1"/>
               <a:t>Negative Sampling approach</a:t>
             </a:r>
             <a:endParaRPr/>
           </a:p>
           <a:p>
-            <a:pPr indent="-317500" lvl="1" marL="914400" rtl="0" algn="l">
+            <a:pPr marL="914400" lvl="1" indent="-317500" algn="l" rtl="0">
               <a:spcBef>
                 <a:spcPts val="0"/>
               </a:spcBef>
@@ -8508,7 +7869,7 @@
             <a:endParaRPr/>
           </a:p>
           <a:p>
-            <a:pPr indent="-317500" lvl="1" marL="914400" rtl="0" algn="l">
+            <a:pPr marL="914400" lvl="1" indent="-317500" algn="l" rtl="0">
               <a:spcBef>
                 <a:spcPts val="0"/>
               </a:spcBef>
@@ -8525,7 +7886,7 @@
             <a:endParaRPr/>
           </a:p>
           <a:p>
-            <a:pPr indent="-317500" lvl="1" marL="914400" rtl="0" algn="l">
+            <a:pPr marL="914400" lvl="1" indent="-317500" algn="l" rtl="0">
               <a:spcBef>
                 <a:spcPts val="0"/>
               </a:spcBef>
@@ -8542,7 +7903,7 @@
             <a:endParaRPr/>
           </a:p>
           <a:p>
-            <a:pPr indent="-342900" lvl="0" marL="457200" rtl="0" algn="l">
+            <a:pPr marL="457200" lvl="0" indent="-342900" algn="l" rtl="0">
               <a:spcBef>
                 <a:spcPts val="0"/>
               </a:spcBef>
@@ -8559,7 +7920,7 @@
             <a:endParaRPr/>
           </a:p>
           <a:p>
-            <a:pPr indent="-342900" lvl="0" marL="457200" rtl="0" algn="l">
+            <a:pPr marL="457200" lvl="0" indent="-342900" algn="l" rtl="0">
               <a:spcBef>
                 <a:spcPts val="0"/>
               </a:spcBef>
@@ -8571,15 +7932,7 @@
             </a:pPr>
             <a:r>
               <a:rPr lang="en"/>
-              <a:t>To solve for the cold start problem,</a:t>
-            </a:r>
-            <a:r>
-              <a:rPr lang="en"/>
-              <a:t> 10% of the users and 5% of the </a:t>
-            </a:r>
-            <a:r>
-              <a:rPr lang="en"/>
-              <a:t>items are assumed to be unknown in the training data.</a:t>
+              <a:t>To solve for the cold start problem, 10% of the users and 5% of the items are assumed to be unknown in the training data.</a:t>
             </a:r>
             <a:endParaRPr/>
           </a:p>
@@ -8594,11 +7947,11 @@
 </file>
 
 <file path=ppt/slides/slide4.xml><?xml version="1.0" encoding="utf-8"?>
-<p:sld xmlns:a="http://schemas.openxmlformats.org/drawingml/2006/main" xmlns:r="http://schemas.openxmlformats.org/officeDocument/2006/relationships" xmlns:mc="http://schemas.openxmlformats.org/markup-compatibility/2006" xmlns:mv="urn:schemas-microsoft-com:mac:vml" xmlns:p="http://schemas.openxmlformats.org/presentationml/2006/main" xmlns:c="http://schemas.openxmlformats.org/drawingml/2006/chart" xmlns:dgm="http://schemas.openxmlformats.org/drawingml/2006/diagram" xmlns:o="urn:schemas-microsoft-com:office:office" xmlns:v="urn:schemas-microsoft-com:vml" xmlns:pvml="urn:schemas-microsoft-com:office:powerpoint" xmlns:com="http://schemas.openxmlformats.org/drawingml/2006/compatibility" xmlns:p14="http://schemas.microsoft.com/office/powerpoint/2010/main" xmlns:p15="http://schemas.microsoft.com/office/powerpoint/2012/main" xmlns:ahyp="http://schemas.microsoft.com/office/drawing/2018/hyperlinkcolor">
+<p:sld xmlns:a="http://schemas.openxmlformats.org/drawingml/2006/main" xmlns:r="http://schemas.openxmlformats.org/officeDocument/2006/relationships" xmlns:p="http://schemas.openxmlformats.org/presentationml/2006/main">
   <p:cSld>
     <p:spTree>
       <p:nvGrpSpPr>
-        <p:cNvPr id="80" name="Shape 80"/>
+        <p:cNvPr id="1" name="Shape 80"/>
         <p:cNvGrpSpPr/>
         <p:nvPr/>
       </p:nvGrpSpPr>
@@ -8613,7 +7966,9 @@
       <p:sp>
         <p:nvSpPr>
           <p:cNvPr id="81" name="Google Shape;81;p16"/>
-          <p:cNvSpPr txBox="1"/>
+          <p:cNvSpPr txBox="1">
+            <a:spLocks noGrp="1"/>
+          </p:cNvSpPr>
           <p:nvPr>
             <p:ph type="title"/>
           </p:nvPr>
@@ -8628,12 +7983,12 @@
           </a:prstGeom>
         </p:spPr>
         <p:txBody>
-          <a:bodyPr anchorCtr="0" anchor="b" bIns="91425" lIns="91425" spcFirstLastPara="1" rIns="91425" wrap="square" tIns="91425">
+          <a:bodyPr spcFirstLastPara="1" wrap="square" lIns="91425" tIns="91425" rIns="91425" bIns="91425" anchor="b" anchorCtr="0">
             <a:normAutofit/>
           </a:bodyPr>
           <a:lstStyle/>
           <a:p>
-            <a:pPr indent="0" lvl="0" marL="0" rtl="0" algn="l">
+            <a:pPr marL="0" lvl="0" indent="0" algn="l" rtl="0">
               <a:spcBef>
                 <a:spcPts val="0"/>
               </a:spcBef>
@@ -8653,9 +8008,11 @@
       <p:sp>
         <p:nvSpPr>
           <p:cNvPr id="82" name="Google Shape;82;p16"/>
-          <p:cNvSpPr txBox="1"/>
+          <p:cNvSpPr txBox="1">
+            <a:spLocks noGrp="1"/>
+          </p:cNvSpPr>
           <p:nvPr>
-            <p:ph idx="1" type="body"/>
+            <p:ph type="body" idx="1"/>
           </p:nvPr>
         </p:nvSpPr>
         <p:spPr>
@@ -8668,12 +8025,12 @@
           </a:prstGeom>
         </p:spPr>
         <p:txBody>
-          <a:bodyPr anchorCtr="0" anchor="t" bIns="91425" lIns="91425" spcFirstLastPara="1" rIns="91425" wrap="square" tIns="91425">
+          <a:bodyPr spcFirstLastPara="1" wrap="square" lIns="91425" tIns="91425" rIns="91425" bIns="91425" anchor="t" anchorCtr="0">
             <a:normAutofit/>
           </a:bodyPr>
           <a:lstStyle/>
           <a:p>
-            <a:pPr indent="-342900" lvl="0" marL="457200" rtl="0" algn="l">
+            <a:pPr marL="457200" lvl="0" indent="-342900" algn="l" rtl="0">
               <a:spcBef>
                 <a:spcPts val="0"/>
               </a:spcBef>
@@ -8684,7 +8041,7 @@
               <a:buChar char="❖"/>
             </a:pPr>
             <a:r>
-              <a:rPr b="1" lang="en"/>
+              <a:rPr lang="en" b="1"/>
               <a:t>User ID</a:t>
             </a:r>
             <a:r>
@@ -8694,7 +8051,7 @@
             <a:endParaRPr/>
           </a:p>
           <a:p>
-            <a:pPr indent="-342900" lvl="0" marL="457200" rtl="0" algn="l">
+            <a:pPr marL="457200" lvl="0" indent="-342900" algn="l" rtl="0">
               <a:spcBef>
                 <a:spcPts val="0"/>
               </a:spcBef>
@@ -8705,7 +8062,7 @@
               <a:buChar char="❖"/>
             </a:pPr>
             <a:r>
-              <a:rPr b="1" lang="en"/>
+              <a:rPr lang="en" b="1"/>
               <a:t>Item ID</a:t>
             </a:r>
             <a:r>
@@ -8715,7 +8072,7 @@
             <a:endParaRPr/>
           </a:p>
           <a:p>
-            <a:pPr indent="-342900" lvl="0" marL="457200" rtl="0" algn="l">
+            <a:pPr marL="457200" lvl="0" indent="-342900" algn="l" rtl="0">
               <a:spcBef>
                 <a:spcPts val="0"/>
               </a:spcBef>
@@ -8726,25 +8083,17 @@
               <a:buChar char="❖"/>
             </a:pPr>
             <a:r>
-              <a:rPr b="1" lang="en"/>
+              <a:rPr lang="en" b="1"/>
               <a:t>Item Feature ID</a:t>
             </a:r>
             <a:r>
               <a:rPr lang="en"/>
-              <a:t> - one-to-one mapping with the Item I</a:t>
-            </a:r>
-            <a:r>
-              <a:rPr lang="en"/>
-              <a:t>D in the data</a:t>
-            </a:r>
-            <a:r>
-              <a:rPr lang="en"/>
-              <a:t>.</a:t>
+              <a:t> - one-to-one mapping with the Item ID in the data.</a:t>
             </a:r>
             <a:endParaRPr/>
           </a:p>
           <a:p>
-            <a:pPr indent="-342900" lvl="0" marL="457200" rtl="0" algn="l">
+            <a:pPr marL="457200" lvl="0" indent="-342900" algn="l" rtl="0">
               <a:spcBef>
                 <a:spcPts val="0"/>
               </a:spcBef>
@@ -8755,7 +8104,7 @@
               <a:buChar char="❖"/>
             </a:pPr>
             <a:r>
-              <a:rPr b="1" lang="en"/>
+              <a:rPr lang="en" b="1"/>
               <a:t>User Context ID</a:t>
             </a:r>
             <a:r>
@@ -8775,11 +8124,11 @@
 </file>
 
 <file path=ppt/slides/slide5.xml><?xml version="1.0" encoding="utf-8"?>
-<p:sld xmlns:a="http://schemas.openxmlformats.org/drawingml/2006/main" xmlns:r="http://schemas.openxmlformats.org/officeDocument/2006/relationships" xmlns:mc="http://schemas.openxmlformats.org/markup-compatibility/2006" xmlns:mv="urn:schemas-microsoft-com:mac:vml" xmlns:p="http://schemas.openxmlformats.org/presentationml/2006/main" xmlns:c="http://schemas.openxmlformats.org/drawingml/2006/chart" xmlns:dgm="http://schemas.openxmlformats.org/drawingml/2006/diagram" xmlns:o="urn:schemas-microsoft-com:office:office" xmlns:v="urn:schemas-microsoft-com:vml" xmlns:pvml="urn:schemas-microsoft-com:office:powerpoint" xmlns:com="http://schemas.openxmlformats.org/drawingml/2006/compatibility" xmlns:p14="http://schemas.microsoft.com/office/powerpoint/2010/main" xmlns:p15="http://schemas.microsoft.com/office/powerpoint/2012/main" xmlns:ahyp="http://schemas.microsoft.com/office/drawing/2018/hyperlinkcolor">
+<p:sld xmlns:a="http://schemas.openxmlformats.org/drawingml/2006/main" xmlns:r="http://schemas.openxmlformats.org/officeDocument/2006/relationships" xmlns:p="http://schemas.openxmlformats.org/presentationml/2006/main">
   <p:cSld>
     <p:spTree>
       <p:nvGrpSpPr>
-        <p:cNvPr id="86" name="Shape 86"/>
+        <p:cNvPr id="1" name="Shape 86"/>
         <p:cNvGrpSpPr/>
         <p:nvPr/>
       </p:nvGrpSpPr>
@@ -8794,7 +8143,9 @@
       <p:sp>
         <p:nvSpPr>
           <p:cNvPr id="87" name="Google Shape;87;p17"/>
-          <p:cNvSpPr txBox="1"/>
+          <p:cNvSpPr txBox="1">
+            <a:spLocks noGrp="1"/>
+          </p:cNvSpPr>
           <p:nvPr>
             <p:ph type="title"/>
           </p:nvPr>
@@ -8809,12 +8160,12 @@
           </a:prstGeom>
         </p:spPr>
         <p:txBody>
-          <a:bodyPr anchorCtr="0" anchor="b" bIns="91425" lIns="91425" spcFirstLastPara="1" rIns="91425" wrap="square" tIns="91425">
+          <a:bodyPr spcFirstLastPara="1" wrap="square" lIns="91425" tIns="91425" rIns="91425" bIns="91425" anchor="b" anchorCtr="0">
             <a:normAutofit/>
           </a:bodyPr>
           <a:lstStyle/>
           <a:p>
-            <a:pPr indent="0" lvl="0" marL="0" rtl="0" algn="l">
+            <a:pPr marL="0" lvl="0" indent="0" algn="l" rtl="0">
               <a:spcBef>
                 <a:spcPts val="0"/>
               </a:spcBef>
@@ -8881,12 +8232,12 @@
               </a:ln>
             </p:spPr>
             <p:txBody>
-              <a:bodyPr anchorCtr="0" anchor="ctr" bIns="91425" lIns="91425" spcFirstLastPara="1" rIns="91425" wrap="square" tIns="91425">
+              <a:bodyPr spcFirstLastPara="1" wrap="square" lIns="91425" tIns="91425" rIns="91425" bIns="91425" anchor="ctr" anchorCtr="0">
                 <a:noAutofit/>
               </a:bodyPr>
               <a:lstStyle/>
               <a:p>
-                <a:pPr indent="0" lvl="0" marL="0" rtl="0" algn="l">
+                <a:pPr marL="0" lvl="0" indent="0" algn="l" rtl="0">
                   <a:spcBef>
                     <a:spcPts val="0"/>
                   </a:spcBef>
@@ -8895,9 +8246,6 @@
                   </a:spcAft>
                   <a:buNone/>
                 </a:pPr>
-                <a:r>
-                  <a:t/>
-                </a:r>
                 <a:endParaRPr/>
               </a:p>
             </p:txBody>
@@ -8924,12 +8272,12 @@
               </a:ln>
             </p:spPr>
             <p:txBody>
-              <a:bodyPr anchorCtr="0" anchor="ctr" bIns="91425" lIns="91425" spcFirstLastPara="1" rIns="91425" wrap="square" tIns="91425">
+              <a:bodyPr spcFirstLastPara="1" wrap="square" lIns="91425" tIns="91425" rIns="91425" bIns="91425" anchor="ctr" anchorCtr="0">
                 <a:noAutofit/>
               </a:bodyPr>
               <a:lstStyle/>
               <a:p>
-                <a:pPr indent="0" lvl="0" marL="0" rtl="0" algn="l">
+                <a:pPr marL="0" lvl="0" indent="0" algn="l" rtl="0">
                   <a:spcBef>
                     <a:spcPts val="0"/>
                   </a:spcBef>
@@ -8938,9 +8286,6 @@
                   </a:spcAft>
                   <a:buNone/>
                 </a:pPr>
-                <a:r>
-                  <a:t/>
-                </a:r>
                 <a:endParaRPr/>
               </a:p>
             </p:txBody>
@@ -8967,12 +8312,12 @@
               </a:ln>
             </p:spPr>
             <p:txBody>
-              <a:bodyPr anchorCtr="0" anchor="ctr" bIns="91425" lIns="91425" spcFirstLastPara="1" rIns="91425" wrap="square" tIns="91425">
+              <a:bodyPr spcFirstLastPara="1" wrap="square" lIns="91425" tIns="91425" rIns="91425" bIns="91425" anchor="ctr" anchorCtr="0">
                 <a:noAutofit/>
               </a:bodyPr>
               <a:lstStyle/>
               <a:p>
-                <a:pPr indent="0" lvl="0" marL="0" rtl="0" algn="l">
+                <a:pPr marL="0" lvl="0" indent="0" algn="l" rtl="0">
                   <a:spcBef>
                     <a:spcPts val="0"/>
                   </a:spcBef>
@@ -8981,9 +8326,6 @@
                   </a:spcAft>
                   <a:buNone/>
                 </a:pPr>
-                <a:r>
-                  <a:t/>
-                </a:r>
                 <a:endParaRPr/>
               </a:p>
             </p:txBody>
@@ -9008,12 +8350,12 @@
               </a:ln>
             </p:spPr>
             <p:txBody>
-              <a:bodyPr anchorCtr="0" anchor="ctr" bIns="91425" lIns="91425" spcFirstLastPara="1" rIns="91425" wrap="square" tIns="91425">
+              <a:bodyPr spcFirstLastPara="1" wrap="square" lIns="91425" tIns="91425" rIns="91425" bIns="91425" anchor="ctr" anchorCtr="0">
                 <a:noAutofit/>
               </a:bodyPr>
               <a:lstStyle/>
               <a:p>
-                <a:pPr indent="0" lvl="0" marL="0" rtl="0" algn="l">
+                <a:pPr marL="0" lvl="0" indent="0" algn="l" rtl="0">
                   <a:lnSpc>
                     <a:spcPct val="115000"/>
                   </a:lnSpc>
@@ -9070,7 +8412,7 @@
                 <a:noFill/>
               </a:ln>
               <a:effectLst>
-                <a:outerShdw blurRad="71438" rotWithShape="0" algn="bl" dir="2700000" dist="28575">
+                <a:outerShdw blurRad="71438" dist="28575" dir="2700000" algn="bl" rotWithShape="0">
                   <a:srgbClr val="000000">
                     <a:alpha val="17000"/>
                   </a:srgbClr>
@@ -9078,12 +8420,12 @@
               </a:effectLst>
             </p:spPr>
             <p:txBody>
-              <a:bodyPr anchorCtr="0" anchor="ctr" bIns="91425" lIns="91425" spcFirstLastPara="1" rIns="91425" wrap="square" tIns="91425">
+              <a:bodyPr spcFirstLastPara="1" wrap="square" lIns="91425" tIns="91425" rIns="91425" bIns="91425" anchor="ctr" anchorCtr="0">
                 <a:noAutofit/>
               </a:bodyPr>
               <a:lstStyle/>
               <a:p>
-                <a:pPr indent="0" lvl="0" marL="0" rtl="0" algn="l">
+                <a:pPr marL="0" lvl="0" indent="0" algn="l" rtl="0">
                   <a:spcBef>
                     <a:spcPts val="0"/>
                   </a:spcBef>
@@ -9092,9 +8434,6 @@
                   </a:spcAft>
                   <a:buNone/>
                 </a:pPr>
-                <a:r>
-                  <a:t/>
-                </a:r>
                 <a:endParaRPr/>
               </a:p>
             </p:txBody>
@@ -9121,12 +8460,12 @@
               </a:ln>
             </p:spPr>
             <p:txBody>
-              <a:bodyPr anchorCtr="0" anchor="ctr" bIns="91425" lIns="91425" spcFirstLastPara="1" rIns="91425" wrap="square" tIns="91425">
+              <a:bodyPr spcFirstLastPara="1" wrap="square" lIns="91425" tIns="91425" rIns="91425" bIns="91425" anchor="ctr" anchorCtr="0">
                 <a:noAutofit/>
               </a:bodyPr>
               <a:lstStyle/>
               <a:p>
-                <a:pPr indent="0" lvl="0" marL="0" rtl="0" algn="ctr">
+                <a:pPr marL="0" lvl="0" indent="0" algn="ctr" rtl="0">
                   <a:spcBef>
                     <a:spcPts val="0"/>
                   </a:spcBef>
@@ -9179,12 +8518,12 @@
               </a:ln>
             </p:spPr>
             <p:txBody>
-              <a:bodyPr anchorCtr="0" anchor="ctr" bIns="91425" lIns="91425" spcFirstLastPara="1" rIns="91425" wrap="square" tIns="91425">
+              <a:bodyPr spcFirstLastPara="1" wrap="square" lIns="91425" tIns="91425" rIns="91425" bIns="91425" anchor="ctr" anchorCtr="0">
                 <a:noAutofit/>
               </a:bodyPr>
               <a:lstStyle/>
               <a:p>
-                <a:pPr indent="-292100" lvl="0" marL="457200" rtl="0" algn="l">
+                <a:pPr marL="457200" lvl="0" indent="-292100" algn="l" rtl="0">
                   <a:lnSpc>
                     <a:spcPct val="115000"/>
                   </a:lnSpc>
@@ -9211,31 +8550,7 @@
                     <a:cs typeface="Open Sans"/>
                     <a:sym typeface="Open Sans"/>
                   </a:rPr>
-                  <a:t>Trained models with different embedding sizes and </a:t>
-                </a:r>
-                <a:r>
-                  <a:rPr lang="en" sz="1000">
-                    <a:solidFill>
-                      <a:srgbClr val="A72A1E"/>
-                    </a:solidFill>
-                    <a:latin typeface="Open Sans"/>
-                    <a:ea typeface="Open Sans"/>
-                    <a:cs typeface="Open Sans"/>
-                    <a:sym typeface="Open Sans"/>
-                  </a:rPr>
-                  <a:t>ensembled</a:t>
-                </a:r>
-                <a:r>
-                  <a:rPr lang="en" sz="1000">
-                    <a:solidFill>
-                      <a:srgbClr val="A72A1E"/>
-                    </a:solidFill>
-                    <a:latin typeface="Open Sans"/>
-                    <a:ea typeface="Open Sans"/>
-                    <a:cs typeface="Open Sans"/>
-                    <a:sym typeface="Open Sans"/>
-                  </a:rPr>
-                  <a:t> them by taking the average of the predictions given by each model.</a:t>
+                  <a:t>Trained models with different embedding sizes and ensembled them by taking the average of the predictions given by each model.</a:t>
                 </a:r>
                 <a:endParaRPr sz="1000">
                   <a:solidFill>
@@ -9286,12 +8601,12 @@
               </a:ln>
             </p:spPr>
             <p:txBody>
-              <a:bodyPr anchorCtr="0" anchor="ctr" bIns="91425" lIns="91425" spcFirstLastPara="1" rIns="91425" wrap="square" tIns="91425">
+              <a:bodyPr spcFirstLastPara="1" wrap="square" lIns="91425" tIns="91425" rIns="91425" bIns="91425" anchor="ctr" anchorCtr="0">
                 <a:noAutofit/>
               </a:bodyPr>
               <a:lstStyle/>
               <a:p>
-                <a:pPr indent="0" lvl="0" marL="0" rtl="0" algn="l">
+                <a:pPr marL="0" lvl="0" indent="0" algn="l" rtl="0">
                   <a:spcBef>
                     <a:spcPts val="0"/>
                   </a:spcBef>
@@ -9300,9 +8615,6 @@
                   </a:spcAft>
                   <a:buNone/>
                 </a:pPr>
-                <a:r>
-                  <a:t/>
-                </a:r>
                 <a:endParaRPr/>
               </a:p>
             </p:txBody>
@@ -9329,12 +8641,12 @@
               </a:ln>
             </p:spPr>
             <p:txBody>
-              <a:bodyPr anchorCtr="0" anchor="ctr" bIns="91425" lIns="91425" spcFirstLastPara="1" rIns="91425" wrap="square" tIns="91425">
+              <a:bodyPr spcFirstLastPara="1" wrap="square" lIns="91425" tIns="91425" rIns="91425" bIns="91425" anchor="ctr" anchorCtr="0">
                 <a:noAutofit/>
               </a:bodyPr>
               <a:lstStyle/>
               <a:p>
-                <a:pPr indent="0" lvl="0" marL="0" rtl="0" algn="l">
+                <a:pPr marL="0" lvl="0" indent="0" algn="l" rtl="0">
                   <a:spcBef>
                     <a:spcPts val="0"/>
                   </a:spcBef>
@@ -9343,9 +8655,6 @@
                   </a:spcAft>
                   <a:buNone/>
                 </a:pPr>
-                <a:r>
-                  <a:t/>
-                </a:r>
                 <a:endParaRPr/>
               </a:p>
             </p:txBody>
@@ -9372,12 +8681,12 @@
               </a:ln>
             </p:spPr>
             <p:txBody>
-              <a:bodyPr anchorCtr="0" anchor="ctr" bIns="91425" lIns="91425" spcFirstLastPara="1" rIns="91425" wrap="square" tIns="91425">
+              <a:bodyPr spcFirstLastPara="1" wrap="square" lIns="91425" tIns="91425" rIns="91425" bIns="91425" anchor="ctr" anchorCtr="0">
                 <a:noAutofit/>
               </a:bodyPr>
               <a:lstStyle/>
               <a:p>
-                <a:pPr indent="0" lvl="0" marL="0" rtl="0" algn="l">
+                <a:pPr marL="0" lvl="0" indent="0" algn="l" rtl="0">
                   <a:spcBef>
                     <a:spcPts val="0"/>
                   </a:spcBef>
@@ -9386,9 +8695,6 @@
                   </a:spcAft>
                   <a:buNone/>
                 </a:pPr>
-                <a:r>
-                  <a:t/>
-                </a:r>
                 <a:endParaRPr/>
               </a:p>
             </p:txBody>
@@ -9413,12 +8719,12 @@
               </a:ln>
             </p:spPr>
             <p:txBody>
-              <a:bodyPr anchorCtr="0" anchor="ctr" bIns="91425" lIns="91425" spcFirstLastPara="1" rIns="91425" wrap="square" tIns="91425">
+              <a:bodyPr spcFirstLastPara="1" wrap="square" lIns="91425" tIns="91425" rIns="91425" bIns="91425" anchor="ctr" anchorCtr="0">
                 <a:noAutofit/>
               </a:bodyPr>
               <a:lstStyle/>
               <a:p>
-                <a:pPr indent="0" lvl="0" marL="0" rtl="0" algn="l">
+                <a:pPr marL="0" lvl="0" indent="0" algn="l" rtl="0">
                   <a:lnSpc>
                     <a:spcPct val="115000"/>
                   </a:lnSpc>
@@ -9475,7 +8781,7 @@
                 <a:noFill/>
               </a:ln>
               <a:effectLst>
-                <a:outerShdw blurRad="71438" rotWithShape="0" algn="bl" dir="2700000" dist="28575">
+                <a:outerShdw blurRad="71438" dist="28575" dir="2700000" algn="bl" rotWithShape="0">
                   <a:srgbClr val="000000">
                     <a:alpha val="17000"/>
                   </a:srgbClr>
@@ -9483,12 +8789,12 @@
               </a:effectLst>
             </p:spPr>
             <p:txBody>
-              <a:bodyPr anchorCtr="0" anchor="ctr" bIns="91425" lIns="91425" spcFirstLastPara="1" rIns="91425" wrap="square" tIns="91425">
+              <a:bodyPr spcFirstLastPara="1" wrap="square" lIns="91425" tIns="91425" rIns="91425" bIns="91425" anchor="ctr" anchorCtr="0">
                 <a:noAutofit/>
               </a:bodyPr>
               <a:lstStyle/>
               <a:p>
-                <a:pPr indent="0" lvl="0" marL="0" rtl="0" algn="l">
+                <a:pPr marL="0" lvl="0" indent="0" algn="l" rtl="0">
                   <a:spcBef>
                     <a:spcPts val="0"/>
                   </a:spcBef>
@@ -9497,9 +8803,6 @@
                   </a:spcAft>
                   <a:buNone/>
                 </a:pPr>
-                <a:r>
-                  <a:t/>
-                </a:r>
                 <a:endParaRPr/>
               </a:p>
             </p:txBody>
@@ -9526,12 +8829,12 @@
               </a:ln>
             </p:spPr>
             <p:txBody>
-              <a:bodyPr anchorCtr="0" anchor="ctr" bIns="91425" lIns="91425" spcFirstLastPara="1" rIns="91425" wrap="square" tIns="91425">
+              <a:bodyPr spcFirstLastPara="1" wrap="square" lIns="91425" tIns="91425" rIns="91425" bIns="91425" anchor="ctr" anchorCtr="0">
                 <a:noAutofit/>
               </a:bodyPr>
               <a:lstStyle/>
               <a:p>
-                <a:pPr indent="0" lvl="0" marL="0" rtl="0" algn="ctr">
+                <a:pPr marL="0" lvl="0" indent="0" algn="ctr" rtl="0">
                   <a:spcBef>
                     <a:spcPts val="0"/>
                   </a:spcBef>
@@ -9584,12 +8887,12 @@
               </a:ln>
             </p:spPr>
             <p:txBody>
-              <a:bodyPr anchorCtr="0" anchor="ctr" bIns="91425" lIns="91425" spcFirstLastPara="1" rIns="91425" wrap="square" tIns="91425">
+              <a:bodyPr spcFirstLastPara="1" wrap="square" lIns="91425" tIns="91425" rIns="91425" bIns="91425" anchor="ctr" anchorCtr="0">
                 <a:noAutofit/>
               </a:bodyPr>
               <a:lstStyle/>
               <a:p>
-                <a:pPr indent="-295275" lvl="0" marL="457200" rtl="0" algn="l">
+                <a:pPr marL="457200" lvl="0" indent="-295275" algn="l" rtl="0">
                   <a:lnSpc>
                     <a:spcPct val="115000"/>
                   </a:lnSpc>
@@ -9616,19 +8919,7 @@
                     <a:cs typeface="Open Sans"/>
                     <a:sym typeface="Open Sans"/>
                   </a:rPr>
-                  <a:t>Concatenated</a:t>
-                </a:r>
-                <a:r>
-                  <a:rPr lang="en" sz="1050">
-                    <a:solidFill>
-                      <a:srgbClr val="A72A1E"/>
-                    </a:solidFill>
-                    <a:latin typeface="Open Sans"/>
-                    <a:ea typeface="Open Sans"/>
-                    <a:cs typeface="Open Sans"/>
-                    <a:sym typeface="Open Sans"/>
-                  </a:rPr>
-                  <a:t> the embeddings for user, item, item feature and context feature and fed them to a multi-layered neural network with linear layers with ReLU activation between them.</a:t>
+                  <a:t>Concatenated the embeddings for user, item, item feature and context feature and fed them to a multi-layered neural network with linear layers with ReLU activation between them.</a:t>
                 </a:r>
                 <a:endParaRPr sz="1050">
                   <a:solidFill>
@@ -9641,7 +8932,7 @@
                 </a:endParaRPr>
               </a:p>
               <a:p>
-                <a:pPr indent="-295275" lvl="0" marL="457200" rtl="0" algn="l">
+                <a:pPr marL="457200" lvl="0" indent="-295275" algn="l" rtl="0">
                   <a:lnSpc>
                     <a:spcPct val="115000"/>
                   </a:lnSpc>
@@ -9719,12 +9010,12 @@
               </a:ln>
             </p:spPr>
             <p:txBody>
-              <a:bodyPr anchorCtr="0" anchor="ctr" bIns="91425" lIns="91425" spcFirstLastPara="1" rIns="91425" wrap="square" tIns="91425">
+              <a:bodyPr spcFirstLastPara="1" wrap="square" lIns="91425" tIns="91425" rIns="91425" bIns="91425" anchor="ctr" anchorCtr="0">
                 <a:noAutofit/>
               </a:bodyPr>
               <a:lstStyle/>
               <a:p>
-                <a:pPr indent="0" lvl="0" marL="0" rtl="0" algn="l">
+                <a:pPr marL="0" lvl="0" indent="0" algn="l" rtl="0">
                   <a:spcBef>
                     <a:spcPts val="0"/>
                   </a:spcBef>
@@ -9733,9 +9024,6 @@
                   </a:spcAft>
                   <a:buNone/>
                 </a:pPr>
-                <a:r>
-                  <a:t/>
-                </a:r>
                 <a:endParaRPr/>
               </a:p>
             </p:txBody>
@@ -9762,12 +9050,12 @@
               </a:ln>
             </p:spPr>
             <p:txBody>
-              <a:bodyPr anchorCtr="0" anchor="ctr" bIns="91425" lIns="91425" spcFirstLastPara="1" rIns="91425" wrap="square" tIns="91425">
+              <a:bodyPr spcFirstLastPara="1" wrap="square" lIns="91425" tIns="91425" rIns="91425" bIns="91425" anchor="ctr" anchorCtr="0">
                 <a:noAutofit/>
               </a:bodyPr>
               <a:lstStyle/>
               <a:p>
-                <a:pPr indent="0" lvl="0" marL="0" rtl="0" algn="l">
+                <a:pPr marL="0" lvl="0" indent="0" algn="l" rtl="0">
                   <a:spcBef>
                     <a:spcPts val="0"/>
                   </a:spcBef>
@@ -9776,9 +9064,6 @@
                   </a:spcAft>
                   <a:buNone/>
                 </a:pPr>
-                <a:r>
-                  <a:t/>
-                </a:r>
                 <a:endParaRPr/>
               </a:p>
             </p:txBody>
@@ -9805,12 +9090,12 @@
               </a:ln>
             </p:spPr>
             <p:txBody>
-              <a:bodyPr anchorCtr="0" anchor="ctr" bIns="91425" lIns="91425" spcFirstLastPara="1" rIns="91425" wrap="square" tIns="91425">
+              <a:bodyPr spcFirstLastPara="1" wrap="square" lIns="91425" tIns="91425" rIns="91425" bIns="91425" anchor="ctr" anchorCtr="0">
                 <a:noAutofit/>
               </a:bodyPr>
               <a:lstStyle/>
               <a:p>
-                <a:pPr indent="0" lvl="0" marL="0" rtl="0" algn="l">
+                <a:pPr marL="0" lvl="0" indent="0" algn="l" rtl="0">
                   <a:spcBef>
                     <a:spcPts val="0"/>
                   </a:spcBef>
@@ -9819,9 +9104,6 @@
                   </a:spcAft>
                   <a:buNone/>
                 </a:pPr>
-                <a:r>
-                  <a:t/>
-                </a:r>
                 <a:endParaRPr/>
               </a:p>
             </p:txBody>
@@ -9846,12 +9128,12 @@
               </a:ln>
             </p:spPr>
             <p:txBody>
-              <a:bodyPr anchorCtr="0" anchor="ctr" bIns="91425" lIns="91425" spcFirstLastPara="1" rIns="91425" wrap="square" tIns="91425">
+              <a:bodyPr spcFirstLastPara="1" wrap="square" lIns="91425" tIns="91425" rIns="91425" bIns="91425" anchor="ctr" anchorCtr="0">
                 <a:noAutofit/>
               </a:bodyPr>
               <a:lstStyle/>
               <a:p>
-                <a:pPr indent="0" lvl="0" marL="0" rtl="0" algn="l">
+                <a:pPr marL="0" lvl="0" indent="0" algn="l" rtl="0">
                   <a:lnSpc>
                     <a:spcPct val="115000"/>
                   </a:lnSpc>
@@ -9908,7 +9190,7 @@
                 <a:noFill/>
               </a:ln>
               <a:effectLst>
-                <a:outerShdw blurRad="71438" rotWithShape="0" algn="bl" dir="2700000" dist="28575">
+                <a:outerShdw blurRad="71438" dist="28575" dir="2700000" algn="bl" rotWithShape="0">
                   <a:srgbClr val="000000">
                     <a:alpha val="17000"/>
                   </a:srgbClr>
@@ -9916,12 +9198,12 @@
               </a:effectLst>
             </p:spPr>
             <p:txBody>
-              <a:bodyPr anchorCtr="0" anchor="ctr" bIns="91425" lIns="91425" spcFirstLastPara="1" rIns="91425" wrap="square" tIns="91425">
+              <a:bodyPr spcFirstLastPara="1" wrap="square" lIns="91425" tIns="91425" rIns="91425" bIns="91425" anchor="ctr" anchorCtr="0">
                 <a:noAutofit/>
               </a:bodyPr>
               <a:lstStyle/>
               <a:p>
-                <a:pPr indent="0" lvl="0" marL="0" rtl="0" algn="l">
+                <a:pPr marL="0" lvl="0" indent="0" algn="l" rtl="0">
                   <a:spcBef>
                     <a:spcPts val="0"/>
                   </a:spcBef>
@@ -9930,9 +9212,6 @@
                   </a:spcAft>
                   <a:buNone/>
                 </a:pPr>
-                <a:r>
-                  <a:t/>
-                </a:r>
                 <a:endParaRPr/>
               </a:p>
             </p:txBody>
@@ -9959,12 +9238,12 @@
               </a:ln>
             </p:spPr>
             <p:txBody>
-              <a:bodyPr anchorCtr="0" anchor="ctr" bIns="91425" lIns="91425" spcFirstLastPara="1" rIns="91425" wrap="square" tIns="91425">
+              <a:bodyPr spcFirstLastPara="1" wrap="square" lIns="91425" tIns="91425" rIns="91425" bIns="91425" anchor="ctr" anchorCtr="0">
                 <a:noAutofit/>
               </a:bodyPr>
               <a:lstStyle/>
               <a:p>
-                <a:pPr indent="0" lvl="0" marL="0" rtl="0" algn="ctr">
+                <a:pPr marL="0" lvl="0" indent="0" algn="ctr" rtl="0">
                   <a:spcBef>
                     <a:spcPts val="0"/>
                   </a:spcBef>
@@ -10017,12 +9296,12 @@
               </a:ln>
             </p:spPr>
             <p:txBody>
-              <a:bodyPr anchorCtr="0" anchor="ctr" bIns="91425" lIns="91425" spcFirstLastPara="1" rIns="91425" wrap="square" tIns="91425">
+              <a:bodyPr spcFirstLastPara="1" wrap="square" lIns="91425" tIns="91425" rIns="91425" bIns="91425" anchor="ctr" anchorCtr="0">
                 <a:noAutofit/>
               </a:bodyPr>
               <a:lstStyle/>
               <a:p>
-                <a:pPr indent="-298450" lvl="0" marL="457200" rtl="0" algn="l">
+                <a:pPr marL="457200" lvl="0" indent="-298450" algn="l" rtl="0">
                   <a:lnSpc>
                     <a:spcPct val="115000"/>
                   </a:lnSpc>
@@ -10049,19 +9328,7 @@
                     <a:cs typeface="Open Sans"/>
                     <a:sym typeface="Open Sans"/>
                   </a:rPr>
-                  <a:t>Trained</a:t>
-                </a:r>
-                <a:r>
-                  <a:rPr lang="en" sz="1100">
-                    <a:solidFill>
-                      <a:srgbClr val="A72A1E"/>
-                    </a:solidFill>
-                    <a:latin typeface="Open Sans"/>
-                    <a:ea typeface="Open Sans"/>
-                    <a:cs typeface="Open Sans"/>
-                    <a:sym typeface="Open Sans"/>
-                  </a:rPr>
-                  <a:t> the embeddings for user, item and item feature along with the bias.</a:t>
+                  <a:t>Trained the embeddings for user, item and item feature along with the bias.</a:t>
                 </a:r>
                 <a:endParaRPr sz="1100">
                   <a:solidFill>
@@ -10074,7 +9341,7 @@
                 </a:endParaRPr>
               </a:p>
               <a:p>
-                <a:pPr indent="-298450" lvl="0" marL="457200" rtl="0" algn="l">
+                <a:pPr marL="457200" lvl="0" indent="-298450" algn="l" rtl="0">
                   <a:lnSpc>
                     <a:spcPct val="115000"/>
                   </a:lnSpc>
@@ -10125,32 +9392,32 @@
   <p:timing>
     <p:tnLst>
       <p:par>
-        <p:cTn dur="indefinite" nodeType="tmRoot" restart="never">
+        <p:cTn id="1" dur="indefinite" restart="never" nodeType="tmRoot">
           <p:childTnLst>
             <p:seq concurrent="1" nextAc="seek">
-              <p:cTn dur="indefinite" id="2" nodeType="mainSeq">
+              <p:cTn id="2" dur="indefinite" nodeType="mainSeq">
                 <p:childTnLst>
                   <p:par>
-                    <p:cTn fill="hold">
+                    <p:cTn id="3" fill="hold">
                       <p:stCondLst>
                         <p:cond delay="indefinite"/>
                       </p:stCondLst>
                       <p:childTnLst>
                         <p:par>
-                          <p:cTn fill="hold">
+                          <p:cTn id="4" fill="hold">
                             <p:stCondLst>
                               <p:cond delay="0"/>
                             </p:stCondLst>
                             <p:childTnLst>
                               <p:par>
-                                <p:cTn fill="hold" nodeType="clickEffect" presetClass="entr" presetID="10" presetSubtype="0">
+                                <p:cTn id="5" presetID="10" presetClass="entr" presetSubtype="0" fill="hold" nodeType="clickEffect">
                                   <p:stCondLst>
                                     <p:cond delay="0"/>
                                   </p:stCondLst>
                                   <p:childTnLst>
                                     <p:set>
                                       <p:cBhvr>
-                                        <p:cTn dur="1" fill="hold">
+                                        <p:cTn id="6" dur="1" fill="hold">
                                           <p:stCondLst>
                                             <p:cond delay="0"/>
                                           </p:stCondLst>
@@ -10166,9 +9433,9 @@
                                         <p:strVal val="visible"/>
                                       </p:to>
                                     </p:set>
-                                    <p:animEffect filter="fade" transition="in">
+                                    <p:animEffect transition="in" filter="fade">
                                       <p:cBhvr>
-                                        <p:cTn dur="1"/>
+                                        <p:cTn id="7" dur="1"/>
                                         <p:tgtEl>
                                           <p:spTgt spid="88"/>
                                         </p:tgtEl>
@@ -10184,26 +9451,26 @@
                     </p:cTn>
                   </p:par>
                   <p:par>
-                    <p:cTn fill="hold">
+                    <p:cTn id="8" fill="hold">
                       <p:stCondLst>
                         <p:cond delay="indefinite"/>
                       </p:stCondLst>
                       <p:childTnLst>
                         <p:par>
-                          <p:cTn fill="hold">
+                          <p:cTn id="9" fill="hold">
                             <p:stCondLst>
                               <p:cond delay="0"/>
                             </p:stCondLst>
                             <p:childTnLst>
                               <p:par>
-                                <p:cTn fill="hold" nodeType="clickEffect" presetClass="entr" presetID="10" presetSubtype="0">
+                                <p:cTn id="10" presetID="10" presetClass="entr" presetSubtype="0" fill="hold" nodeType="clickEffect">
                                   <p:stCondLst>
                                     <p:cond delay="0"/>
                                   </p:stCondLst>
                                   <p:childTnLst>
                                     <p:set>
                                       <p:cBhvr>
-                                        <p:cTn dur="1" fill="hold">
+                                        <p:cTn id="11" dur="1" fill="hold">
                                           <p:stCondLst>
                                             <p:cond delay="0"/>
                                           </p:stCondLst>
@@ -10219,9 +9486,9 @@
                                         <p:strVal val="visible"/>
                                       </p:to>
                                     </p:set>
-                                    <p:animEffect filter="fade" transition="in">
+                                    <p:animEffect transition="in" filter="fade">
                                       <p:cBhvr>
-                                        <p:cTn dur="1"/>
+                                        <p:cTn id="12" dur="1"/>
                                         <p:tgtEl>
                                           <p:spTgt spid="88"/>
                                         </p:tgtEl>
@@ -10239,14 +9506,14 @@
                 </p:childTnLst>
               </p:cTn>
               <p:prevCondLst>
-                <p:cond evt="onPrev">
+                <p:cond evt="onPrev" delay="0">
                   <p:tgtEl>
                     <p:sldTgt/>
                   </p:tgtEl>
                 </p:cond>
               </p:prevCondLst>
               <p:nextCondLst>
-                <p:cond evt="onNext">
+                <p:cond evt="onNext" delay="0">
                   <p:tgtEl>
                     <p:sldTgt/>
                   </p:tgtEl>
@@ -10262,11 +9529,11 @@
 </file>
 
 <file path=ppt/slides/slide6.xml><?xml version="1.0" encoding="utf-8"?>
-<p:sld xmlns:a="http://schemas.openxmlformats.org/drawingml/2006/main" xmlns:r="http://schemas.openxmlformats.org/officeDocument/2006/relationships" xmlns:mc="http://schemas.openxmlformats.org/markup-compatibility/2006" xmlns:mv="urn:schemas-microsoft-com:mac:vml" xmlns:p="http://schemas.openxmlformats.org/presentationml/2006/main" xmlns:c="http://schemas.openxmlformats.org/drawingml/2006/chart" xmlns:dgm="http://schemas.openxmlformats.org/drawingml/2006/diagram" xmlns:o="urn:schemas-microsoft-com:office:office" xmlns:v="urn:schemas-microsoft-com:vml" xmlns:pvml="urn:schemas-microsoft-com:office:powerpoint" xmlns:com="http://schemas.openxmlformats.org/drawingml/2006/compatibility" xmlns:p14="http://schemas.microsoft.com/office/powerpoint/2010/main" xmlns:p15="http://schemas.microsoft.com/office/powerpoint/2012/main" xmlns:ahyp="http://schemas.microsoft.com/office/drawing/2018/hyperlinkcolor">
+<p:sld xmlns:a="http://schemas.openxmlformats.org/drawingml/2006/main" xmlns:r="http://schemas.openxmlformats.org/officeDocument/2006/relationships" xmlns:p="http://schemas.openxmlformats.org/presentationml/2006/main">
   <p:cSld>
     <p:spTree>
       <p:nvGrpSpPr>
-        <p:cNvPr id="116" name="Shape 116"/>
+        <p:cNvPr id="1" name="Shape 116"/>
         <p:cNvGrpSpPr/>
         <p:nvPr/>
       </p:nvGrpSpPr>
@@ -10281,7 +9548,9 @@
       <p:sp>
         <p:nvSpPr>
           <p:cNvPr id="117" name="Google Shape;117;p18"/>
-          <p:cNvSpPr txBox="1"/>
+          <p:cNvSpPr txBox="1">
+            <a:spLocks noGrp="1"/>
+          </p:cNvSpPr>
           <p:nvPr>
             <p:ph type="title"/>
           </p:nvPr>
@@ -10296,12 +9565,12 @@
           </a:prstGeom>
         </p:spPr>
         <p:txBody>
-          <a:bodyPr anchorCtr="0" anchor="b" bIns="91425" lIns="91425" spcFirstLastPara="1" rIns="91425" wrap="square" tIns="91425">
+          <a:bodyPr spcFirstLastPara="1" wrap="square" lIns="91425" tIns="91425" rIns="91425" bIns="91425" anchor="b" anchorCtr="0">
             <a:normAutofit/>
           </a:bodyPr>
           <a:lstStyle/>
           <a:p>
-            <a:pPr indent="0" lvl="0" marL="0" rtl="0" algn="l">
+            <a:pPr marL="0" lvl="0" indent="0" algn="l" rtl="0">
               <a:spcBef>
                 <a:spcPts val="0"/>
               </a:spcBef>
@@ -10359,29 +9628,29 @@
               </a:xfrm>
               <a:prstGeom prst="roundRect">
                 <a:avLst>
-                  <a:gd fmla="val 16667" name="adj"/>
+                  <a:gd name="adj" fmla="val 16667"/>
                 </a:avLst>
               </a:prstGeom>
               <a:solidFill>
                 <a:srgbClr val="A72A1E"/>
               </a:solidFill>
-              <a:ln cap="flat" cmpd="sng" w="28575">
+              <a:ln w="28575" cap="flat" cmpd="sng">
                 <a:solidFill>
                   <a:schemeClr val="dk2"/>
                 </a:solidFill>
                 <a:prstDash val="solid"/>
                 <a:round/>
-                <a:headEnd len="sm" w="sm" type="none"/>
-                <a:tailEnd len="sm" w="sm" type="none"/>
+                <a:headEnd type="none" w="sm" len="sm"/>
+                <a:tailEnd type="none" w="sm" len="sm"/>
               </a:ln>
             </p:spPr>
             <p:txBody>
-              <a:bodyPr anchorCtr="0" anchor="ctr" bIns="91425" lIns="91425" spcFirstLastPara="1" rIns="91425" wrap="square" tIns="91425">
+              <a:bodyPr spcFirstLastPara="1" wrap="square" lIns="91425" tIns="91425" rIns="91425" bIns="91425" anchor="ctr" anchorCtr="0">
                 <a:noAutofit/>
               </a:bodyPr>
               <a:lstStyle/>
               <a:p>
-                <a:pPr indent="0" lvl="0" marL="0" rtl="0" algn="l">
+                <a:pPr marL="0" lvl="0" indent="0" algn="l" rtl="0">
                   <a:lnSpc>
                     <a:spcPct val="115000"/>
                   </a:lnSpc>
@@ -10394,7 +9663,7 @@
                   <a:buNone/>
                 </a:pPr>
                 <a:r>
-                  <a:rPr b="1" lang="en" sz="2600">
+                  <a:rPr lang="en" sz="2600" b="1">
                     <a:solidFill>
                       <a:schemeClr val="lt1"/>
                     </a:solidFill>
@@ -10405,7 +9674,7 @@
                   </a:rPr>
                   <a:t>01</a:t>
                 </a:r>
-                <a:endParaRPr b="1" sz="2600">
+                <a:endParaRPr sz="2600" b="1">
                   <a:solidFill>
                     <a:schemeClr val="lt1"/>
                   </a:solidFill>
@@ -10416,7 +9685,7 @@
                 </a:endParaRPr>
               </a:p>
               <a:p>
-                <a:pPr indent="0" lvl="0" marL="0" rtl="0" algn="l">
+                <a:pPr marL="0" lvl="0" indent="0" algn="l" rtl="0">
                   <a:lnSpc>
                     <a:spcPct val="115000"/>
                   </a:lnSpc>
@@ -10438,19 +9707,7 @@
                     <a:cs typeface="Open Sans"/>
                     <a:sym typeface="Open Sans"/>
                   </a:rPr>
-                  <a:t>Built</a:t>
-                </a:r>
-                <a:r>
-                  <a:rPr lang="en" sz="1700">
-                    <a:solidFill>
-                      <a:schemeClr val="lt1"/>
-                    </a:solidFill>
-                    <a:latin typeface="Open Sans"/>
-                    <a:ea typeface="Open Sans"/>
-                    <a:cs typeface="Open Sans"/>
-                    <a:sym typeface="Open Sans"/>
-                  </a:rPr>
-                  <a:t> a baseline model using the matrix factorization technique and two features Item ID and User ID. </a:t>
+                  <a:t>Built a baseline model using the matrix factorization technique and two features Item ID and User ID. </a:t>
                 </a:r>
                 <a:endParaRPr sz="1700">
                   <a:solidFill>
@@ -10463,7 +9720,7 @@
                 </a:endParaRPr>
               </a:p>
               <a:p>
-                <a:pPr indent="0" lvl="0" marL="0" rtl="0" algn="l">
+                <a:pPr marL="0" lvl="0" indent="0" algn="l" rtl="0">
                   <a:spcBef>
                     <a:spcPts val="1200"/>
                   </a:spcBef>
@@ -10472,9 +9729,6 @@
                   </a:spcAft>
                   <a:buNone/>
                 </a:pPr>
-                <a:r>
-                  <a:t/>
-                </a:r>
                 <a:endParaRPr/>
               </a:p>
             </p:txBody>
@@ -10492,29 +9746,29 @@
               </a:xfrm>
               <a:prstGeom prst="roundRect">
                 <a:avLst>
-                  <a:gd fmla="val 16667" name="adj"/>
+                  <a:gd name="adj" fmla="val 16667"/>
                 </a:avLst>
               </a:prstGeom>
               <a:solidFill>
                 <a:srgbClr val="D9D9D9"/>
               </a:solidFill>
-              <a:ln cap="flat" cmpd="sng" w="28575">
+              <a:ln w="28575" cap="flat" cmpd="sng">
                 <a:solidFill>
                   <a:schemeClr val="dk2"/>
                 </a:solidFill>
                 <a:prstDash val="solid"/>
                 <a:round/>
-                <a:headEnd len="sm" w="sm" type="none"/>
-                <a:tailEnd len="sm" w="sm" type="none"/>
+                <a:headEnd type="none" w="sm" len="sm"/>
+                <a:tailEnd type="none" w="sm" len="sm"/>
               </a:ln>
             </p:spPr>
             <p:txBody>
-              <a:bodyPr anchorCtr="0" anchor="ctr" bIns="91425" lIns="91425" spcFirstLastPara="1" rIns="91425" wrap="square" tIns="91425">
+              <a:bodyPr spcFirstLastPara="1" wrap="square" lIns="91425" tIns="91425" rIns="91425" bIns="91425" anchor="ctr" anchorCtr="0">
                 <a:noAutofit/>
               </a:bodyPr>
               <a:lstStyle/>
               <a:p>
-                <a:pPr indent="0" lvl="0" marL="0" rtl="0" algn="l">
+                <a:pPr marL="0" lvl="0" indent="0" algn="l" rtl="0">
                   <a:lnSpc>
                     <a:spcPct val="115000"/>
                   </a:lnSpc>
@@ -10526,9 +9780,6 @@
                   </a:spcAft>
                   <a:buNone/>
                 </a:pPr>
-                <a:r>
-                  <a:t/>
-                </a:r>
                 <a:endParaRPr>
                   <a:solidFill>
                     <a:schemeClr val="dk1"/>
@@ -10540,7 +9791,7 @@
                 </a:endParaRPr>
               </a:p>
               <a:p>
-                <a:pPr indent="0" lvl="0" marL="0" rtl="0" algn="l">
+                <a:pPr marL="0" lvl="0" indent="0" algn="l" rtl="0">
                   <a:lnSpc>
                     <a:spcPct val="115000"/>
                   </a:lnSpc>
@@ -10565,7 +9816,7 @@
                   <a:t>Best public leaderboard score achieved: </a:t>
                 </a:r>
                 <a:r>
-                  <a:rPr b="1" lang="en">
+                  <a:rPr lang="en" b="1">
                     <a:solidFill>
                       <a:schemeClr val="dk1"/>
                     </a:solidFill>
@@ -10587,7 +9838,7 @@
                 </a:endParaRPr>
               </a:p>
               <a:p>
-                <a:pPr indent="0" lvl="0" marL="0" rtl="0" algn="l">
+                <a:pPr marL="0" lvl="0" indent="0" algn="l" rtl="0">
                   <a:spcBef>
                     <a:spcPts val="1200"/>
                   </a:spcBef>
@@ -10596,9 +9847,6 @@
                   </a:spcAft>
                   <a:buNone/>
                 </a:pPr>
-                <a:r>
-                  <a:t/>
-                </a:r>
                 <a:endParaRPr/>
               </a:p>
             </p:txBody>
@@ -10617,29 +9865,29 @@
             </a:xfrm>
             <a:prstGeom prst="roundRect">
               <a:avLst>
-                <a:gd fmla="val 16667" name="adj"/>
+                <a:gd name="adj" fmla="val 16667"/>
               </a:avLst>
             </a:prstGeom>
             <a:solidFill>
               <a:srgbClr val="A72A1E"/>
             </a:solidFill>
-            <a:ln cap="flat" cmpd="sng" w="28575">
+            <a:ln w="28575" cap="flat" cmpd="sng">
               <a:solidFill>
                 <a:schemeClr val="dk2"/>
               </a:solidFill>
               <a:prstDash val="solid"/>
               <a:round/>
-              <a:headEnd len="sm" w="sm" type="none"/>
-              <a:tailEnd len="sm" w="sm" type="none"/>
+              <a:headEnd type="none" w="sm" len="sm"/>
+              <a:tailEnd type="none" w="sm" len="sm"/>
             </a:ln>
           </p:spPr>
           <p:txBody>
-            <a:bodyPr anchorCtr="0" anchor="ctr" bIns="91425" lIns="91425" spcFirstLastPara="1" rIns="91425" wrap="square" tIns="91425">
+            <a:bodyPr spcFirstLastPara="1" wrap="square" lIns="91425" tIns="91425" rIns="91425" bIns="91425" anchor="ctr" anchorCtr="0">
               <a:noAutofit/>
             </a:bodyPr>
             <a:lstStyle/>
             <a:p>
-              <a:pPr indent="0" lvl="0" marL="0" rtl="0" algn="l">
+              <a:pPr marL="0" lvl="0" indent="0" algn="l" rtl="0">
                 <a:lnSpc>
                   <a:spcPct val="115000"/>
                 </a:lnSpc>
@@ -10652,7 +9900,7 @@
                 <a:buNone/>
               </a:pPr>
               <a:r>
-                <a:rPr b="1" lang="en" sz="2600">
+                <a:rPr lang="en" sz="2600" b="1">
                   <a:solidFill>
                     <a:schemeClr val="lt1"/>
                   </a:solidFill>
@@ -10663,7 +9911,7 @@
                 </a:rPr>
                 <a:t>02</a:t>
               </a:r>
-              <a:endParaRPr b="1" sz="2600">
+              <a:endParaRPr sz="2600" b="1">
                 <a:solidFill>
                   <a:schemeClr val="lt1"/>
                 </a:solidFill>
@@ -10674,7 +9922,7 @@
               </a:endParaRPr>
             </a:p>
             <a:p>
-              <a:pPr indent="0" lvl="0" marL="0" rtl="0" algn="l">
+              <a:pPr marL="0" lvl="0" indent="0" algn="l" rtl="0">
                 <a:lnSpc>
                   <a:spcPct val="115000"/>
                 </a:lnSpc>
@@ -10709,7 +9957,7 @@
               </a:endParaRPr>
             </a:p>
             <a:p>
-              <a:pPr indent="0" lvl="0" marL="0" rtl="0" algn="l">
+              <a:pPr marL="0" lvl="0" indent="0" algn="l" rtl="0">
                 <a:spcBef>
                   <a:spcPts val="1200"/>
                 </a:spcBef>
@@ -10718,9 +9966,6 @@
                 </a:spcAft>
                 <a:buNone/>
               </a:pPr>
-              <a:r>
-                <a:t/>
-              </a:r>
               <a:endParaRPr/>
             </a:p>
           </p:txBody>
@@ -10738,29 +9983,29 @@
             </a:xfrm>
             <a:prstGeom prst="roundRect">
               <a:avLst>
-                <a:gd fmla="val 16667" name="adj"/>
+                <a:gd name="adj" fmla="val 16667"/>
               </a:avLst>
             </a:prstGeom>
             <a:solidFill>
               <a:srgbClr val="D9D9D9"/>
             </a:solidFill>
-            <a:ln cap="flat" cmpd="sng" w="9525">
+            <a:ln w="9525" cap="flat" cmpd="sng">
               <a:solidFill>
                 <a:schemeClr val="dk2"/>
               </a:solidFill>
               <a:prstDash val="solid"/>
               <a:round/>
-              <a:headEnd len="sm" w="sm" type="none"/>
-              <a:tailEnd len="sm" w="sm" type="none"/>
+              <a:headEnd type="none" w="sm" len="sm"/>
+              <a:tailEnd type="none" w="sm" len="sm"/>
             </a:ln>
           </p:spPr>
           <p:txBody>
-            <a:bodyPr anchorCtr="0" anchor="ctr" bIns="91425" lIns="91425" spcFirstLastPara="1" rIns="91425" wrap="square" tIns="91425">
+            <a:bodyPr spcFirstLastPara="1" wrap="square" lIns="91425" tIns="91425" rIns="91425" bIns="91425" anchor="ctr" anchorCtr="0">
               <a:noAutofit/>
             </a:bodyPr>
             <a:lstStyle/>
             <a:p>
-              <a:pPr indent="0" lvl="0" marL="0" rtl="0" algn="l">
+              <a:pPr marL="0" lvl="0" indent="0" algn="l" rtl="0">
                 <a:lnSpc>
                   <a:spcPct val="115000"/>
                 </a:lnSpc>
@@ -10772,9 +10017,6 @@
                 </a:spcAft>
                 <a:buNone/>
               </a:pPr>
-              <a:r>
-                <a:t/>
-              </a:r>
               <a:endParaRPr sz="1300">
                 <a:solidFill>
                   <a:schemeClr val="dk1"/>
@@ -10786,7 +10028,7 @@
               </a:endParaRPr>
             </a:p>
             <a:p>
-              <a:pPr indent="0" lvl="0" marL="0" rtl="0" algn="l">
+              <a:pPr marL="0" lvl="0" indent="0" algn="l" rtl="0">
                 <a:lnSpc>
                   <a:spcPct val="115000"/>
                 </a:lnSpc>
@@ -10811,7 +10053,7 @@
                 <a:t>Best public leaderboard score achieved: </a:t>
               </a:r>
               <a:r>
-                <a:rPr b="1" lang="en" sz="1300">
+                <a:rPr lang="en" sz="1300" b="1">
                   <a:solidFill>
                     <a:schemeClr val="dk1"/>
                   </a:solidFill>
@@ -10822,7 +10064,7 @@
                 </a:rPr>
                 <a:t>0.4655</a:t>
               </a:r>
-              <a:endParaRPr b="1" sz="1300">
+              <a:endParaRPr sz="1300" b="1">
                 <a:solidFill>
                   <a:schemeClr val="dk1"/>
                 </a:solidFill>
@@ -10833,7 +10075,7 @@
               </a:endParaRPr>
             </a:p>
             <a:p>
-              <a:pPr indent="0" lvl="0" marL="0" rtl="0" algn="l">
+              <a:pPr marL="0" lvl="0" indent="0" algn="l" rtl="0">
                 <a:spcBef>
                   <a:spcPts val="1200"/>
                 </a:spcBef>
@@ -10842,9 +10084,6 @@
                 </a:spcAft>
                 <a:buNone/>
               </a:pPr>
-              <a:r>
-                <a:t/>
-              </a:r>
               <a:endParaRPr sz="1300">
                 <a:solidFill>
                   <a:schemeClr val="dk1"/>
@@ -10867,11 +10106,11 @@
 </file>
 
 <file path=ppt/slides/slide7.xml><?xml version="1.0" encoding="utf-8"?>
-<p:sld xmlns:a="http://schemas.openxmlformats.org/drawingml/2006/main" xmlns:r="http://schemas.openxmlformats.org/officeDocument/2006/relationships" xmlns:mc="http://schemas.openxmlformats.org/markup-compatibility/2006" xmlns:mv="urn:schemas-microsoft-com:mac:vml" xmlns:p="http://schemas.openxmlformats.org/presentationml/2006/main" xmlns:c="http://schemas.openxmlformats.org/drawingml/2006/chart" xmlns:dgm="http://schemas.openxmlformats.org/drawingml/2006/diagram" xmlns:o="urn:schemas-microsoft-com:office:office" xmlns:v="urn:schemas-microsoft-com:vml" xmlns:pvml="urn:schemas-microsoft-com:office:powerpoint" xmlns:com="http://schemas.openxmlformats.org/drawingml/2006/compatibility" xmlns:p14="http://schemas.microsoft.com/office/powerpoint/2010/main" xmlns:p15="http://schemas.microsoft.com/office/powerpoint/2012/main" xmlns:ahyp="http://schemas.microsoft.com/office/drawing/2018/hyperlinkcolor">
+<p:sld xmlns:a="http://schemas.openxmlformats.org/drawingml/2006/main" xmlns:r="http://schemas.openxmlformats.org/officeDocument/2006/relationships" xmlns:p="http://schemas.openxmlformats.org/presentationml/2006/main">
   <p:cSld>
     <p:spTree>
       <p:nvGrpSpPr>
-        <p:cNvPr id="127" name="Shape 127"/>
+        <p:cNvPr id="1" name="Shape 127"/>
         <p:cNvGrpSpPr/>
         <p:nvPr/>
       </p:nvGrpSpPr>
@@ -10886,7 +10125,9 @@
       <p:sp>
         <p:nvSpPr>
           <p:cNvPr id="128" name="Google Shape;128;p19"/>
-          <p:cNvSpPr txBox="1"/>
+          <p:cNvSpPr txBox="1">
+            <a:spLocks noGrp="1"/>
+          </p:cNvSpPr>
           <p:nvPr>
             <p:ph type="title"/>
           </p:nvPr>
@@ -10901,12 +10142,12 @@
           </a:prstGeom>
         </p:spPr>
         <p:txBody>
-          <a:bodyPr anchorCtr="0" anchor="b" bIns="91425" lIns="91425" spcFirstLastPara="1" rIns="91425" wrap="square" tIns="91425">
+          <a:bodyPr spcFirstLastPara="1" wrap="square" lIns="91425" tIns="91425" rIns="91425" bIns="91425" anchor="b" anchorCtr="0">
             <a:normAutofit/>
           </a:bodyPr>
           <a:lstStyle/>
           <a:p>
-            <a:pPr indent="0" lvl="0" marL="0" rtl="0" algn="l">
+            <a:pPr marL="0" lvl="0" indent="0" algn="l" rtl="0">
               <a:spcBef>
                 <a:spcPts val="0"/>
               </a:spcBef>
@@ -10950,29 +10191,29 @@
             </a:xfrm>
             <a:prstGeom prst="roundRect">
               <a:avLst>
-                <a:gd fmla="val 16667" name="adj"/>
+                <a:gd name="adj" fmla="val 16667"/>
               </a:avLst>
             </a:prstGeom>
             <a:solidFill>
               <a:srgbClr val="A72A1E"/>
             </a:solidFill>
-            <a:ln cap="flat" cmpd="sng" w="28575">
+            <a:ln w="28575" cap="flat" cmpd="sng">
               <a:solidFill>
                 <a:schemeClr val="dk2"/>
               </a:solidFill>
               <a:prstDash val="solid"/>
               <a:round/>
-              <a:headEnd len="sm" w="sm" type="none"/>
-              <a:tailEnd len="sm" w="sm" type="none"/>
+              <a:headEnd type="none" w="sm" len="sm"/>
+              <a:tailEnd type="none" w="sm" len="sm"/>
             </a:ln>
           </p:spPr>
           <p:txBody>
-            <a:bodyPr anchorCtr="0" anchor="ctr" bIns="91425" lIns="91425" spcFirstLastPara="1" rIns="91425" wrap="square" tIns="91425">
+            <a:bodyPr spcFirstLastPara="1" wrap="square" lIns="91425" tIns="91425" rIns="91425" bIns="91425" anchor="ctr" anchorCtr="0">
               <a:noAutofit/>
             </a:bodyPr>
             <a:lstStyle/>
             <a:p>
-              <a:pPr indent="0" lvl="0" marL="0" rtl="0" algn="l">
+              <a:pPr marL="0" lvl="0" indent="0" algn="l" rtl="0">
                 <a:lnSpc>
                   <a:spcPct val="115000"/>
                 </a:lnSpc>
@@ -10985,7 +10226,7 @@
                 <a:buNone/>
               </a:pPr>
               <a:r>
-                <a:rPr b="1" lang="en" sz="2600">
+                <a:rPr lang="en" sz="2600" b="1">
                   <a:solidFill>
                     <a:schemeClr val="lt1"/>
                   </a:solidFill>
@@ -10996,7 +10237,7 @@
                 </a:rPr>
                 <a:t>01</a:t>
               </a:r>
-              <a:endParaRPr b="1" sz="2600">
+              <a:endParaRPr sz="2600" b="1">
                 <a:solidFill>
                   <a:schemeClr val="lt1"/>
                 </a:solidFill>
@@ -11007,7 +10248,7 @@
               </a:endParaRPr>
             </a:p>
             <a:p>
-              <a:pPr indent="0" lvl="0" marL="0" rtl="0" algn="l">
+              <a:pPr marL="0" lvl="0" indent="0" algn="l" rtl="0">
                 <a:lnSpc>
                   <a:spcPct val="115000"/>
                 </a:lnSpc>
@@ -11020,7 +10261,7 @@
                 <a:buNone/>
               </a:pPr>
               <a:r>
-                <a:rPr b="1" lang="en" sz="1700">
+                <a:rPr lang="en" sz="1700" b="1">
                   <a:solidFill>
                     <a:schemeClr val="lt1"/>
                   </a:solidFill>
@@ -11054,7 +10295,7 @@
               </a:endParaRPr>
             </a:p>
             <a:p>
-              <a:pPr indent="0" lvl="0" marL="0" rtl="0" algn="l">
+              <a:pPr marL="0" lvl="0" indent="0" algn="l" rtl="0">
                 <a:lnSpc>
                   <a:spcPct val="115000"/>
                 </a:lnSpc>
@@ -11066,9 +10307,6 @@
                 </a:spcAft>
                 <a:buNone/>
               </a:pPr>
-              <a:r>
-                <a:t/>
-              </a:r>
               <a:endParaRPr sz="1700">
                 <a:solidFill>
                   <a:schemeClr val="lt1"/>
@@ -11080,7 +10318,7 @@
               </a:endParaRPr>
             </a:p>
             <a:p>
-              <a:pPr indent="0" lvl="0" marL="0" rtl="0" algn="l">
+              <a:pPr marL="0" lvl="0" indent="0" algn="l" rtl="0">
                 <a:spcBef>
                   <a:spcPts val="1200"/>
                 </a:spcBef>
@@ -11089,9 +10327,6 @@
                 </a:spcAft>
                 <a:buNone/>
               </a:pPr>
-              <a:r>
-                <a:t/>
-              </a:r>
               <a:endParaRPr/>
             </a:p>
           </p:txBody>
@@ -11109,29 +10344,29 @@
             </a:xfrm>
             <a:prstGeom prst="roundRect">
               <a:avLst>
-                <a:gd fmla="val 16667" name="adj"/>
+                <a:gd name="adj" fmla="val 16667"/>
               </a:avLst>
             </a:prstGeom>
             <a:solidFill>
               <a:srgbClr val="D9D9D9"/>
             </a:solidFill>
-            <a:ln cap="flat" cmpd="sng" w="9525">
+            <a:ln w="9525" cap="flat" cmpd="sng">
               <a:solidFill>
                 <a:schemeClr val="dk2"/>
               </a:solidFill>
               <a:prstDash val="solid"/>
               <a:round/>
-              <a:headEnd len="sm" w="sm" type="none"/>
-              <a:tailEnd len="sm" w="sm" type="none"/>
+              <a:headEnd type="none" w="sm" len="sm"/>
+              <a:tailEnd type="none" w="sm" len="sm"/>
             </a:ln>
           </p:spPr>
           <p:txBody>
-            <a:bodyPr anchorCtr="0" anchor="ctr" bIns="91425" lIns="91425" spcFirstLastPara="1" rIns="91425" wrap="square" tIns="91425">
+            <a:bodyPr spcFirstLastPara="1" wrap="square" lIns="91425" tIns="91425" rIns="91425" bIns="91425" anchor="ctr" anchorCtr="0">
               <a:noAutofit/>
             </a:bodyPr>
             <a:lstStyle/>
             <a:p>
-              <a:pPr indent="0" lvl="0" marL="0" rtl="0" algn="l">
+              <a:pPr marL="0" lvl="0" indent="0" algn="l" rtl="0">
                 <a:lnSpc>
                   <a:spcPct val="115000"/>
                 </a:lnSpc>
@@ -11143,9 +10378,6 @@
                 </a:spcAft>
                 <a:buNone/>
               </a:pPr>
-              <a:r>
-                <a:t/>
-              </a:r>
               <a:endParaRPr>
                 <a:solidFill>
                   <a:schemeClr val="dk1"/>
@@ -11157,7 +10389,7 @@
               </a:endParaRPr>
             </a:p>
             <a:p>
-              <a:pPr indent="0" lvl="0" marL="0" rtl="0" algn="l">
+              <a:pPr marL="0" lvl="0" indent="0" algn="l" rtl="0">
                 <a:lnSpc>
                   <a:spcPct val="115000"/>
                 </a:lnSpc>
@@ -11169,9 +10401,6 @@
                 </a:spcAft>
                 <a:buNone/>
               </a:pPr>
-              <a:r>
-                <a:t/>
-              </a:r>
               <a:endParaRPr>
                 <a:solidFill>
                   <a:schemeClr val="dk1"/>
@@ -11183,7 +10412,7 @@
               </a:endParaRPr>
             </a:p>
             <a:p>
-              <a:pPr indent="0" lvl="0" marL="0" rtl="0" algn="l">
+              <a:pPr marL="0" lvl="0" indent="0" algn="l" rtl="0">
                 <a:lnSpc>
                   <a:spcPct val="115000"/>
                 </a:lnSpc>
@@ -11208,7 +10437,7 @@
                 <a:t>Best public leaderboard score achieved: </a:t>
               </a:r>
               <a:r>
-                <a:rPr b="1" lang="en">
+                <a:rPr lang="en" b="1">
                   <a:solidFill>
                     <a:schemeClr val="dk1"/>
                   </a:solidFill>
@@ -11230,7 +10459,7 @@
               </a:endParaRPr>
             </a:p>
             <a:p>
-              <a:pPr indent="0" lvl="0" marL="0" rtl="0" algn="l">
+              <a:pPr marL="0" lvl="0" indent="0" algn="l" rtl="0">
                 <a:lnSpc>
                   <a:spcPct val="115000"/>
                 </a:lnSpc>
@@ -11242,9 +10471,6 @@
                 </a:spcAft>
                 <a:buNone/>
               </a:pPr>
-              <a:r>
-                <a:t/>
-              </a:r>
               <a:endParaRPr>
                 <a:solidFill>
                   <a:schemeClr val="dk1"/>
@@ -11256,7 +10482,7 @@
               </a:endParaRPr>
             </a:p>
             <a:p>
-              <a:pPr indent="0" lvl="0" marL="0" rtl="0" algn="l">
+              <a:pPr marL="0" lvl="0" indent="0" algn="l" rtl="0">
                 <a:spcBef>
                   <a:spcPts val="1200"/>
                 </a:spcBef>
@@ -11265,9 +10491,6 @@
                 </a:spcAft>
                 <a:buNone/>
               </a:pPr>
-              <a:r>
-                <a:t/>
-              </a:r>
               <a:endParaRPr/>
             </a:p>
           </p:txBody>
@@ -11286,29 +10509,29 @@
           </a:xfrm>
           <a:prstGeom prst="roundRect">
             <a:avLst>
-              <a:gd fmla="val 16667" name="adj"/>
+              <a:gd name="adj" fmla="val 16667"/>
             </a:avLst>
           </a:prstGeom>
           <a:solidFill>
             <a:srgbClr val="A72A1E"/>
           </a:solidFill>
-          <a:ln cap="flat" cmpd="sng" w="28575">
+          <a:ln w="28575" cap="flat" cmpd="sng">
             <a:solidFill>
               <a:schemeClr val="dk2"/>
             </a:solidFill>
             <a:prstDash val="solid"/>
             <a:round/>
-            <a:headEnd len="sm" w="sm" type="none"/>
-            <a:tailEnd len="sm" w="sm" type="none"/>
+            <a:headEnd type="none" w="sm" len="sm"/>
+            <a:tailEnd type="none" w="sm" len="sm"/>
           </a:ln>
         </p:spPr>
         <p:txBody>
-          <a:bodyPr anchorCtr="0" anchor="ctr" bIns="91425" lIns="91425" spcFirstLastPara="1" rIns="91425" wrap="square" tIns="91425">
+          <a:bodyPr spcFirstLastPara="1" wrap="square" lIns="91425" tIns="91425" rIns="91425" bIns="91425" anchor="ctr" anchorCtr="0">
             <a:noAutofit/>
           </a:bodyPr>
           <a:lstStyle/>
           <a:p>
-            <a:pPr indent="0" lvl="0" marL="0" rtl="0" algn="l">
+            <a:pPr marL="0" lvl="0" indent="0" algn="l" rtl="0">
               <a:lnSpc>
                 <a:spcPct val="115000"/>
               </a:lnSpc>
@@ -11321,7 +10544,7 @@
               <a:buNone/>
             </a:pPr>
             <a:r>
-              <a:rPr b="1" lang="en" sz="2600">
+              <a:rPr lang="en" sz="2600" b="1">
                 <a:solidFill>
                   <a:schemeClr val="lt1"/>
                 </a:solidFill>
@@ -11332,7 +10555,7 @@
               </a:rPr>
               <a:t>02</a:t>
             </a:r>
-            <a:endParaRPr b="1" sz="2600">
+            <a:endParaRPr sz="2600" b="1">
               <a:solidFill>
                 <a:schemeClr val="lt1"/>
               </a:solidFill>
@@ -11343,7 +10566,7 @@
             </a:endParaRPr>
           </a:p>
           <a:p>
-            <a:pPr indent="0" lvl="0" marL="0" rtl="0" algn="l">
+            <a:pPr marL="0" lvl="0" indent="0" algn="l" rtl="0">
               <a:lnSpc>
                 <a:spcPct val="115000"/>
               </a:lnSpc>
@@ -11356,7 +10579,7 @@
               <a:buNone/>
             </a:pPr>
             <a:r>
-              <a:rPr b="1" lang="en" sz="1500">
+              <a:rPr lang="en" sz="1500" b="1">
                 <a:solidFill>
                   <a:schemeClr val="lt1"/>
                 </a:solidFill>
@@ -11390,7 +10613,7 @@
             </a:endParaRPr>
           </a:p>
           <a:p>
-            <a:pPr indent="0" lvl="0" marL="0" rtl="0" algn="l">
+            <a:pPr marL="0" lvl="0" indent="0" algn="l" rtl="0">
               <a:spcBef>
                 <a:spcPts val="1200"/>
               </a:spcBef>
@@ -11399,9 +10622,6 @@
               </a:spcAft>
               <a:buNone/>
             </a:pPr>
-            <a:r>
-              <a:t/>
-            </a:r>
             <a:endParaRPr/>
           </a:p>
         </p:txBody>
@@ -11419,29 +10639,29 @@
           </a:xfrm>
           <a:prstGeom prst="roundRect">
             <a:avLst>
-              <a:gd fmla="val 16667" name="adj"/>
+              <a:gd name="adj" fmla="val 16667"/>
             </a:avLst>
           </a:prstGeom>
           <a:solidFill>
             <a:srgbClr val="D9D9D9"/>
           </a:solidFill>
-          <a:ln cap="flat" cmpd="sng" w="9525">
+          <a:ln w="9525" cap="flat" cmpd="sng">
             <a:solidFill>
               <a:schemeClr val="dk2"/>
             </a:solidFill>
             <a:prstDash val="solid"/>
             <a:round/>
-            <a:headEnd len="sm" w="sm" type="none"/>
-            <a:tailEnd len="sm" w="sm" type="none"/>
+            <a:headEnd type="none" w="sm" len="sm"/>
+            <a:tailEnd type="none" w="sm" len="sm"/>
           </a:ln>
         </p:spPr>
         <p:txBody>
-          <a:bodyPr anchorCtr="0" anchor="ctr" bIns="91425" lIns="91425" spcFirstLastPara="1" rIns="91425" wrap="square" tIns="91425">
+          <a:bodyPr spcFirstLastPara="1" wrap="square" lIns="91425" tIns="91425" rIns="91425" bIns="91425" anchor="ctr" anchorCtr="0">
             <a:noAutofit/>
           </a:bodyPr>
           <a:lstStyle/>
           <a:p>
-            <a:pPr indent="0" lvl="0" marL="0" rtl="0" algn="l">
+            <a:pPr marL="0" lvl="0" indent="0" algn="l" rtl="0">
               <a:lnSpc>
                 <a:spcPct val="115000"/>
               </a:lnSpc>
@@ -11453,9 +10673,6 @@
               </a:spcAft>
               <a:buNone/>
             </a:pPr>
-            <a:r>
-              <a:t/>
-            </a:r>
             <a:endParaRPr sz="1300">
               <a:solidFill>
                 <a:schemeClr val="dk1"/>
@@ -11467,7 +10684,7 @@
             </a:endParaRPr>
           </a:p>
           <a:p>
-            <a:pPr indent="0" lvl="0" marL="0" rtl="0" algn="l">
+            <a:pPr marL="0" lvl="0" indent="0" algn="l" rtl="0">
               <a:lnSpc>
                 <a:spcPct val="115000"/>
               </a:lnSpc>
@@ -11492,7 +10709,7 @@
               <a:t>Best public leaderboard score achieved: </a:t>
             </a:r>
             <a:r>
-              <a:rPr b="1" lang="en" sz="1300">
+              <a:rPr lang="en" sz="1300" b="1">
                 <a:solidFill>
                   <a:schemeClr val="dk1"/>
                 </a:solidFill>
@@ -11503,7 +10720,7 @@
               </a:rPr>
               <a:t>0.4384</a:t>
             </a:r>
-            <a:endParaRPr b="1" sz="1300">
+            <a:endParaRPr sz="1300" b="1">
               <a:solidFill>
                 <a:schemeClr val="dk1"/>
               </a:solidFill>
@@ -11514,7 +10731,7 @@
             </a:endParaRPr>
           </a:p>
           <a:p>
-            <a:pPr indent="0" lvl="0" marL="0" rtl="0" algn="l">
+            <a:pPr marL="0" lvl="0" indent="0" algn="l" rtl="0">
               <a:spcBef>
                 <a:spcPts val="1200"/>
               </a:spcBef>
@@ -11523,9 +10740,6 @@
               </a:spcAft>
               <a:buNone/>
             </a:pPr>
-            <a:r>
-              <a:t/>
-            </a:r>
             <a:endParaRPr sz="1300">
               <a:solidFill>
                 <a:schemeClr val="dk1"/>
@@ -11541,7 +10755,9 @@
       <p:sp>
         <p:nvSpPr>
           <p:cNvPr id="134" name="Google Shape;134;p19"/>
-          <p:cNvSpPr txBox="1"/>
+          <p:cNvSpPr txBox="1">
+            <a:spLocks noGrp="1"/>
+          </p:cNvSpPr>
           <p:nvPr>
             <p:ph type="title"/>
           </p:nvPr>
@@ -11556,12 +10772,12 @@
           </a:prstGeom>
         </p:spPr>
         <p:txBody>
-          <a:bodyPr anchorCtr="0" anchor="b" bIns="91425" lIns="91425" spcFirstLastPara="1" rIns="91425" wrap="square" tIns="91425">
-            <a:normAutofit fontScale="90000"/>
+          <a:bodyPr spcFirstLastPara="1" wrap="square" lIns="91425" tIns="91425" rIns="91425" bIns="91425" anchor="b" anchorCtr="0">
+            <a:normAutofit/>
           </a:bodyPr>
           <a:lstStyle/>
           <a:p>
-            <a:pPr indent="0" lvl="0" marL="0" rtl="0" algn="l">
+            <a:pPr marL="0" lvl="0" indent="0" algn="l" rtl="0">
               <a:spcBef>
                 <a:spcPts val="0"/>
               </a:spcBef>
@@ -11577,16 +10793,7 @@
                 <a:cs typeface="Open Sans"/>
                 <a:sym typeface="Open Sans"/>
               </a:rPr>
-              <a:t>C</a:t>
-            </a:r>
-            <a:r>
-              <a:rPr lang="en" sz="1800">
-                <a:latin typeface="Open Sans"/>
-                <a:ea typeface="Open Sans"/>
-                <a:cs typeface="Open Sans"/>
-                <a:sym typeface="Open Sans"/>
-              </a:rPr>
-              <a:t>oncatenated the embeddings for User ID, Item ID, Item Feature ID and Context Feature and fed them to a:</a:t>
+              <a:t>Concatenated the embeddings for User ID, Item ID, Item Feature ID and Context Feature and fed them to a:</a:t>
             </a:r>
             <a:endParaRPr/>
           </a:p>
@@ -11601,11 +10808,11 @@
 </file>
 
 <file path=ppt/slides/slide8.xml><?xml version="1.0" encoding="utf-8"?>
-<p:sld xmlns:a="http://schemas.openxmlformats.org/drawingml/2006/main" xmlns:r="http://schemas.openxmlformats.org/officeDocument/2006/relationships" xmlns:mc="http://schemas.openxmlformats.org/markup-compatibility/2006" xmlns:mv="urn:schemas-microsoft-com:mac:vml" xmlns:p="http://schemas.openxmlformats.org/presentationml/2006/main" xmlns:c="http://schemas.openxmlformats.org/drawingml/2006/chart" xmlns:dgm="http://schemas.openxmlformats.org/drawingml/2006/diagram" xmlns:o="urn:schemas-microsoft-com:office:office" xmlns:v="urn:schemas-microsoft-com:vml" xmlns:pvml="urn:schemas-microsoft-com:office:powerpoint" xmlns:com="http://schemas.openxmlformats.org/drawingml/2006/compatibility" xmlns:p14="http://schemas.microsoft.com/office/powerpoint/2010/main" xmlns:p15="http://schemas.microsoft.com/office/powerpoint/2012/main" xmlns:ahyp="http://schemas.microsoft.com/office/drawing/2018/hyperlinkcolor">
+<p:sld xmlns:a="http://schemas.openxmlformats.org/drawingml/2006/main" xmlns:r="http://schemas.openxmlformats.org/officeDocument/2006/relationships" xmlns:p="http://schemas.openxmlformats.org/presentationml/2006/main">
   <p:cSld>
     <p:spTree>
       <p:nvGrpSpPr>
-        <p:cNvPr id="138" name="Shape 138"/>
+        <p:cNvPr id="1" name="Shape 138"/>
         <p:cNvGrpSpPr/>
         <p:nvPr/>
       </p:nvGrpSpPr>
@@ -11620,7 +10827,9 @@
       <p:sp>
         <p:nvSpPr>
           <p:cNvPr id="139" name="Google Shape;139;p20"/>
-          <p:cNvSpPr txBox="1"/>
+          <p:cNvSpPr txBox="1">
+            <a:spLocks noGrp="1"/>
+          </p:cNvSpPr>
           <p:nvPr>
             <p:ph type="title"/>
           </p:nvPr>
@@ -11635,12 +10844,12 @@
           </a:prstGeom>
         </p:spPr>
         <p:txBody>
-          <a:bodyPr anchorCtr="0" anchor="b" bIns="91425" lIns="91425" spcFirstLastPara="1" rIns="91425" wrap="square" tIns="91425">
+          <a:bodyPr spcFirstLastPara="1" wrap="square" lIns="91425" tIns="91425" rIns="91425" bIns="91425" anchor="b" anchorCtr="0">
             <a:normAutofit/>
           </a:bodyPr>
           <a:lstStyle/>
           <a:p>
-            <a:pPr indent="0" lvl="0" marL="0" rtl="0" algn="l">
+            <a:pPr marL="0" lvl="0" indent="0" algn="l" rtl="0">
               <a:spcBef>
                 <a:spcPts val="0"/>
               </a:spcBef>
@@ -11651,11 +10860,7 @@
             </a:pPr>
             <a:r>
               <a:rPr lang="en"/>
-              <a:t>Experimental results: </a:t>
-            </a:r>
-            <a:r>
-              <a:rPr lang="en"/>
-              <a:t>Ensembling</a:t>
+              <a:t>Experimental results: Ensembling</a:t>
             </a:r>
             <a:endParaRPr/>
           </a:p>
@@ -11688,29 +10893,29 @@
             </a:xfrm>
             <a:prstGeom prst="roundRect">
               <a:avLst>
-                <a:gd fmla="val 16667" name="adj"/>
+                <a:gd name="adj" fmla="val 16667"/>
               </a:avLst>
             </a:prstGeom>
             <a:solidFill>
               <a:srgbClr val="A72A1E"/>
             </a:solidFill>
-            <a:ln cap="flat" cmpd="sng" w="28575">
+            <a:ln w="28575" cap="flat" cmpd="sng">
               <a:solidFill>
                 <a:schemeClr val="dk2"/>
               </a:solidFill>
               <a:prstDash val="solid"/>
               <a:round/>
-              <a:headEnd len="sm" w="sm" type="none"/>
-              <a:tailEnd len="sm" w="sm" type="none"/>
+              <a:headEnd type="none" w="sm" len="sm"/>
+              <a:tailEnd type="none" w="sm" len="sm"/>
             </a:ln>
           </p:spPr>
           <p:txBody>
-            <a:bodyPr anchorCtr="0" anchor="ctr" bIns="91425" lIns="91425" spcFirstLastPara="1" rIns="91425" wrap="square" tIns="91425">
+            <a:bodyPr spcFirstLastPara="1" wrap="square" lIns="91425" tIns="91425" rIns="91425" bIns="91425" anchor="ctr" anchorCtr="0">
               <a:noAutofit/>
             </a:bodyPr>
             <a:lstStyle/>
             <a:p>
-              <a:pPr indent="0" lvl="0" marL="0" rtl="0" algn="l">
+              <a:pPr marL="0" lvl="0" indent="0" algn="l" rtl="0">
                 <a:lnSpc>
                   <a:spcPct val="115000"/>
                 </a:lnSpc>
@@ -11723,7 +10928,7 @@
                 <a:buNone/>
               </a:pPr>
               <a:r>
-                <a:rPr b="1" lang="en" sz="2600">
+                <a:rPr lang="en" sz="2600" b="1">
                   <a:solidFill>
                     <a:schemeClr val="lt1"/>
                   </a:solidFill>
@@ -11734,7 +10939,7 @@
                 </a:rPr>
                 <a:t>01</a:t>
               </a:r>
-              <a:endParaRPr b="1" sz="2600">
+              <a:endParaRPr sz="2600" b="1">
                 <a:solidFill>
                   <a:schemeClr val="lt1"/>
                 </a:solidFill>
@@ -11745,7 +10950,7 @@
               </a:endParaRPr>
             </a:p>
             <a:p>
-              <a:pPr indent="0" lvl="0" marL="0" rtl="0" algn="l">
+              <a:pPr marL="0" lvl="0" indent="0" algn="l" rtl="0">
                 <a:lnSpc>
                   <a:spcPct val="115000"/>
                 </a:lnSpc>
@@ -11780,7 +10985,7 @@
               </a:endParaRPr>
             </a:p>
             <a:p>
-              <a:pPr indent="0" lvl="0" marL="0" rtl="0" algn="l">
+              <a:pPr marL="0" lvl="0" indent="0" algn="l" rtl="0">
                 <a:spcBef>
                   <a:spcPts val="1200"/>
                 </a:spcBef>
@@ -11789,9 +10994,6 @@
                 </a:spcAft>
                 <a:buNone/>
               </a:pPr>
-              <a:r>
-                <a:t/>
-              </a:r>
               <a:endParaRPr/>
             </a:p>
           </p:txBody>
@@ -11809,29 +11011,29 @@
             </a:xfrm>
             <a:prstGeom prst="roundRect">
               <a:avLst>
-                <a:gd fmla="val 16667" name="adj"/>
+                <a:gd name="adj" fmla="val 16667"/>
               </a:avLst>
             </a:prstGeom>
             <a:solidFill>
               <a:srgbClr val="D9D9D9"/>
             </a:solidFill>
-            <a:ln cap="flat" cmpd="sng" w="28575">
+            <a:ln w="28575" cap="flat" cmpd="sng">
               <a:solidFill>
                 <a:schemeClr val="dk2"/>
               </a:solidFill>
               <a:prstDash val="solid"/>
               <a:round/>
-              <a:headEnd len="sm" w="sm" type="none"/>
-              <a:tailEnd len="sm" w="sm" type="none"/>
+              <a:headEnd type="none" w="sm" len="sm"/>
+              <a:tailEnd type="none" w="sm" len="sm"/>
             </a:ln>
           </p:spPr>
           <p:txBody>
-            <a:bodyPr anchorCtr="0" anchor="ctr" bIns="91425" lIns="91425" spcFirstLastPara="1" rIns="91425" wrap="square" tIns="91425">
+            <a:bodyPr spcFirstLastPara="1" wrap="square" lIns="91425" tIns="91425" rIns="91425" bIns="91425" anchor="ctr" anchorCtr="0">
               <a:noAutofit/>
             </a:bodyPr>
             <a:lstStyle/>
             <a:p>
-              <a:pPr indent="0" lvl="0" marL="0" rtl="0" algn="l">
+              <a:pPr marL="0" lvl="0" indent="0" algn="l" rtl="0">
                 <a:lnSpc>
                   <a:spcPct val="115000"/>
                 </a:lnSpc>
@@ -11843,9 +11045,6 @@
                 </a:spcAft>
                 <a:buNone/>
               </a:pPr>
-              <a:r>
-                <a:t/>
-              </a:r>
               <a:endParaRPr>
                 <a:solidFill>
                   <a:schemeClr val="dk1"/>
@@ -11857,7 +11056,7 @@
               </a:endParaRPr>
             </a:p>
             <a:p>
-              <a:pPr indent="0" lvl="0" marL="0" rtl="0" algn="l">
+              <a:pPr marL="0" lvl="0" indent="0" algn="l" rtl="0">
                 <a:lnSpc>
                   <a:spcPct val="115000"/>
                 </a:lnSpc>
@@ -11869,9 +11068,6 @@
                 </a:spcAft>
                 <a:buNone/>
               </a:pPr>
-              <a:r>
-                <a:t/>
-              </a:r>
               <a:endParaRPr>
                 <a:solidFill>
                   <a:schemeClr val="dk1"/>
@@ -11883,7 +11079,7 @@
               </a:endParaRPr>
             </a:p>
             <a:p>
-              <a:pPr indent="0" lvl="0" marL="0" rtl="0" algn="l">
+              <a:pPr marL="0" lvl="0" indent="0" algn="l" rtl="0">
                 <a:lnSpc>
                   <a:spcPct val="115000"/>
                 </a:lnSpc>
@@ -11908,7 +11104,7 @@
                 <a:t>Best public leaderboard score achieved: </a:t>
               </a:r>
               <a:r>
-                <a:rPr b="1" lang="en">
+                <a:rPr lang="en" b="1">
                   <a:solidFill>
                     <a:schemeClr val="dk1"/>
                   </a:solidFill>
@@ -11930,7 +11126,7 @@
               </a:endParaRPr>
             </a:p>
             <a:p>
-              <a:pPr indent="0" lvl="0" marL="0" rtl="0" algn="l">
+              <a:pPr marL="0" lvl="0" indent="0" algn="l" rtl="0">
                 <a:lnSpc>
                   <a:spcPct val="115000"/>
                 </a:lnSpc>
@@ -11942,9 +11138,6 @@
                 </a:spcAft>
                 <a:buNone/>
               </a:pPr>
-              <a:r>
-                <a:t/>
-              </a:r>
               <a:endParaRPr>
                 <a:solidFill>
                   <a:schemeClr val="dk1"/>
@@ -11956,7 +11149,7 @@
               </a:endParaRPr>
             </a:p>
             <a:p>
-              <a:pPr indent="0" lvl="0" marL="0" rtl="0" algn="l">
+              <a:pPr marL="0" lvl="0" indent="0" algn="l" rtl="0">
                 <a:spcBef>
                   <a:spcPts val="1200"/>
                 </a:spcBef>
@@ -11965,9 +11158,6 @@
                 </a:spcAft>
                 <a:buNone/>
               </a:pPr>
-              <a:r>
-                <a:t/>
-              </a:r>
               <a:endParaRPr/>
             </a:p>
           </p:txBody>
@@ -11982,11 +11172,11 @@
 </file>
 
 <file path=ppt/slides/slide9.xml><?xml version="1.0" encoding="utf-8"?>
-<p:sld xmlns:a="http://schemas.openxmlformats.org/drawingml/2006/main" xmlns:r="http://schemas.openxmlformats.org/officeDocument/2006/relationships" xmlns:mc="http://schemas.openxmlformats.org/markup-compatibility/2006" xmlns:mv="urn:schemas-microsoft-com:mac:vml" xmlns:p="http://schemas.openxmlformats.org/presentationml/2006/main" xmlns:c="http://schemas.openxmlformats.org/drawingml/2006/chart" xmlns:dgm="http://schemas.openxmlformats.org/drawingml/2006/diagram" xmlns:o="urn:schemas-microsoft-com:office:office" xmlns:v="urn:schemas-microsoft-com:vml" xmlns:pvml="urn:schemas-microsoft-com:office:powerpoint" xmlns:com="http://schemas.openxmlformats.org/drawingml/2006/compatibility" xmlns:p14="http://schemas.microsoft.com/office/powerpoint/2010/main" xmlns:p15="http://schemas.microsoft.com/office/powerpoint/2012/main" xmlns:ahyp="http://schemas.microsoft.com/office/drawing/2018/hyperlinkcolor">
+<p:sld xmlns:a="http://schemas.openxmlformats.org/drawingml/2006/main" xmlns:r="http://schemas.openxmlformats.org/officeDocument/2006/relationships" xmlns:p="http://schemas.openxmlformats.org/presentationml/2006/main">
   <p:cSld>
     <p:spTree>
       <p:nvGrpSpPr>
-        <p:cNvPr id="146" name="Shape 146"/>
+        <p:cNvPr id="1" name="Shape 146"/>
         <p:cNvGrpSpPr/>
         <p:nvPr/>
       </p:nvGrpSpPr>
@@ -12001,7 +11191,9 @@
       <p:sp>
         <p:nvSpPr>
           <p:cNvPr id="147" name="Google Shape;147;p21"/>
-          <p:cNvSpPr txBox="1"/>
+          <p:cNvSpPr txBox="1">
+            <a:spLocks noGrp="1"/>
+          </p:cNvSpPr>
           <p:nvPr>
             <p:ph type="title"/>
           </p:nvPr>
@@ -12016,12 +11208,12 @@
           </a:prstGeom>
         </p:spPr>
         <p:txBody>
-          <a:bodyPr anchorCtr="0" anchor="b" bIns="91425" lIns="91425" spcFirstLastPara="1" rIns="91425" wrap="square" tIns="91425">
+          <a:bodyPr spcFirstLastPara="1" wrap="square" lIns="91425" tIns="91425" rIns="91425" bIns="91425" anchor="b" anchorCtr="0">
             <a:normAutofit/>
           </a:bodyPr>
           <a:lstStyle/>
           <a:p>
-            <a:pPr indent="0" lvl="0" marL="0" rtl="0" algn="l">
+            <a:pPr marL="0" lvl="0" indent="0" algn="l" rtl="0">
               <a:spcBef>
                 <a:spcPts val="0"/>
               </a:spcBef>
@@ -12041,9 +11233,11 @@
       <p:sp>
         <p:nvSpPr>
           <p:cNvPr id="148" name="Google Shape;148;p21"/>
-          <p:cNvSpPr txBox="1"/>
+          <p:cNvSpPr txBox="1">
+            <a:spLocks noGrp="1"/>
+          </p:cNvSpPr>
           <p:nvPr>
-            <p:ph idx="1" type="body"/>
+            <p:ph type="body" idx="1"/>
           </p:nvPr>
         </p:nvSpPr>
         <p:spPr>
@@ -12056,12 +11250,12 @@
           </a:prstGeom>
         </p:spPr>
         <p:txBody>
-          <a:bodyPr anchorCtr="0" anchor="t" bIns="91425" lIns="91425" spcFirstLastPara="1" rIns="91425" wrap="square" tIns="91425">
+          <a:bodyPr spcFirstLastPara="1" wrap="square" lIns="91425" tIns="91425" rIns="91425" bIns="91425" anchor="t" anchorCtr="0">
             <a:normAutofit/>
           </a:bodyPr>
           <a:lstStyle/>
           <a:p>
-            <a:pPr indent="-342900" lvl="0" marL="457200" rtl="0" algn="l">
+            <a:pPr marL="457200" lvl="0" indent="-342900" algn="l" rtl="0">
               <a:spcBef>
                 <a:spcPts val="0"/>
               </a:spcBef>
@@ -12073,20 +11267,12 @@
             </a:pPr>
             <a:r>
               <a:rPr lang="en"/>
-              <a:t>Developed an understanding of how the Matrix Factorization meth</a:t>
-            </a:r>
-            <a:r>
-              <a:rPr lang="en"/>
-              <a:t>od can be used to develop recommendation systems</a:t>
-            </a:r>
-            <a:r>
-              <a:rPr lang="en"/>
-              <a:t>.</a:t>
+              <a:t>Developed an understanding of how the Matrix Factorization method can be used to develop recommendation systems.</a:t>
             </a:r>
             <a:endParaRPr/>
           </a:p>
           <a:p>
-            <a:pPr indent="-342900" lvl="0" marL="457200" rtl="0" algn="l">
+            <a:pPr marL="457200" lvl="0" indent="-342900" algn="l" rtl="0">
               <a:spcBef>
                 <a:spcPts val="0"/>
               </a:spcBef>
@@ -12103,7 +11289,7 @@
             <a:endParaRPr/>
           </a:p>
           <a:p>
-            <a:pPr indent="-342900" lvl="0" marL="457200" rtl="0" algn="l">
+            <a:pPr marL="457200" lvl="0" indent="-342900" algn="l" rtl="0">
               <a:spcBef>
                 <a:spcPts val="0"/>
               </a:spcBef>
@@ -12120,7 +11306,7 @@
             <a:endParaRPr/>
           </a:p>
           <a:p>
-            <a:pPr indent="-342900" lvl="0" marL="457200" rtl="0" algn="l">
+            <a:pPr marL="457200" lvl="0" indent="-342900" algn="l" rtl="0">
               <a:spcBef>
                 <a:spcPts val="0"/>
               </a:spcBef>
@@ -12137,7 +11323,7 @@
             <a:endParaRPr/>
           </a:p>
           <a:p>
-            <a:pPr indent="-342900" lvl="0" marL="457200" rtl="0" algn="l">
+            <a:pPr marL="457200" lvl="0" indent="-342900" algn="l" rtl="0">
               <a:spcBef>
                 <a:spcPts val="0"/>
               </a:spcBef>
@@ -12154,7 +11340,7 @@
             <a:endParaRPr/>
           </a:p>
           <a:p>
-            <a:pPr indent="-342900" lvl="0" marL="457200" rtl="0" algn="l">
+            <a:pPr marL="457200" lvl="0" indent="-342900" algn="l" rtl="0">
               <a:spcBef>
                 <a:spcPts val="0"/>
               </a:spcBef>
@@ -12181,7 +11367,288 @@
 </file>
 
 <file path=ppt/theme/theme1.xml><?xml version="1.0" encoding="utf-8"?>
-<a:theme xmlns:a="http://schemas.openxmlformats.org/drawingml/2006/main" xmlns:r="http://schemas.openxmlformats.org/officeDocument/2006/relationships">
+<a:theme xmlns:a="http://schemas.openxmlformats.org/drawingml/2006/main" name="Luxe">
+  <a:themeElements>
+    <a:clrScheme name="Luxe">
+      <a:dk1>
+        <a:srgbClr val="000000"/>
+      </a:dk1>
+      <a:lt1>
+        <a:srgbClr val="FFFFFF"/>
+      </a:lt1>
+      <a:dk2>
+        <a:srgbClr val="B7B7B7"/>
+      </a:dk2>
+      <a:lt2>
+        <a:srgbClr val="CCA677"/>
+      </a:lt2>
+      <a:accent1>
+        <a:srgbClr val="5D4037"/>
+      </a:accent1>
+      <a:accent2>
+        <a:srgbClr val="455A64"/>
+      </a:accent2>
+      <a:accent3>
+        <a:srgbClr val="57BB8A"/>
+      </a:accent3>
+      <a:accent4>
+        <a:srgbClr val="78909C"/>
+      </a:accent4>
+      <a:accent5>
+        <a:srgbClr val="607D8B"/>
+      </a:accent5>
+      <a:accent6>
+        <a:srgbClr val="DCE755"/>
+      </a:accent6>
+      <a:hlink>
+        <a:srgbClr val="607D8B"/>
+      </a:hlink>
+      <a:folHlink>
+        <a:srgbClr val="607D8B"/>
+      </a:folHlink>
+    </a:clrScheme>
+    <a:fontScheme name="Office">
+      <a:majorFont>
+        <a:latin typeface="Arial"/>
+        <a:ea typeface=""/>
+        <a:cs typeface=""/>
+        <a:font script="Jpan" typeface="ＭＳ Ｐゴシック"/>
+        <a:font script="Hang" typeface="맑은 고딕"/>
+        <a:font script="Hans" typeface="宋体"/>
+        <a:font script="Hant" typeface="新細明體"/>
+        <a:font script="Arab" typeface="Times New Roman"/>
+        <a:font script="Hebr" typeface="Times New Roman"/>
+        <a:font script="Thai" typeface="Angsana New"/>
+        <a:font script="Ethi" typeface="Nyala"/>
+        <a:font script="Beng" typeface="Vrinda"/>
+        <a:font script="Gujr" typeface="Shruti"/>
+        <a:font script="Khmr" typeface="MoolBoran"/>
+        <a:font script="Knda" typeface="Tunga"/>
+        <a:font script="Guru" typeface="Raavi"/>
+        <a:font script="Cans" typeface="Euphemia"/>
+        <a:font script="Cher" typeface="Plantagenet Cherokee"/>
+        <a:font script="Yiii" typeface="Microsoft Yi Baiti"/>
+        <a:font script="Tibt" typeface="Microsoft Himalaya"/>
+        <a:font script="Thaa" typeface="MV Boli"/>
+        <a:font script="Deva" typeface="Mangal"/>
+        <a:font script="Telu" typeface="Gautami"/>
+        <a:font script="Taml" typeface="Latha"/>
+        <a:font script="Syrc" typeface="Estrangelo Edessa"/>
+        <a:font script="Orya" typeface="Kalinga"/>
+        <a:font script="Mlym" typeface="Kartika"/>
+        <a:font script="Laoo" typeface="DokChampa"/>
+        <a:font script="Sinh" typeface="Iskoola Pota"/>
+        <a:font script="Mong" typeface="Mongolian Baiti"/>
+        <a:font script="Viet" typeface="Times New Roman"/>
+        <a:font script="Uigh" typeface="Microsoft Uighur"/>
+        <a:font script="Geor" typeface="Sylfaen"/>
+      </a:majorFont>
+      <a:minorFont>
+        <a:latin typeface="Arial"/>
+        <a:ea typeface=""/>
+        <a:cs typeface=""/>
+        <a:font script="Jpan" typeface="ＭＳ Ｐゴシック"/>
+        <a:font script="Hang" typeface="맑은 고딕"/>
+        <a:font script="Hans" typeface="宋体"/>
+        <a:font script="Hant" typeface="新細明體"/>
+        <a:font script="Arab" typeface="Arial"/>
+        <a:font script="Hebr" typeface="Arial"/>
+        <a:font script="Thai" typeface="Cordia New"/>
+        <a:font script="Ethi" typeface="Nyala"/>
+        <a:font script="Beng" typeface="Vrinda"/>
+        <a:font script="Gujr" typeface="Shruti"/>
+        <a:font script="Khmr" typeface="DaunPenh"/>
+        <a:font script="Knda" typeface="Tunga"/>
+        <a:font script="Guru" typeface="Raavi"/>
+        <a:font script="Cans" typeface="Euphemia"/>
+        <a:font script="Cher" typeface="Plantagenet Cherokee"/>
+        <a:font script="Yiii" typeface="Microsoft Yi Baiti"/>
+        <a:font script="Tibt" typeface="Microsoft Himalaya"/>
+        <a:font script="Thaa" typeface="MV Boli"/>
+        <a:font script="Deva" typeface="Mangal"/>
+        <a:font script="Telu" typeface="Gautami"/>
+        <a:font script="Taml" typeface="Latha"/>
+        <a:font script="Syrc" typeface="Estrangelo Edessa"/>
+        <a:font script="Orya" typeface="Kalinga"/>
+        <a:font script="Mlym" typeface="Kartika"/>
+        <a:font script="Laoo" typeface="DokChampa"/>
+        <a:font script="Sinh" typeface="Iskoola Pota"/>
+        <a:font script="Mong" typeface="Mongolian Baiti"/>
+        <a:font script="Viet" typeface="Arial"/>
+        <a:font script="Uigh" typeface="Microsoft Uighur"/>
+        <a:font script="Geor" typeface="Sylfaen"/>
+      </a:minorFont>
+    </a:fontScheme>
+    <a:fmtScheme name="Office">
+      <a:fillStyleLst>
+        <a:solidFill>
+          <a:schemeClr val="phClr"/>
+        </a:solidFill>
+        <a:gradFill rotWithShape="1">
+          <a:gsLst>
+            <a:gs pos="0">
+              <a:schemeClr val="phClr">
+                <a:tint val="50000"/>
+                <a:satMod val="300000"/>
+              </a:schemeClr>
+            </a:gs>
+            <a:gs pos="35000">
+              <a:schemeClr val="phClr">
+                <a:tint val="37000"/>
+                <a:satMod val="300000"/>
+              </a:schemeClr>
+            </a:gs>
+            <a:gs pos="100000">
+              <a:schemeClr val="phClr">
+                <a:tint val="15000"/>
+                <a:satMod val="350000"/>
+              </a:schemeClr>
+            </a:gs>
+          </a:gsLst>
+          <a:lin ang="16200000" scaled="1"/>
+        </a:gradFill>
+        <a:gradFill rotWithShape="1">
+          <a:gsLst>
+            <a:gs pos="0">
+              <a:schemeClr val="phClr">
+                <a:tint val="100000"/>
+                <a:shade val="100000"/>
+                <a:satMod val="130000"/>
+              </a:schemeClr>
+            </a:gs>
+            <a:gs pos="100000">
+              <a:schemeClr val="phClr">
+                <a:tint val="50000"/>
+                <a:shade val="100000"/>
+                <a:satMod val="350000"/>
+              </a:schemeClr>
+            </a:gs>
+          </a:gsLst>
+          <a:lin ang="16200000" scaled="0"/>
+        </a:gradFill>
+      </a:fillStyleLst>
+      <a:lnStyleLst>
+        <a:ln w="9525" cap="flat" cmpd="sng" algn="ctr">
+          <a:solidFill>
+            <a:schemeClr val="phClr">
+              <a:shade val="95000"/>
+              <a:satMod val="105000"/>
+            </a:schemeClr>
+          </a:solidFill>
+          <a:prstDash val="solid"/>
+        </a:ln>
+        <a:ln w="25400" cap="flat" cmpd="sng" algn="ctr">
+          <a:solidFill>
+            <a:schemeClr val="phClr"/>
+          </a:solidFill>
+          <a:prstDash val="solid"/>
+        </a:ln>
+        <a:ln w="38100" cap="flat" cmpd="sng" algn="ctr">
+          <a:solidFill>
+            <a:schemeClr val="phClr"/>
+          </a:solidFill>
+          <a:prstDash val="solid"/>
+        </a:ln>
+      </a:lnStyleLst>
+      <a:effectStyleLst>
+        <a:effectStyle>
+          <a:effectLst>
+            <a:outerShdw blurRad="40000" dist="20000" dir="5400000" rotWithShape="0">
+              <a:srgbClr val="000000">
+                <a:alpha val="38000"/>
+              </a:srgbClr>
+            </a:outerShdw>
+          </a:effectLst>
+        </a:effectStyle>
+        <a:effectStyle>
+          <a:effectLst>
+            <a:outerShdw blurRad="40000" dist="23000" dir="5400000" rotWithShape="0">
+              <a:srgbClr val="000000">
+                <a:alpha val="35000"/>
+              </a:srgbClr>
+            </a:outerShdw>
+          </a:effectLst>
+        </a:effectStyle>
+        <a:effectStyle>
+          <a:effectLst>
+            <a:outerShdw blurRad="40000" dist="23000" dir="5400000" rotWithShape="0">
+              <a:srgbClr val="000000">
+                <a:alpha val="35000"/>
+              </a:srgbClr>
+            </a:outerShdw>
+          </a:effectLst>
+          <a:scene3d>
+            <a:camera prst="orthographicFront">
+              <a:rot lat="0" lon="0" rev="0"/>
+            </a:camera>
+            <a:lightRig rig="threePt" dir="t">
+              <a:rot lat="0" lon="0" rev="1200000"/>
+            </a:lightRig>
+          </a:scene3d>
+          <a:sp3d>
+            <a:bevelT w="63500" h="25400"/>
+          </a:sp3d>
+        </a:effectStyle>
+      </a:effectStyleLst>
+      <a:bgFillStyleLst>
+        <a:solidFill>
+          <a:schemeClr val="phClr"/>
+        </a:solidFill>
+        <a:gradFill rotWithShape="1">
+          <a:gsLst>
+            <a:gs pos="0">
+              <a:schemeClr val="phClr">
+                <a:tint val="40000"/>
+                <a:satMod val="350000"/>
+              </a:schemeClr>
+            </a:gs>
+            <a:gs pos="40000">
+              <a:schemeClr val="phClr">
+                <a:tint val="45000"/>
+                <a:shade val="99000"/>
+                <a:satMod val="350000"/>
+              </a:schemeClr>
+            </a:gs>
+            <a:gs pos="100000">
+              <a:schemeClr val="phClr">
+                <a:shade val="20000"/>
+                <a:satMod val="255000"/>
+              </a:schemeClr>
+            </a:gs>
+          </a:gsLst>
+          <a:path path="circle">
+            <a:fillToRect l="50000" t="-80000" r="50000" b="180000"/>
+          </a:path>
+        </a:gradFill>
+        <a:gradFill rotWithShape="1">
+          <a:gsLst>
+            <a:gs pos="0">
+              <a:schemeClr val="phClr">
+                <a:tint val="80000"/>
+                <a:satMod val="300000"/>
+              </a:schemeClr>
+            </a:gs>
+            <a:gs pos="100000">
+              <a:schemeClr val="phClr">
+                <a:shade val="30000"/>
+                <a:satMod val="200000"/>
+              </a:schemeClr>
+            </a:gs>
+          </a:gsLst>
+          <a:path path="circle">
+            <a:fillToRect l="50000" t="50000" r="50000" b="50000"/>
+          </a:path>
+        </a:gradFill>
+      </a:bgFillStyleLst>
+    </a:fmtScheme>
+  </a:themeElements>
+  <a:objectDefaults/>
+  <a:extraClrSchemeLst/>
+</a:theme>
+</file>
+
+<file path=ppt/theme/theme2.xml><?xml version="1.0" encoding="utf-8"?>
+<a:theme xmlns:a="http://schemas.openxmlformats.org/drawingml/2006/main">
   <a:themeElements>
     <a:clrScheme name="Default">
       <a:dk1>
@@ -12456,284 +11923,7 @@
       </a:bgFillStyleLst>
     </a:fmtScheme>
   </a:themeElements>
-</a:theme>
-</file>
-
-<file path=ppt/theme/theme2.xml><?xml version="1.0" encoding="utf-8"?>
-<a:theme xmlns:a="http://schemas.openxmlformats.org/drawingml/2006/main" xmlns:r="http://schemas.openxmlformats.org/officeDocument/2006/relationships" name="Luxe">
-  <a:themeElements>
-    <a:clrScheme name="Luxe">
-      <a:dk1>
-        <a:srgbClr val="000000"/>
-      </a:dk1>
-      <a:lt1>
-        <a:srgbClr val="FFFFFF"/>
-      </a:lt1>
-      <a:dk2>
-        <a:srgbClr val="B7B7B7"/>
-      </a:dk2>
-      <a:lt2>
-        <a:srgbClr val="CCA677"/>
-      </a:lt2>
-      <a:accent1>
-        <a:srgbClr val="5D4037"/>
-      </a:accent1>
-      <a:accent2>
-        <a:srgbClr val="455A64"/>
-      </a:accent2>
-      <a:accent3>
-        <a:srgbClr val="57BB8A"/>
-      </a:accent3>
-      <a:accent4>
-        <a:srgbClr val="78909C"/>
-      </a:accent4>
-      <a:accent5>
-        <a:srgbClr val="607D8B"/>
-      </a:accent5>
-      <a:accent6>
-        <a:srgbClr val="DCE755"/>
-      </a:accent6>
-      <a:hlink>
-        <a:srgbClr val="607D8B"/>
-      </a:hlink>
-      <a:folHlink>
-        <a:srgbClr val="607D8B"/>
-      </a:folHlink>
-    </a:clrScheme>
-    <a:fontScheme name="Office">
-      <a:majorFont>
-        <a:latin typeface="Arial"/>
-        <a:ea typeface=""/>
-        <a:cs typeface=""/>
-        <a:font script="Jpan" typeface="ＭＳ Ｐゴシック"/>
-        <a:font script="Hang" typeface="맑은 고딕"/>
-        <a:font script="Hans" typeface="宋体"/>
-        <a:font script="Hant" typeface="新細明體"/>
-        <a:font script="Arab" typeface="Times New Roman"/>
-        <a:font script="Hebr" typeface="Times New Roman"/>
-        <a:font script="Thai" typeface="Angsana New"/>
-        <a:font script="Ethi" typeface="Nyala"/>
-        <a:font script="Beng" typeface="Vrinda"/>
-        <a:font script="Gujr" typeface="Shruti"/>
-        <a:font script="Khmr" typeface="MoolBoran"/>
-        <a:font script="Knda" typeface="Tunga"/>
-        <a:font script="Guru" typeface="Raavi"/>
-        <a:font script="Cans" typeface="Euphemia"/>
-        <a:font script="Cher" typeface="Plantagenet Cherokee"/>
-        <a:font script="Yiii" typeface="Microsoft Yi Baiti"/>
-        <a:font script="Tibt" typeface="Microsoft Himalaya"/>
-        <a:font script="Thaa" typeface="MV Boli"/>
-        <a:font script="Deva" typeface="Mangal"/>
-        <a:font script="Telu" typeface="Gautami"/>
-        <a:font script="Taml" typeface="Latha"/>
-        <a:font script="Syrc" typeface="Estrangelo Edessa"/>
-        <a:font script="Orya" typeface="Kalinga"/>
-        <a:font script="Mlym" typeface="Kartika"/>
-        <a:font script="Laoo" typeface="DokChampa"/>
-        <a:font script="Sinh" typeface="Iskoola Pota"/>
-        <a:font script="Mong" typeface="Mongolian Baiti"/>
-        <a:font script="Viet" typeface="Times New Roman"/>
-        <a:font script="Uigh" typeface="Microsoft Uighur"/>
-        <a:font script="Geor" typeface="Sylfaen"/>
-      </a:majorFont>
-      <a:minorFont>
-        <a:latin typeface="Arial"/>
-        <a:ea typeface=""/>
-        <a:cs typeface=""/>
-        <a:font script="Jpan" typeface="ＭＳ Ｐゴシック"/>
-        <a:font script="Hang" typeface="맑은 고딕"/>
-        <a:font script="Hans" typeface="宋体"/>
-        <a:font script="Hant" typeface="新細明體"/>
-        <a:font script="Arab" typeface="Arial"/>
-        <a:font script="Hebr" typeface="Arial"/>
-        <a:font script="Thai" typeface="Cordia New"/>
-        <a:font script="Ethi" typeface="Nyala"/>
-        <a:font script="Beng" typeface="Vrinda"/>
-        <a:font script="Gujr" typeface="Shruti"/>
-        <a:font script="Khmr" typeface="DaunPenh"/>
-        <a:font script="Knda" typeface="Tunga"/>
-        <a:font script="Guru" typeface="Raavi"/>
-        <a:font script="Cans" typeface="Euphemia"/>
-        <a:font script="Cher" typeface="Plantagenet Cherokee"/>
-        <a:font script="Yiii" typeface="Microsoft Yi Baiti"/>
-        <a:font script="Tibt" typeface="Microsoft Himalaya"/>
-        <a:font script="Thaa" typeface="MV Boli"/>
-        <a:font script="Deva" typeface="Mangal"/>
-        <a:font script="Telu" typeface="Gautami"/>
-        <a:font script="Taml" typeface="Latha"/>
-        <a:font script="Syrc" typeface="Estrangelo Edessa"/>
-        <a:font script="Orya" typeface="Kalinga"/>
-        <a:font script="Mlym" typeface="Kartika"/>
-        <a:font script="Laoo" typeface="DokChampa"/>
-        <a:font script="Sinh" typeface="Iskoola Pota"/>
-        <a:font script="Mong" typeface="Mongolian Baiti"/>
-        <a:font script="Viet" typeface="Arial"/>
-        <a:font script="Uigh" typeface="Microsoft Uighur"/>
-        <a:font script="Geor" typeface="Sylfaen"/>
-      </a:minorFont>
-    </a:fontScheme>
-    <a:fmtScheme name="Office">
-      <a:fillStyleLst>
-        <a:solidFill>
-          <a:schemeClr val="phClr"/>
-        </a:solidFill>
-        <a:gradFill rotWithShape="1">
-          <a:gsLst>
-            <a:gs pos="0">
-              <a:schemeClr val="phClr">
-                <a:tint val="50000"/>
-                <a:satMod val="300000"/>
-              </a:schemeClr>
-            </a:gs>
-            <a:gs pos="35000">
-              <a:schemeClr val="phClr">
-                <a:tint val="37000"/>
-                <a:satMod val="300000"/>
-              </a:schemeClr>
-            </a:gs>
-            <a:gs pos="100000">
-              <a:schemeClr val="phClr">
-                <a:tint val="15000"/>
-                <a:satMod val="350000"/>
-              </a:schemeClr>
-            </a:gs>
-          </a:gsLst>
-          <a:lin ang="16200000" scaled="1"/>
-        </a:gradFill>
-        <a:gradFill rotWithShape="1">
-          <a:gsLst>
-            <a:gs pos="0">
-              <a:schemeClr val="phClr">
-                <a:tint val="100000"/>
-                <a:shade val="100000"/>
-                <a:satMod val="130000"/>
-              </a:schemeClr>
-            </a:gs>
-            <a:gs pos="100000">
-              <a:schemeClr val="phClr">
-                <a:tint val="50000"/>
-                <a:shade val="100000"/>
-                <a:satMod val="350000"/>
-              </a:schemeClr>
-            </a:gs>
-          </a:gsLst>
-          <a:lin ang="16200000" scaled="0"/>
-        </a:gradFill>
-      </a:fillStyleLst>
-      <a:lnStyleLst>
-        <a:ln w="9525" cap="flat" cmpd="sng" algn="ctr">
-          <a:solidFill>
-            <a:schemeClr val="phClr">
-              <a:shade val="95000"/>
-              <a:satMod val="105000"/>
-            </a:schemeClr>
-          </a:solidFill>
-          <a:prstDash val="solid"/>
-        </a:ln>
-        <a:ln w="25400" cap="flat" cmpd="sng" algn="ctr">
-          <a:solidFill>
-            <a:schemeClr val="phClr"/>
-          </a:solidFill>
-          <a:prstDash val="solid"/>
-        </a:ln>
-        <a:ln w="38100" cap="flat" cmpd="sng" algn="ctr">
-          <a:solidFill>
-            <a:schemeClr val="phClr"/>
-          </a:solidFill>
-          <a:prstDash val="solid"/>
-        </a:ln>
-      </a:lnStyleLst>
-      <a:effectStyleLst>
-        <a:effectStyle>
-          <a:effectLst>
-            <a:outerShdw blurRad="40000" dist="20000" dir="5400000" rotWithShape="0">
-              <a:srgbClr val="000000">
-                <a:alpha val="38000"/>
-              </a:srgbClr>
-            </a:outerShdw>
-          </a:effectLst>
-        </a:effectStyle>
-        <a:effectStyle>
-          <a:effectLst>
-            <a:outerShdw blurRad="40000" dist="23000" dir="5400000" rotWithShape="0">
-              <a:srgbClr val="000000">
-                <a:alpha val="35000"/>
-              </a:srgbClr>
-            </a:outerShdw>
-          </a:effectLst>
-        </a:effectStyle>
-        <a:effectStyle>
-          <a:effectLst>
-            <a:outerShdw blurRad="40000" dist="23000" dir="5400000" rotWithShape="0">
-              <a:srgbClr val="000000">
-                <a:alpha val="35000"/>
-              </a:srgbClr>
-            </a:outerShdw>
-          </a:effectLst>
-          <a:scene3d>
-            <a:camera prst="orthographicFront">
-              <a:rot lat="0" lon="0" rev="0"/>
-            </a:camera>
-            <a:lightRig rig="threePt" dir="t">
-              <a:rot lat="0" lon="0" rev="1200000"/>
-            </a:lightRig>
-          </a:scene3d>
-          <a:sp3d>
-            <a:bevelT w="63500" h="25400"/>
-          </a:sp3d>
-        </a:effectStyle>
-      </a:effectStyleLst>
-      <a:bgFillStyleLst>
-        <a:solidFill>
-          <a:schemeClr val="phClr"/>
-        </a:solidFill>
-        <a:gradFill rotWithShape="1">
-          <a:gsLst>
-            <a:gs pos="0">
-              <a:schemeClr val="phClr">
-                <a:tint val="40000"/>
-                <a:satMod val="350000"/>
-              </a:schemeClr>
-            </a:gs>
-            <a:gs pos="40000">
-              <a:schemeClr val="phClr">
-                <a:tint val="45000"/>
-                <a:shade val="99000"/>
-                <a:satMod val="350000"/>
-              </a:schemeClr>
-            </a:gs>
-            <a:gs pos="100000">
-              <a:schemeClr val="phClr">
-                <a:shade val="20000"/>
-                <a:satMod val="255000"/>
-              </a:schemeClr>
-            </a:gs>
-          </a:gsLst>
-          <a:path path="circle">
-            <a:fillToRect l="50000" t="-80000" r="50000" b="180000"/>
-          </a:path>
-        </a:gradFill>
-        <a:gradFill rotWithShape="1">
-          <a:gsLst>
-            <a:gs pos="0">
-              <a:schemeClr val="phClr">
-                <a:tint val="80000"/>
-                <a:satMod val="300000"/>
-              </a:schemeClr>
-            </a:gs>
-            <a:gs pos="100000">
-              <a:schemeClr val="phClr">
-                <a:shade val="30000"/>
-                <a:satMod val="200000"/>
-              </a:schemeClr>
-            </a:gs>
-          </a:gsLst>
-          <a:path path="circle">
-            <a:fillToRect l="50000" t="50000" r="50000" b="50000"/>
-          </a:path>
-        </a:gradFill>
-      </a:bgFillStyleLst>
-    </a:fmtScheme>
-  </a:themeElements>
+  <a:objectDefaults/>
+  <a:extraClrSchemeLst/>
 </a:theme>
 </file>